--- a/introduction.pptx
+++ b/introduction.pptx
@@ -5,7 +5,7 @@
     <p:sldMasterId id="2147483660" r:id="rId1"/>
   </p:sldMasterIdLst>
   <p:notesMasterIdLst>
-    <p:notesMasterId r:id="rId29"/>
+    <p:notesMasterId r:id="rId31"/>
   </p:notesMasterIdLst>
   <p:sldIdLst>
     <p:sldId id="256" r:id="rId2"/>
@@ -35,6 +35,8 @@
     <p:sldId id="278" r:id="rId26"/>
     <p:sldId id="279" r:id="rId27"/>
     <p:sldId id="280" r:id="rId28"/>
+    <p:sldId id="283" r:id="rId29"/>
+    <p:sldId id="284" r:id="rId30"/>
   </p:sldIdLst>
   <p:sldSz cx="12192000" cy="6858000"/>
   <p:notesSz cx="6858000" cy="9144000"/>
@@ -223,7 +225,7 @@
           <a:p>
             <a:fld id="{D7E3B4EB-6BDF-284D-AD57-536B50FE5189}" type="datetimeFigureOut">
               <a:rPr lang="en-US" smtClean="0"/>
-              <a:t>1/3/20</a:t>
+              <a:t>1/12/20</a:t>
             </a:fld>
             <a:endParaRPr lang="en-US"/>
           </a:p>
@@ -637,7 +639,7 @@
           <a:p>
             <a:fld id="{B14146EB-09CD-4E41-B3D8-EA8645EF6C2E}" type="datetime1">
               <a:rPr lang="en-US" smtClean="0"/>
-              <a:t>1/3/20</a:t>
+              <a:t>1/12/20</a:t>
             </a:fld>
             <a:endParaRPr lang="en-US" dirty="0"/>
           </a:p>
@@ -840,7 +842,7 @@
           <a:p>
             <a:fld id="{F6B21035-A189-9A40-9F66-0759B5183D6D}" type="datetime1">
               <a:rPr lang="en-US" smtClean="0"/>
-              <a:t>1/3/20</a:t>
+              <a:t>1/12/20</a:t>
             </a:fld>
             <a:endParaRPr lang="en-US" dirty="0"/>
           </a:p>
@@ -1053,7 +1055,7 @@
           <a:p>
             <a:fld id="{BF4660D8-46B8-6046-8AAE-C78035BF420A}" type="datetime1">
               <a:rPr lang="en-US" smtClean="0"/>
-              <a:t>1/3/20</a:t>
+              <a:t>1/12/20</a:t>
             </a:fld>
             <a:endParaRPr lang="en-US" dirty="0"/>
           </a:p>
@@ -1256,7 +1258,7 @@
           <a:p>
             <a:fld id="{73B30B67-9397-2E4F-9F39-BFE1A8F7230F}" type="datetime1">
               <a:rPr lang="en-US" smtClean="0"/>
-              <a:t>1/3/20</a:t>
+              <a:t>1/12/20</a:t>
             </a:fld>
             <a:endParaRPr lang="en-US" dirty="0"/>
           </a:p>
@@ -1536,7 +1538,7 @@
           <a:p>
             <a:fld id="{A8F20B4C-391D-B64F-A8A3-311D59ED15C6}" type="datetime1">
               <a:rPr lang="en-US" smtClean="0"/>
-              <a:t>1/3/20</a:t>
+              <a:t>1/12/20</a:t>
             </a:fld>
             <a:endParaRPr lang="en-US" dirty="0"/>
           </a:p>
@@ -1806,7 +1808,7 @@
           <a:p>
             <a:fld id="{C5060AB4-B300-9045-A4B3-B5453A7DC851}" type="datetime1">
               <a:rPr lang="en-US" smtClean="0"/>
-              <a:t>1/3/20</a:t>
+              <a:t>1/12/20</a:t>
             </a:fld>
             <a:endParaRPr lang="en-US" dirty="0"/>
           </a:p>
@@ -2223,7 +2225,7 @@
           <a:p>
             <a:fld id="{9AD43F04-3F24-3F47-9892-A61C960B2EAA}" type="datetime1">
               <a:rPr lang="en-US" smtClean="0"/>
-              <a:t>1/3/20</a:t>
+              <a:t>1/12/20</a:t>
             </a:fld>
             <a:endParaRPr lang="en-US" dirty="0"/>
           </a:p>
@@ -2369,7 +2371,7 @@
           <a:p>
             <a:fld id="{1EF90A80-041F-0D42-88B1-C88EA7093434}" type="datetime1">
               <a:rPr lang="en-US" smtClean="0"/>
-              <a:t>1/3/20</a:t>
+              <a:t>1/12/20</a:t>
             </a:fld>
             <a:endParaRPr lang="en-US" dirty="0"/>
           </a:p>
@@ -2487,7 +2489,7 @@
           <a:p>
             <a:fld id="{CAC05E4E-4CB1-2742-99F3-593CAAFDE17E}" type="datetime1">
               <a:rPr lang="en-US" smtClean="0"/>
-              <a:t>1/3/20</a:t>
+              <a:t>1/12/20</a:t>
             </a:fld>
             <a:endParaRPr lang="en-US" dirty="0"/>
           </a:p>
@@ -2803,7 +2805,7 @@
           <a:p>
             <a:fld id="{36D2C13E-C6EA-EF48-8577-90BAD56E0ABE}" type="datetime1">
               <a:rPr lang="en-US" smtClean="0"/>
-              <a:t>1/3/20</a:t>
+              <a:t>1/12/20</a:t>
             </a:fld>
             <a:endParaRPr lang="en-US" dirty="0"/>
           </a:p>
@@ -3096,7 +3098,7 @@
           <a:p>
             <a:fld id="{9CEFD2E9-1540-6741-B5CA-1C129D18EC7C}" type="datetime1">
               <a:rPr lang="en-US" smtClean="0"/>
-              <a:t>1/3/20</a:t>
+              <a:t>1/12/20</a:t>
             </a:fld>
             <a:endParaRPr lang="en-US" dirty="0"/>
           </a:p>
@@ -3342,7 +3344,7 @@
           <a:p>
             <a:fld id="{4AD3DE2F-6D54-314E-B8EA-1B88B2A91709}" type="datetime1">
               <a:rPr lang="en-US" smtClean="0"/>
-              <a:t>1/3/20</a:t>
+              <a:t>1/12/20</a:t>
             </a:fld>
             <a:endParaRPr lang="en-US" dirty="0"/>
           </a:p>
@@ -20537,6 +20539,46 @@
           </a:p>
         </p:txBody>
       </p:sp>
+      <p:sp>
+        <p:nvSpPr>
+          <p:cNvPr id="10" name="TextBox 9">
+            <a:extLst>
+              <a:ext uri="{FF2B5EF4-FFF2-40B4-BE49-F238E27FC236}">
+                <a16:creationId xmlns:a16="http://schemas.microsoft.com/office/drawing/2014/main" id="{BCF2CB73-FCD6-1C4C-809C-EACBCA6D7221}"/>
+              </a:ext>
+            </a:extLst>
+          </p:cNvPr>
+          <p:cNvSpPr txBox="1"/>
+          <p:nvPr/>
+        </p:nvSpPr>
+        <p:spPr>
+          <a:xfrm>
+            <a:off x="5159828" y="2736741"/>
+            <a:ext cx="1776448" cy="430887"/>
+          </a:xfrm>
+          <a:prstGeom prst="rect">
+            <a:avLst/>
+          </a:prstGeom>
+          <a:noFill/>
+          <a:ln w="57150">
+            <a:solidFill>
+              <a:srgbClr val="0070C0"/>
+            </a:solidFill>
+          </a:ln>
+        </p:spPr>
+        <p:txBody>
+          <a:bodyPr wrap="none" rtlCol="0">
+            <a:spAutoFit/>
+          </a:bodyPr>
+          <a:lstStyle/>
+          <a:p>
+            <a:r>
+              <a:rPr lang="en-US" sz="2200" dirty="0"/>
+              <a:t>a := a + b* 1.5</a:t>
+            </a:r>
+          </a:p>
+        </p:txBody>
+      </p:sp>
     </p:spTree>
     <p:extLst>
       <p:ext uri="{BB962C8B-B14F-4D97-AF65-F5344CB8AC3E}">
@@ -21698,6 +21740,1893 @@
     <p:extLst>
       <p:ext uri="{BB962C8B-B14F-4D97-AF65-F5344CB8AC3E}">
         <p14:creationId xmlns:p14="http://schemas.microsoft.com/office/powerpoint/2010/main" val="1200904656"/>
+      </p:ext>
+    </p:extLst>
+  </p:cSld>
+  <p:clrMapOvr>
+    <a:masterClrMapping/>
+  </p:clrMapOvr>
+</p:sld>
+</file>
+
+<file path=ppt/slides/slide28.xml><?xml version="1.0" encoding="utf-8"?>
+<p:sld xmlns:a="http://schemas.openxmlformats.org/drawingml/2006/main" xmlns:r="http://schemas.openxmlformats.org/officeDocument/2006/relationships" xmlns:p="http://schemas.openxmlformats.org/presentationml/2006/main">
+  <p:cSld>
+    <p:spTree>
+      <p:nvGrpSpPr>
+        <p:cNvPr id="1" name=""/>
+        <p:cNvGrpSpPr/>
+        <p:nvPr/>
+      </p:nvGrpSpPr>
+      <p:grpSpPr>
+        <a:xfrm>
+          <a:off x="0" y="0"/>
+          <a:ext cx="0" cy="0"/>
+          <a:chOff x="0" y="0"/>
+          <a:chExt cx="0" cy="0"/>
+        </a:xfrm>
+      </p:grpSpPr>
+      <p:sp>
+        <p:nvSpPr>
+          <p:cNvPr id="2" name="Title 1">
+            <a:extLst>
+              <a:ext uri="{FF2B5EF4-FFF2-40B4-BE49-F238E27FC236}">
+                <a16:creationId xmlns:a16="http://schemas.microsoft.com/office/drawing/2014/main" id="{989D2970-92D1-7741-9B89-CB7CF1759296}"/>
+              </a:ext>
+            </a:extLst>
+          </p:cNvPr>
+          <p:cNvSpPr>
+            <a:spLocks noGrp="1"/>
+          </p:cNvSpPr>
+          <p:nvPr>
+            <p:ph type="title"/>
+          </p:nvPr>
+        </p:nvSpPr>
+        <p:spPr/>
+        <p:txBody>
+          <a:bodyPr/>
+          <a:lstStyle/>
+          <a:p>
+            <a:r>
+              <a:rPr lang="en-US" dirty="0"/>
+              <a:t>Machine Code Generation</a:t>
+            </a:r>
+          </a:p>
+        </p:txBody>
+      </p:sp>
+      <p:sp>
+        <p:nvSpPr>
+          <p:cNvPr id="4" name="Footer Placeholder 3">
+            <a:extLst>
+              <a:ext uri="{FF2B5EF4-FFF2-40B4-BE49-F238E27FC236}">
+                <a16:creationId xmlns:a16="http://schemas.microsoft.com/office/drawing/2014/main" id="{0DF3535A-058B-7B46-BA9B-C72B5EFF6D30}"/>
+              </a:ext>
+            </a:extLst>
+          </p:cNvPr>
+          <p:cNvSpPr>
+            <a:spLocks noGrp="1"/>
+          </p:cNvSpPr>
+          <p:nvPr>
+            <p:ph type="ftr" sz="quarter" idx="11"/>
+          </p:nvPr>
+        </p:nvSpPr>
+        <p:spPr/>
+        <p:txBody>
+          <a:bodyPr/>
+          <a:lstStyle/>
+          <a:p>
+            <a:r>
+              <a:rPr lang="en-US"/>
+              <a:t>Principles of Programming Languages</a:t>
+            </a:r>
+            <a:endParaRPr lang="en-US" dirty="0"/>
+          </a:p>
+        </p:txBody>
+      </p:sp>
+      <p:sp>
+        <p:nvSpPr>
+          <p:cNvPr id="5" name="Slide Number Placeholder 4">
+            <a:extLst>
+              <a:ext uri="{FF2B5EF4-FFF2-40B4-BE49-F238E27FC236}">
+                <a16:creationId xmlns:a16="http://schemas.microsoft.com/office/drawing/2014/main" id="{43C58BAD-10DE-5947-9B30-593F439125A6}"/>
+              </a:ext>
+            </a:extLst>
+          </p:cNvPr>
+          <p:cNvSpPr>
+            <a:spLocks noGrp="1"/>
+          </p:cNvSpPr>
+          <p:nvPr>
+            <p:ph type="sldNum" sz="quarter" idx="12"/>
+          </p:nvPr>
+        </p:nvSpPr>
+        <p:spPr/>
+        <p:txBody>
+          <a:bodyPr/>
+          <a:lstStyle/>
+          <a:p>
+            <a:fld id="{D57F1E4F-1CFF-5643-939E-217C01CDF565}" type="slidenum">
+              <a:rPr lang="en-US" smtClean="0"/>
+              <a:pPr/>
+              <a:t>28</a:t>
+            </a:fld>
+            <a:endParaRPr lang="en-US" dirty="0"/>
+          </a:p>
+        </p:txBody>
+      </p:sp>
+      <p:sp>
+        <p:nvSpPr>
+          <p:cNvPr id="6" name="TextBox 5">
+            <a:extLst>
+              <a:ext uri="{FF2B5EF4-FFF2-40B4-BE49-F238E27FC236}">
+                <a16:creationId xmlns:a16="http://schemas.microsoft.com/office/drawing/2014/main" id="{660E9BD9-CD69-6248-A8C4-CB2436947019}"/>
+              </a:ext>
+            </a:extLst>
+          </p:cNvPr>
+          <p:cNvSpPr txBox="1"/>
+          <p:nvPr/>
+        </p:nvSpPr>
+        <p:spPr>
+          <a:xfrm>
+            <a:off x="631371" y="2940482"/>
+            <a:ext cx="3755572" cy="2176943"/>
+          </a:xfrm>
+          <a:custGeom>
+            <a:avLst/>
+            <a:gdLst>
+              <a:gd name="connsiteX0" fmla="*/ 0 w 3755572"/>
+              <a:gd name="connsiteY0" fmla="*/ 0 h 2176943"/>
+              <a:gd name="connsiteX1" fmla="*/ 498955 w 3755572"/>
+              <a:gd name="connsiteY1" fmla="*/ 0 h 2176943"/>
+              <a:gd name="connsiteX2" fmla="*/ 922798 w 3755572"/>
+              <a:gd name="connsiteY2" fmla="*/ 0 h 2176943"/>
+              <a:gd name="connsiteX3" fmla="*/ 1534419 w 3755572"/>
+              <a:gd name="connsiteY3" fmla="*/ 0 h 2176943"/>
+              <a:gd name="connsiteX4" fmla="*/ 2033374 w 3755572"/>
+              <a:gd name="connsiteY4" fmla="*/ 0 h 2176943"/>
+              <a:gd name="connsiteX5" fmla="*/ 2532329 w 3755572"/>
+              <a:gd name="connsiteY5" fmla="*/ 0 h 2176943"/>
+              <a:gd name="connsiteX6" fmla="*/ 3143950 w 3755572"/>
+              <a:gd name="connsiteY6" fmla="*/ 0 h 2176943"/>
+              <a:gd name="connsiteX7" fmla="*/ 3755572 w 3755572"/>
+              <a:gd name="connsiteY7" fmla="*/ 0 h 2176943"/>
+              <a:gd name="connsiteX8" fmla="*/ 3755572 w 3755572"/>
+              <a:gd name="connsiteY8" fmla="*/ 587775 h 2176943"/>
+              <a:gd name="connsiteX9" fmla="*/ 3755572 w 3755572"/>
+              <a:gd name="connsiteY9" fmla="*/ 1088472 h 2176943"/>
+              <a:gd name="connsiteX10" fmla="*/ 3755572 w 3755572"/>
+              <a:gd name="connsiteY10" fmla="*/ 1589168 h 2176943"/>
+              <a:gd name="connsiteX11" fmla="*/ 3755572 w 3755572"/>
+              <a:gd name="connsiteY11" fmla="*/ 2176943 h 2176943"/>
+              <a:gd name="connsiteX12" fmla="*/ 3181506 w 3755572"/>
+              <a:gd name="connsiteY12" fmla="*/ 2176943 h 2176943"/>
+              <a:gd name="connsiteX13" fmla="*/ 2569884 w 3755572"/>
+              <a:gd name="connsiteY13" fmla="*/ 2176943 h 2176943"/>
+              <a:gd name="connsiteX14" fmla="*/ 1958263 w 3755572"/>
+              <a:gd name="connsiteY14" fmla="*/ 2176943 h 2176943"/>
+              <a:gd name="connsiteX15" fmla="*/ 1496864 w 3755572"/>
+              <a:gd name="connsiteY15" fmla="*/ 2176943 h 2176943"/>
+              <a:gd name="connsiteX16" fmla="*/ 960353 w 3755572"/>
+              <a:gd name="connsiteY16" fmla="*/ 2176943 h 2176943"/>
+              <a:gd name="connsiteX17" fmla="*/ 0 w 3755572"/>
+              <a:gd name="connsiteY17" fmla="*/ 2176943 h 2176943"/>
+              <a:gd name="connsiteX18" fmla="*/ 0 w 3755572"/>
+              <a:gd name="connsiteY18" fmla="*/ 1632707 h 2176943"/>
+              <a:gd name="connsiteX19" fmla="*/ 0 w 3755572"/>
+              <a:gd name="connsiteY19" fmla="*/ 1132010 h 2176943"/>
+              <a:gd name="connsiteX20" fmla="*/ 0 w 3755572"/>
+              <a:gd name="connsiteY20" fmla="*/ 631313 h 2176943"/>
+              <a:gd name="connsiteX21" fmla="*/ 0 w 3755572"/>
+              <a:gd name="connsiteY21" fmla="*/ 0 h 2176943"/>
+            </a:gdLst>
+            <a:ahLst/>
+            <a:cxnLst>
+              <a:cxn ang="0">
+                <a:pos x="connsiteX0" y="connsiteY0"/>
+              </a:cxn>
+              <a:cxn ang="0">
+                <a:pos x="connsiteX1" y="connsiteY1"/>
+              </a:cxn>
+              <a:cxn ang="0">
+                <a:pos x="connsiteX2" y="connsiteY2"/>
+              </a:cxn>
+              <a:cxn ang="0">
+                <a:pos x="connsiteX3" y="connsiteY3"/>
+              </a:cxn>
+              <a:cxn ang="0">
+                <a:pos x="connsiteX4" y="connsiteY4"/>
+              </a:cxn>
+              <a:cxn ang="0">
+                <a:pos x="connsiteX5" y="connsiteY5"/>
+              </a:cxn>
+              <a:cxn ang="0">
+                <a:pos x="connsiteX6" y="connsiteY6"/>
+              </a:cxn>
+              <a:cxn ang="0">
+                <a:pos x="connsiteX7" y="connsiteY7"/>
+              </a:cxn>
+              <a:cxn ang="0">
+                <a:pos x="connsiteX8" y="connsiteY8"/>
+              </a:cxn>
+              <a:cxn ang="0">
+                <a:pos x="connsiteX9" y="connsiteY9"/>
+              </a:cxn>
+              <a:cxn ang="0">
+                <a:pos x="connsiteX10" y="connsiteY10"/>
+              </a:cxn>
+              <a:cxn ang="0">
+                <a:pos x="connsiteX11" y="connsiteY11"/>
+              </a:cxn>
+              <a:cxn ang="0">
+                <a:pos x="connsiteX12" y="connsiteY12"/>
+              </a:cxn>
+              <a:cxn ang="0">
+                <a:pos x="connsiteX13" y="connsiteY13"/>
+              </a:cxn>
+              <a:cxn ang="0">
+                <a:pos x="connsiteX14" y="connsiteY14"/>
+              </a:cxn>
+              <a:cxn ang="0">
+                <a:pos x="connsiteX15" y="connsiteY15"/>
+              </a:cxn>
+              <a:cxn ang="0">
+                <a:pos x="connsiteX16" y="connsiteY16"/>
+              </a:cxn>
+              <a:cxn ang="0">
+                <a:pos x="connsiteX17" y="connsiteY17"/>
+              </a:cxn>
+              <a:cxn ang="0">
+                <a:pos x="connsiteX18" y="connsiteY18"/>
+              </a:cxn>
+              <a:cxn ang="0">
+                <a:pos x="connsiteX19" y="connsiteY19"/>
+              </a:cxn>
+              <a:cxn ang="0">
+                <a:pos x="connsiteX20" y="connsiteY20"/>
+              </a:cxn>
+              <a:cxn ang="0">
+                <a:pos x="connsiteX21" y="connsiteY21"/>
+              </a:cxn>
+            </a:cxnLst>
+            <a:rect l="l" t="t" r="r" b="b"/>
+            <a:pathLst>
+              <a:path w="3755572" h="2176943" extrusionOk="0">
+                <a:moveTo>
+                  <a:pt x="0" y="0"/>
+                </a:moveTo>
+                <a:cubicBezTo>
+                  <a:pt x="203124" y="-33433"/>
+                  <a:pt x="323927" y="58823"/>
+                  <a:pt x="498955" y="0"/>
+                </a:cubicBezTo>
+                <a:cubicBezTo>
+                  <a:pt x="673983" y="-58823"/>
+                  <a:pt x="729295" y="10950"/>
+                  <a:pt x="922798" y="0"/>
+                </a:cubicBezTo>
+                <a:cubicBezTo>
+                  <a:pt x="1116301" y="-10950"/>
+                  <a:pt x="1292952" y="23504"/>
+                  <a:pt x="1534419" y="0"/>
+                </a:cubicBezTo>
+                <a:cubicBezTo>
+                  <a:pt x="1775886" y="-23504"/>
+                  <a:pt x="1814085" y="32134"/>
+                  <a:pt x="2033374" y="0"/>
+                </a:cubicBezTo>
+                <a:cubicBezTo>
+                  <a:pt x="2252663" y="-32134"/>
+                  <a:pt x="2342559" y="47448"/>
+                  <a:pt x="2532329" y="0"/>
+                </a:cubicBezTo>
+                <a:cubicBezTo>
+                  <a:pt x="2722099" y="-47448"/>
+                  <a:pt x="3016874" y="67972"/>
+                  <a:pt x="3143950" y="0"/>
+                </a:cubicBezTo>
+                <a:cubicBezTo>
+                  <a:pt x="3271026" y="-67972"/>
+                  <a:pt x="3506018" y="15897"/>
+                  <a:pt x="3755572" y="0"/>
+                </a:cubicBezTo>
+                <a:cubicBezTo>
+                  <a:pt x="3789298" y="284779"/>
+                  <a:pt x="3721010" y="452760"/>
+                  <a:pt x="3755572" y="587775"/>
+                </a:cubicBezTo>
+                <a:cubicBezTo>
+                  <a:pt x="3790134" y="722790"/>
+                  <a:pt x="3716649" y="839086"/>
+                  <a:pt x="3755572" y="1088472"/>
+                </a:cubicBezTo>
+                <a:cubicBezTo>
+                  <a:pt x="3794495" y="1337858"/>
+                  <a:pt x="3717915" y="1483484"/>
+                  <a:pt x="3755572" y="1589168"/>
+                </a:cubicBezTo>
+                <a:cubicBezTo>
+                  <a:pt x="3793229" y="1694852"/>
+                  <a:pt x="3717490" y="1948430"/>
+                  <a:pt x="3755572" y="2176943"/>
+                </a:cubicBezTo>
+                <a:cubicBezTo>
+                  <a:pt x="3638878" y="2189268"/>
+                  <a:pt x="3435540" y="2151790"/>
+                  <a:pt x="3181506" y="2176943"/>
+                </a:cubicBezTo>
+                <a:cubicBezTo>
+                  <a:pt x="2927472" y="2202096"/>
+                  <a:pt x="2777360" y="2153598"/>
+                  <a:pt x="2569884" y="2176943"/>
+                </a:cubicBezTo>
+                <a:cubicBezTo>
+                  <a:pt x="2362408" y="2200288"/>
+                  <a:pt x="2177220" y="2136135"/>
+                  <a:pt x="1958263" y="2176943"/>
+                </a:cubicBezTo>
+                <a:cubicBezTo>
+                  <a:pt x="1739306" y="2217751"/>
+                  <a:pt x="1612968" y="2164833"/>
+                  <a:pt x="1496864" y="2176943"/>
+                </a:cubicBezTo>
+                <a:cubicBezTo>
+                  <a:pt x="1380760" y="2189053"/>
+                  <a:pt x="1074526" y="2127619"/>
+                  <a:pt x="960353" y="2176943"/>
+                </a:cubicBezTo>
+                <a:cubicBezTo>
+                  <a:pt x="846180" y="2226267"/>
+                  <a:pt x="206097" y="2067111"/>
+                  <a:pt x="0" y="2176943"/>
+                </a:cubicBezTo>
+                <a:cubicBezTo>
+                  <a:pt x="-43615" y="1921095"/>
+                  <a:pt x="13748" y="1810890"/>
+                  <a:pt x="0" y="1632707"/>
+                </a:cubicBezTo>
+                <a:cubicBezTo>
+                  <a:pt x="-13748" y="1454524"/>
+                  <a:pt x="27503" y="1295990"/>
+                  <a:pt x="0" y="1132010"/>
+                </a:cubicBezTo>
+                <a:cubicBezTo>
+                  <a:pt x="-27503" y="968030"/>
+                  <a:pt x="53078" y="734629"/>
+                  <a:pt x="0" y="631313"/>
+                </a:cubicBezTo>
+                <a:cubicBezTo>
+                  <a:pt x="-53078" y="527997"/>
+                  <a:pt x="48618" y="245946"/>
+                  <a:pt x="0" y="0"/>
+                </a:cubicBezTo>
+                <a:close/>
+              </a:path>
+            </a:pathLst>
+          </a:custGeom>
+          <a:noFill/>
+          <a:ln w="57150" cmpd="tri">
+            <a:solidFill>
+              <a:srgbClr val="FFC000"/>
+            </a:solidFill>
+            <a:extLst>
+              <a:ext uri="{C807C97D-BFC1-408E-A445-0C87EB9F89A2}">
+                <ask:lineSketchStyleProps xmlns:ask="http://schemas.microsoft.com/office/drawing/2018/sketchyshapes" sd="1219033472">
+                  <a:prstGeom prst="rect">
+                    <a:avLst/>
+                  </a:prstGeom>
+                  <ask:type>
+                    <ask:lineSketchScribble/>
+                  </ask:type>
+                </ask:lineSketchStyleProps>
+              </a:ext>
+            </a:extLst>
+          </a:ln>
+        </p:spPr>
+        <p:txBody>
+          <a:bodyPr wrap="square" rtlCol="0">
+            <a:spAutoFit/>
+          </a:bodyPr>
+          <a:lstStyle/>
+          <a:p>
+            <a:pPr marL="457200" indent="-457200">
+              <a:lnSpc>
+                <a:spcPct val="125000"/>
+              </a:lnSpc>
+              <a:buFont typeface="+mj-lt"/>
+              <a:buAutoNum type="arabicPeriod"/>
+            </a:pPr>
+            <a:r>
+              <a:rPr lang="en-US" sz="2200" dirty="0"/>
+              <a:t>load    _t1_ , __ , a</a:t>
+            </a:r>
+          </a:p>
+          <a:p>
+            <a:pPr marL="457200" indent="-457200">
+              <a:lnSpc>
+                <a:spcPct val="125000"/>
+              </a:lnSpc>
+              <a:buFont typeface="+mj-lt"/>
+              <a:buAutoNum type="arabicPeriod"/>
+            </a:pPr>
+            <a:r>
+              <a:rPr lang="en-US" sz="2200" dirty="0"/>
+              <a:t>load    _t2_, __ , b</a:t>
+            </a:r>
+          </a:p>
+          <a:p>
+            <a:pPr marL="457200" indent="-457200">
+              <a:lnSpc>
+                <a:spcPct val="125000"/>
+              </a:lnSpc>
+              <a:buFont typeface="+mj-lt"/>
+              <a:buAutoNum type="arabicPeriod"/>
+            </a:pPr>
+            <a:r>
+              <a:rPr lang="en-US" sz="2200" dirty="0" err="1"/>
+              <a:t>mul</a:t>
+            </a:r>
+            <a:r>
+              <a:rPr lang="en-US" sz="2200" dirty="0"/>
+              <a:t>     _t3_ , _t2_ , 1.5</a:t>
+            </a:r>
+          </a:p>
+          <a:p>
+            <a:pPr marL="457200" indent="-457200">
+              <a:lnSpc>
+                <a:spcPct val="125000"/>
+              </a:lnSpc>
+              <a:buFont typeface="+mj-lt"/>
+              <a:buAutoNum type="arabicPeriod"/>
+            </a:pPr>
+            <a:r>
+              <a:rPr lang="en-US" sz="2200" dirty="0"/>
+              <a:t>add     _t4_ , _t1_ , _t3_</a:t>
+            </a:r>
+          </a:p>
+          <a:p>
+            <a:pPr marL="457200" indent="-457200">
+              <a:lnSpc>
+                <a:spcPct val="125000"/>
+              </a:lnSpc>
+              <a:buFont typeface="+mj-lt"/>
+              <a:buAutoNum type="arabicPeriod"/>
+            </a:pPr>
+            <a:r>
+              <a:rPr lang="en-US" sz="2200" dirty="0"/>
+              <a:t>store  a , __ , _t4_</a:t>
+            </a:r>
+          </a:p>
+        </p:txBody>
+      </p:sp>
+      <p:sp>
+        <p:nvSpPr>
+          <p:cNvPr id="7" name="TextBox 6">
+            <a:extLst>
+              <a:ext uri="{FF2B5EF4-FFF2-40B4-BE49-F238E27FC236}">
+                <a16:creationId xmlns:a16="http://schemas.microsoft.com/office/drawing/2014/main" id="{D87ED720-FADA-F44D-90C0-08F9476F5F2F}"/>
+              </a:ext>
+            </a:extLst>
+          </p:cNvPr>
+          <p:cNvSpPr txBox="1"/>
+          <p:nvPr/>
+        </p:nvSpPr>
+        <p:spPr>
+          <a:xfrm>
+            <a:off x="3831771" y="2102411"/>
+            <a:ext cx="1776448" cy="430887"/>
+          </a:xfrm>
+          <a:prstGeom prst="rect">
+            <a:avLst/>
+          </a:prstGeom>
+          <a:noFill/>
+          <a:ln w="57150">
+            <a:solidFill>
+              <a:srgbClr val="0070C0"/>
+            </a:solidFill>
+          </a:ln>
+        </p:spPr>
+        <p:txBody>
+          <a:bodyPr wrap="none" rtlCol="0">
+            <a:spAutoFit/>
+          </a:bodyPr>
+          <a:lstStyle/>
+          <a:p>
+            <a:r>
+              <a:rPr lang="en-US" sz="2200" dirty="0"/>
+              <a:t>a := a + b* 1.5</a:t>
+            </a:r>
+          </a:p>
+        </p:txBody>
+      </p:sp>
+      <p:sp>
+        <p:nvSpPr>
+          <p:cNvPr id="8" name="TextBox 7">
+            <a:extLst>
+              <a:ext uri="{FF2B5EF4-FFF2-40B4-BE49-F238E27FC236}">
+                <a16:creationId xmlns:a16="http://schemas.microsoft.com/office/drawing/2014/main" id="{BD20CF67-4216-404D-BD44-77F5CAE111F2}"/>
+              </a:ext>
+            </a:extLst>
+          </p:cNvPr>
+          <p:cNvSpPr txBox="1"/>
+          <p:nvPr/>
+        </p:nvSpPr>
+        <p:spPr>
+          <a:xfrm>
+            <a:off x="5883728" y="2920050"/>
+            <a:ext cx="5040085" cy="2176943"/>
+          </a:xfrm>
+          <a:custGeom>
+            <a:avLst/>
+            <a:gdLst>
+              <a:gd name="connsiteX0" fmla="*/ 0 w 5040085"/>
+              <a:gd name="connsiteY0" fmla="*/ 0 h 2176943"/>
+              <a:gd name="connsiteX1" fmla="*/ 509609 w 5040085"/>
+              <a:gd name="connsiteY1" fmla="*/ 0 h 2176943"/>
+              <a:gd name="connsiteX2" fmla="*/ 918415 w 5040085"/>
+              <a:gd name="connsiteY2" fmla="*/ 0 h 2176943"/>
+              <a:gd name="connsiteX3" fmla="*/ 1579227 w 5040085"/>
+              <a:gd name="connsiteY3" fmla="*/ 0 h 2176943"/>
+              <a:gd name="connsiteX4" fmla="*/ 2088835 w 5040085"/>
+              <a:gd name="connsiteY4" fmla="*/ 0 h 2176943"/>
+              <a:gd name="connsiteX5" fmla="*/ 2598444 w 5040085"/>
+              <a:gd name="connsiteY5" fmla="*/ 0 h 2176943"/>
+              <a:gd name="connsiteX6" fmla="*/ 3259255 w 5040085"/>
+              <a:gd name="connsiteY6" fmla="*/ 0 h 2176943"/>
+              <a:gd name="connsiteX7" fmla="*/ 3718463 w 5040085"/>
+              <a:gd name="connsiteY7" fmla="*/ 0 h 2176943"/>
+              <a:gd name="connsiteX8" fmla="*/ 4379274 w 5040085"/>
+              <a:gd name="connsiteY8" fmla="*/ 0 h 2176943"/>
+              <a:gd name="connsiteX9" fmla="*/ 5040085 w 5040085"/>
+              <a:gd name="connsiteY9" fmla="*/ 0 h 2176943"/>
+              <a:gd name="connsiteX10" fmla="*/ 5040085 w 5040085"/>
+              <a:gd name="connsiteY10" fmla="*/ 544236 h 2176943"/>
+              <a:gd name="connsiteX11" fmla="*/ 5040085 w 5040085"/>
+              <a:gd name="connsiteY11" fmla="*/ 1088472 h 2176943"/>
+              <a:gd name="connsiteX12" fmla="*/ 5040085 w 5040085"/>
+              <a:gd name="connsiteY12" fmla="*/ 1654477 h 2176943"/>
+              <a:gd name="connsiteX13" fmla="*/ 5040085 w 5040085"/>
+              <a:gd name="connsiteY13" fmla="*/ 2176943 h 2176943"/>
+              <a:gd name="connsiteX14" fmla="*/ 4480076 w 5040085"/>
+              <a:gd name="connsiteY14" fmla="*/ 2176943 h 2176943"/>
+              <a:gd name="connsiteX15" fmla="*/ 4020868 w 5040085"/>
+              <a:gd name="connsiteY15" fmla="*/ 2176943 h 2176943"/>
+              <a:gd name="connsiteX16" fmla="*/ 3460858 w 5040085"/>
+              <a:gd name="connsiteY16" fmla="*/ 2176943 h 2176943"/>
+              <a:gd name="connsiteX17" fmla="*/ 2800047 w 5040085"/>
+              <a:gd name="connsiteY17" fmla="*/ 2176943 h 2176943"/>
+              <a:gd name="connsiteX18" fmla="*/ 2240038 w 5040085"/>
+              <a:gd name="connsiteY18" fmla="*/ 2176943 h 2176943"/>
+              <a:gd name="connsiteX19" fmla="*/ 1831231 w 5040085"/>
+              <a:gd name="connsiteY19" fmla="*/ 2176943 h 2176943"/>
+              <a:gd name="connsiteX20" fmla="*/ 1372023 w 5040085"/>
+              <a:gd name="connsiteY20" fmla="*/ 2176943 h 2176943"/>
+              <a:gd name="connsiteX21" fmla="*/ 711212 w 5040085"/>
+              <a:gd name="connsiteY21" fmla="*/ 2176943 h 2176943"/>
+              <a:gd name="connsiteX22" fmla="*/ 0 w 5040085"/>
+              <a:gd name="connsiteY22" fmla="*/ 2176943 h 2176943"/>
+              <a:gd name="connsiteX23" fmla="*/ 0 w 5040085"/>
+              <a:gd name="connsiteY23" fmla="*/ 1676246 h 2176943"/>
+              <a:gd name="connsiteX24" fmla="*/ 0 w 5040085"/>
+              <a:gd name="connsiteY24" fmla="*/ 1153780 h 2176943"/>
+              <a:gd name="connsiteX25" fmla="*/ 0 w 5040085"/>
+              <a:gd name="connsiteY25" fmla="*/ 674852 h 2176943"/>
+              <a:gd name="connsiteX26" fmla="*/ 0 w 5040085"/>
+              <a:gd name="connsiteY26" fmla="*/ 0 h 2176943"/>
+            </a:gdLst>
+            <a:ahLst/>
+            <a:cxnLst>
+              <a:cxn ang="0">
+                <a:pos x="connsiteX0" y="connsiteY0"/>
+              </a:cxn>
+              <a:cxn ang="0">
+                <a:pos x="connsiteX1" y="connsiteY1"/>
+              </a:cxn>
+              <a:cxn ang="0">
+                <a:pos x="connsiteX2" y="connsiteY2"/>
+              </a:cxn>
+              <a:cxn ang="0">
+                <a:pos x="connsiteX3" y="connsiteY3"/>
+              </a:cxn>
+              <a:cxn ang="0">
+                <a:pos x="connsiteX4" y="connsiteY4"/>
+              </a:cxn>
+              <a:cxn ang="0">
+                <a:pos x="connsiteX5" y="connsiteY5"/>
+              </a:cxn>
+              <a:cxn ang="0">
+                <a:pos x="connsiteX6" y="connsiteY6"/>
+              </a:cxn>
+              <a:cxn ang="0">
+                <a:pos x="connsiteX7" y="connsiteY7"/>
+              </a:cxn>
+              <a:cxn ang="0">
+                <a:pos x="connsiteX8" y="connsiteY8"/>
+              </a:cxn>
+              <a:cxn ang="0">
+                <a:pos x="connsiteX9" y="connsiteY9"/>
+              </a:cxn>
+              <a:cxn ang="0">
+                <a:pos x="connsiteX10" y="connsiteY10"/>
+              </a:cxn>
+              <a:cxn ang="0">
+                <a:pos x="connsiteX11" y="connsiteY11"/>
+              </a:cxn>
+              <a:cxn ang="0">
+                <a:pos x="connsiteX12" y="connsiteY12"/>
+              </a:cxn>
+              <a:cxn ang="0">
+                <a:pos x="connsiteX13" y="connsiteY13"/>
+              </a:cxn>
+              <a:cxn ang="0">
+                <a:pos x="connsiteX14" y="connsiteY14"/>
+              </a:cxn>
+              <a:cxn ang="0">
+                <a:pos x="connsiteX15" y="connsiteY15"/>
+              </a:cxn>
+              <a:cxn ang="0">
+                <a:pos x="connsiteX16" y="connsiteY16"/>
+              </a:cxn>
+              <a:cxn ang="0">
+                <a:pos x="connsiteX17" y="connsiteY17"/>
+              </a:cxn>
+              <a:cxn ang="0">
+                <a:pos x="connsiteX18" y="connsiteY18"/>
+              </a:cxn>
+              <a:cxn ang="0">
+                <a:pos x="connsiteX19" y="connsiteY19"/>
+              </a:cxn>
+              <a:cxn ang="0">
+                <a:pos x="connsiteX20" y="connsiteY20"/>
+              </a:cxn>
+              <a:cxn ang="0">
+                <a:pos x="connsiteX21" y="connsiteY21"/>
+              </a:cxn>
+              <a:cxn ang="0">
+                <a:pos x="connsiteX22" y="connsiteY22"/>
+              </a:cxn>
+              <a:cxn ang="0">
+                <a:pos x="connsiteX23" y="connsiteY23"/>
+              </a:cxn>
+              <a:cxn ang="0">
+                <a:pos x="connsiteX24" y="connsiteY24"/>
+              </a:cxn>
+              <a:cxn ang="0">
+                <a:pos x="connsiteX25" y="connsiteY25"/>
+              </a:cxn>
+              <a:cxn ang="0">
+                <a:pos x="connsiteX26" y="connsiteY26"/>
+              </a:cxn>
+            </a:cxnLst>
+            <a:rect l="l" t="t" r="r" b="b"/>
+            <a:pathLst>
+              <a:path w="5040085" h="2176943" extrusionOk="0">
+                <a:moveTo>
+                  <a:pt x="0" y="0"/>
+                </a:moveTo>
+                <a:cubicBezTo>
+                  <a:pt x="166691" y="-56900"/>
+                  <a:pt x="326852" y="48841"/>
+                  <a:pt x="509609" y="0"/>
+                </a:cubicBezTo>
+                <a:cubicBezTo>
+                  <a:pt x="692366" y="-48841"/>
+                  <a:pt x="723118" y="43070"/>
+                  <a:pt x="918415" y="0"/>
+                </a:cubicBezTo>
+                <a:cubicBezTo>
+                  <a:pt x="1113712" y="-43070"/>
+                  <a:pt x="1317664" y="78420"/>
+                  <a:pt x="1579227" y="0"/>
+                </a:cubicBezTo>
+                <a:cubicBezTo>
+                  <a:pt x="1840790" y="-78420"/>
+                  <a:pt x="1941906" y="49198"/>
+                  <a:pt x="2088835" y="0"/>
+                </a:cubicBezTo>
+                <a:cubicBezTo>
+                  <a:pt x="2235764" y="-49198"/>
+                  <a:pt x="2458043" y="25965"/>
+                  <a:pt x="2598444" y="0"/>
+                </a:cubicBezTo>
+                <a:cubicBezTo>
+                  <a:pt x="2738845" y="-25965"/>
+                  <a:pt x="3089128" y="56731"/>
+                  <a:pt x="3259255" y="0"/>
+                </a:cubicBezTo>
+                <a:cubicBezTo>
+                  <a:pt x="3429382" y="-56731"/>
+                  <a:pt x="3492638" y="27160"/>
+                  <a:pt x="3718463" y="0"/>
+                </a:cubicBezTo>
+                <a:cubicBezTo>
+                  <a:pt x="3944288" y="-27160"/>
+                  <a:pt x="4125680" y="8491"/>
+                  <a:pt x="4379274" y="0"/>
+                </a:cubicBezTo>
+                <a:cubicBezTo>
+                  <a:pt x="4632868" y="-8491"/>
+                  <a:pt x="4904294" y="53437"/>
+                  <a:pt x="5040085" y="0"/>
+                </a:cubicBezTo>
+                <a:cubicBezTo>
+                  <a:pt x="5063459" y="228474"/>
+                  <a:pt x="4987274" y="284492"/>
+                  <a:pt x="5040085" y="544236"/>
+                </a:cubicBezTo>
+                <a:cubicBezTo>
+                  <a:pt x="5092896" y="803980"/>
+                  <a:pt x="4986063" y="959361"/>
+                  <a:pt x="5040085" y="1088472"/>
+                </a:cubicBezTo>
+                <a:cubicBezTo>
+                  <a:pt x="5094107" y="1217583"/>
+                  <a:pt x="5012668" y="1502296"/>
+                  <a:pt x="5040085" y="1654477"/>
+                </a:cubicBezTo>
+                <a:cubicBezTo>
+                  <a:pt x="5067502" y="1806658"/>
+                  <a:pt x="4984316" y="2011549"/>
+                  <a:pt x="5040085" y="2176943"/>
+                </a:cubicBezTo>
+                <a:cubicBezTo>
+                  <a:pt x="4843152" y="2193204"/>
+                  <a:pt x="4701529" y="2136539"/>
+                  <a:pt x="4480076" y="2176943"/>
+                </a:cubicBezTo>
+                <a:cubicBezTo>
+                  <a:pt x="4258623" y="2217347"/>
+                  <a:pt x="4173178" y="2139857"/>
+                  <a:pt x="4020868" y="2176943"/>
+                </a:cubicBezTo>
+                <a:cubicBezTo>
+                  <a:pt x="3868558" y="2214029"/>
+                  <a:pt x="3732915" y="2170893"/>
+                  <a:pt x="3460858" y="2176943"/>
+                </a:cubicBezTo>
+                <a:cubicBezTo>
+                  <a:pt x="3188801" y="2182993"/>
+                  <a:pt x="2934614" y="2123630"/>
+                  <a:pt x="2800047" y="2176943"/>
+                </a:cubicBezTo>
+                <a:cubicBezTo>
+                  <a:pt x="2665480" y="2230256"/>
+                  <a:pt x="2391786" y="2142918"/>
+                  <a:pt x="2240038" y="2176943"/>
+                </a:cubicBezTo>
+                <a:cubicBezTo>
+                  <a:pt x="2088290" y="2210968"/>
+                  <a:pt x="1972027" y="2133885"/>
+                  <a:pt x="1831231" y="2176943"/>
+                </a:cubicBezTo>
+                <a:cubicBezTo>
+                  <a:pt x="1690435" y="2220001"/>
+                  <a:pt x="1502384" y="2130897"/>
+                  <a:pt x="1372023" y="2176943"/>
+                </a:cubicBezTo>
+                <a:cubicBezTo>
+                  <a:pt x="1241662" y="2222989"/>
+                  <a:pt x="1026266" y="2116384"/>
+                  <a:pt x="711212" y="2176943"/>
+                </a:cubicBezTo>
+                <a:cubicBezTo>
+                  <a:pt x="396158" y="2237502"/>
+                  <a:pt x="331252" y="2121478"/>
+                  <a:pt x="0" y="2176943"/>
+                </a:cubicBezTo>
+                <a:cubicBezTo>
+                  <a:pt x="-56106" y="2035400"/>
+                  <a:pt x="5891" y="1793262"/>
+                  <a:pt x="0" y="1676246"/>
+                </a:cubicBezTo>
+                <a:cubicBezTo>
+                  <a:pt x="-5891" y="1559230"/>
+                  <a:pt x="32689" y="1314667"/>
+                  <a:pt x="0" y="1153780"/>
+                </a:cubicBezTo>
+                <a:cubicBezTo>
+                  <a:pt x="-32689" y="992893"/>
+                  <a:pt x="32732" y="809410"/>
+                  <a:pt x="0" y="674852"/>
+                </a:cubicBezTo>
+                <a:cubicBezTo>
+                  <a:pt x="-32732" y="540294"/>
+                  <a:pt x="68772" y="154635"/>
+                  <a:pt x="0" y="0"/>
+                </a:cubicBezTo>
+                <a:close/>
+              </a:path>
+            </a:pathLst>
+          </a:custGeom>
+          <a:noFill/>
+          <a:ln w="57150" cmpd="tri">
+            <a:solidFill>
+              <a:srgbClr val="FFC000"/>
+            </a:solidFill>
+            <a:extLst>
+              <a:ext uri="{C807C97D-BFC1-408E-A445-0C87EB9F89A2}">
+                <ask:lineSketchStyleProps xmlns:ask="http://schemas.microsoft.com/office/drawing/2018/sketchyshapes" sd="1219033472">
+                  <a:prstGeom prst="rect">
+                    <a:avLst/>
+                  </a:prstGeom>
+                  <ask:type>
+                    <ask:lineSketchScribble/>
+                  </ask:type>
+                </ask:lineSketchStyleProps>
+              </a:ext>
+            </a:extLst>
+          </a:ln>
+        </p:spPr>
+        <p:txBody>
+          <a:bodyPr wrap="square" rtlCol="0">
+            <a:spAutoFit/>
+          </a:bodyPr>
+          <a:lstStyle/>
+          <a:p>
+            <a:pPr marL="457200" indent="-457200">
+              <a:lnSpc>
+                <a:spcPct val="125000"/>
+              </a:lnSpc>
+              <a:buFont typeface="+mj-lt"/>
+              <a:buAutoNum type="arabicPeriod"/>
+            </a:pPr>
+            <a:r>
+              <a:rPr lang="en-US" sz="2200" dirty="0" err="1"/>
+              <a:t>fload</a:t>
+            </a:r>
+            <a:r>
+              <a:rPr lang="en-US" sz="2200" dirty="0"/>
+              <a:t>    freg1, __ , #AB100</a:t>
+            </a:r>
+          </a:p>
+          <a:p>
+            <a:pPr marL="457200" indent="-457200">
+              <a:lnSpc>
+                <a:spcPct val="125000"/>
+              </a:lnSpc>
+              <a:buFont typeface="+mj-lt"/>
+              <a:buAutoNum type="arabicPeriod"/>
+            </a:pPr>
+            <a:r>
+              <a:rPr lang="en-US" sz="2200" dirty="0" err="1"/>
+              <a:t>fload</a:t>
+            </a:r>
+            <a:r>
+              <a:rPr lang="en-US" sz="2200" dirty="0"/>
+              <a:t>    freg2, __ , #AB104</a:t>
+            </a:r>
+          </a:p>
+          <a:p>
+            <a:pPr marL="457200" indent="-457200">
+              <a:lnSpc>
+                <a:spcPct val="125000"/>
+              </a:lnSpc>
+              <a:buFont typeface="+mj-lt"/>
+              <a:buAutoNum type="arabicPeriod"/>
+            </a:pPr>
+            <a:r>
+              <a:rPr lang="en-US" sz="2200" dirty="0" err="1"/>
+              <a:t>fmul</a:t>
+            </a:r>
+            <a:r>
+              <a:rPr lang="en-US" sz="2200" dirty="0"/>
+              <a:t>     freg3, freg2 , 1.5</a:t>
+            </a:r>
+          </a:p>
+          <a:p>
+            <a:pPr marL="457200" indent="-457200">
+              <a:lnSpc>
+                <a:spcPct val="125000"/>
+              </a:lnSpc>
+              <a:buFont typeface="+mj-lt"/>
+              <a:buAutoNum type="arabicPeriod"/>
+            </a:pPr>
+            <a:r>
+              <a:rPr lang="en-US" sz="2200" dirty="0" err="1"/>
+              <a:t>fadd</a:t>
+            </a:r>
+            <a:r>
+              <a:rPr lang="en-US" sz="2200" dirty="0"/>
+              <a:t>     freg4 , freg1 , freg3</a:t>
+            </a:r>
+          </a:p>
+          <a:p>
+            <a:pPr marL="457200" indent="-457200">
+              <a:lnSpc>
+                <a:spcPct val="125000"/>
+              </a:lnSpc>
+              <a:buFont typeface="+mj-lt"/>
+              <a:buAutoNum type="arabicPeriod"/>
+            </a:pPr>
+            <a:r>
+              <a:rPr lang="en-US" sz="2200" dirty="0" err="1"/>
+              <a:t>fstore</a:t>
+            </a:r>
+            <a:r>
+              <a:rPr lang="en-US" sz="2200" dirty="0"/>
+              <a:t>  #AB100 , __ , freg4</a:t>
+            </a:r>
+          </a:p>
+        </p:txBody>
+      </p:sp>
+      <p:sp>
+        <p:nvSpPr>
+          <p:cNvPr id="9" name="Right Arrow 8">
+            <a:extLst>
+              <a:ext uri="{FF2B5EF4-FFF2-40B4-BE49-F238E27FC236}">
+                <a16:creationId xmlns:a16="http://schemas.microsoft.com/office/drawing/2014/main" id="{9E09AE19-5AE3-794C-AC05-6EF9228CD66D}"/>
+              </a:ext>
+            </a:extLst>
+          </p:cNvPr>
+          <p:cNvSpPr/>
+          <p:nvPr/>
+        </p:nvSpPr>
+        <p:spPr>
+          <a:xfrm>
+            <a:off x="4539342" y="3766457"/>
+            <a:ext cx="1230086" cy="849085"/>
+          </a:xfrm>
+          <a:prstGeom prst="rightArrow">
+            <a:avLst/>
+          </a:prstGeom>
+          <a:noFill/>
+          <a:ln w="76200"/>
+        </p:spPr>
+        <p:style>
+          <a:lnRef idx="2">
+            <a:schemeClr val="accent1">
+              <a:shade val="50000"/>
+            </a:schemeClr>
+          </a:lnRef>
+          <a:fillRef idx="1">
+            <a:schemeClr val="accent1"/>
+          </a:fillRef>
+          <a:effectRef idx="0">
+            <a:schemeClr val="accent1"/>
+          </a:effectRef>
+          <a:fontRef idx="minor">
+            <a:schemeClr val="lt1"/>
+          </a:fontRef>
+        </p:style>
+        <p:txBody>
+          <a:bodyPr rtlCol="0" anchor="ctr"/>
+          <a:lstStyle/>
+          <a:p>
+            <a:pPr algn="ctr"/>
+            <a:endParaRPr lang="en-US"/>
+          </a:p>
+        </p:txBody>
+      </p:sp>
+    </p:spTree>
+    <p:extLst>
+      <p:ext uri="{BB962C8B-B14F-4D97-AF65-F5344CB8AC3E}">
+        <p14:creationId xmlns:p14="http://schemas.microsoft.com/office/powerpoint/2010/main" val="195467668"/>
+      </p:ext>
+    </p:extLst>
+  </p:cSld>
+  <p:clrMapOvr>
+    <a:masterClrMapping/>
+  </p:clrMapOvr>
+</p:sld>
+</file>
+
+<file path=ppt/slides/slide29.xml><?xml version="1.0" encoding="utf-8"?>
+<p:sld xmlns:a="http://schemas.openxmlformats.org/drawingml/2006/main" xmlns:r="http://schemas.openxmlformats.org/officeDocument/2006/relationships" xmlns:p="http://schemas.openxmlformats.org/presentationml/2006/main">
+  <p:cSld>
+    <p:spTree>
+      <p:nvGrpSpPr>
+        <p:cNvPr id="1" name=""/>
+        <p:cNvGrpSpPr/>
+        <p:nvPr/>
+      </p:nvGrpSpPr>
+      <p:grpSpPr>
+        <a:xfrm>
+          <a:off x="0" y="0"/>
+          <a:ext cx="0" cy="0"/>
+          <a:chOff x="0" y="0"/>
+          <a:chExt cx="0" cy="0"/>
+        </a:xfrm>
+      </p:grpSpPr>
+      <p:sp>
+        <p:nvSpPr>
+          <p:cNvPr id="2" name="Title 1">
+            <a:extLst>
+              <a:ext uri="{FF2B5EF4-FFF2-40B4-BE49-F238E27FC236}">
+                <a16:creationId xmlns:a16="http://schemas.microsoft.com/office/drawing/2014/main" id="{989D2970-92D1-7741-9B89-CB7CF1759296}"/>
+              </a:ext>
+            </a:extLst>
+          </p:cNvPr>
+          <p:cNvSpPr>
+            <a:spLocks noGrp="1"/>
+          </p:cNvSpPr>
+          <p:nvPr>
+            <p:ph type="title"/>
+          </p:nvPr>
+        </p:nvSpPr>
+        <p:spPr/>
+        <p:txBody>
+          <a:bodyPr/>
+          <a:lstStyle/>
+          <a:p>
+            <a:r>
+              <a:rPr lang="en-US" dirty="0"/>
+              <a:t>Machine Specific Optimization</a:t>
+            </a:r>
+          </a:p>
+        </p:txBody>
+      </p:sp>
+      <p:sp>
+        <p:nvSpPr>
+          <p:cNvPr id="4" name="Footer Placeholder 3">
+            <a:extLst>
+              <a:ext uri="{FF2B5EF4-FFF2-40B4-BE49-F238E27FC236}">
+                <a16:creationId xmlns:a16="http://schemas.microsoft.com/office/drawing/2014/main" id="{0DF3535A-058B-7B46-BA9B-C72B5EFF6D30}"/>
+              </a:ext>
+            </a:extLst>
+          </p:cNvPr>
+          <p:cNvSpPr>
+            <a:spLocks noGrp="1"/>
+          </p:cNvSpPr>
+          <p:nvPr>
+            <p:ph type="ftr" sz="quarter" idx="11"/>
+          </p:nvPr>
+        </p:nvSpPr>
+        <p:spPr/>
+        <p:txBody>
+          <a:bodyPr/>
+          <a:lstStyle/>
+          <a:p>
+            <a:r>
+              <a:rPr lang="en-US"/>
+              <a:t>Principles of Programming Languages</a:t>
+            </a:r>
+            <a:endParaRPr lang="en-US" dirty="0"/>
+          </a:p>
+        </p:txBody>
+      </p:sp>
+      <p:sp>
+        <p:nvSpPr>
+          <p:cNvPr id="5" name="Slide Number Placeholder 4">
+            <a:extLst>
+              <a:ext uri="{FF2B5EF4-FFF2-40B4-BE49-F238E27FC236}">
+                <a16:creationId xmlns:a16="http://schemas.microsoft.com/office/drawing/2014/main" id="{43C58BAD-10DE-5947-9B30-593F439125A6}"/>
+              </a:ext>
+            </a:extLst>
+          </p:cNvPr>
+          <p:cNvSpPr>
+            <a:spLocks noGrp="1"/>
+          </p:cNvSpPr>
+          <p:nvPr>
+            <p:ph type="sldNum" sz="quarter" idx="12"/>
+          </p:nvPr>
+        </p:nvSpPr>
+        <p:spPr/>
+        <p:txBody>
+          <a:bodyPr/>
+          <a:lstStyle/>
+          <a:p>
+            <a:fld id="{D57F1E4F-1CFF-5643-939E-217C01CDF565}" type="slidenum">
+              <a:rPr lang="en-US" smtClean="0"/>
+              <a:pPr/>
+              <a:t>29</a:t>
+            </a:fld>
+            <a:endParaRPr lang="en-US" dirty="0"/>
+          </a:p>
+        </p:txBody>
+      </p:sp>
+      <p:sp>
+        <p:nvSpPr>
+          <p:cNvPr id="7" name="TextBox 6">
+            <a:extLst>
+              <a:ext uri="{FF2B5EF4-FFF2-40B4-BE49-F238E27FC236}">
+                <a16:creationId xmlns:a16="http://schemas.microsoft.com/office/drawing/2014/main" id="{D87ED720-FADA-F44D-90C0-08F9476F5F2F}"/>
+              </a:ext>
+            </a:extLst>
+          </p:cNvPr>
+          <p:cNvSpPr txBox="1"/>
+          <p:nvPr/>
+        </p:nvSpPr>
+        <p:spPr>
+          <a:xfrm>
+            <a:off x="3831771" y="2102411"/>
+            <a:ext cx="1776448" cy="430887"/>
+          </a:xfrm>
+          <a:prstGeom prst="rect">
+            <a:avLst/>
+          </a:prstGeom>
+          <a:noFill/>
+          <a:ln w="57150">
+            <a:solidFill>
+              <a:srgbClr val="0070C0"/>
+            </a:solidFill>
+          </a:ln>
+        </p:spPr>
+        <p:txBody>
+          <a:bodyPr wrap="none" rtlCol="0">
+            <a:spAutoFit/>
+          </a:bodyPr>
+          <a:lstStyle/>
+          <a:p>
+            <a:r>
+              <a:rPr lang="en-US" sz="2200" dirty="0"/>
+              <a:t>a := a + b* 1.5</a:t>
+            </a:r>
+          </a:p>
+        </p:txBody>
+      </p:sp>
+      <p:sp>
+        <p:nvSpPr>
+          <p:cNvPr id="8" name="TextBox 7">
+            <a:extLst>
+              <a:ext uri="{FF2B5EF4-FFF2-40B4-BE49-F238E27FC236}">
+                <a16:creationId xmlns:a16="http://schemas.microsoft.com/office/drawing/2014/main" id="{BD20CF67-4216-404D-BD44-77F5CAE111F2}"/>
+              </a:ext>
+            </a:extLst>
+          </p:cNvPr>
+          <p:cNvSpPr txBox="1"/>
+          <p:nvPr/>
+        </p:nvSpPr>
+        <p:spPr>
+          <a:xfrm>
+            <a:off x="762000" y="3185088"/>
+            <a:ext cx="4365171" cy="2176943"/>
+          </a:xfrm>
+          <a:custGeom>
+            <a:avLst/>
+            <a:gdLst>
+              <a:gd name="connsiteX0" fmla="*/ 0 w 4365171"/>
+              <a:gd name="connsiteY0" fmla="*/ 0 h 2176943"/>
+              <a:gd name="connsiteX1" fmla="*/ 501995 w 4365171"/>
+              <a:gd name="connsiteY1" fmla="*/ 0 h 2176943"/>
+              <a:gd name="connsiteX2" fmla="*/ 916686 w 4365171"/>
+              <a:gd name="connsiteY2" fmla="*/ 0 h 2176943"/>
+              <a:gd name="connsiteX3" fmla="*/ 1549636 w 4365171"/>
+              <a:gd name="connsiteY3" fmla="*/ 0 h 2176943"/>
+              <a:gd name="connsiteX4" fmla="*/ 2051630 w 4365171"/>
+              <a:gd name="connsiteY4" fmla="*/ 0 h 2176943"/>
+              <a:gd name="connsiteX5" fmla="*/ 2553625 w 4365171"/>
+              <a:gd name="connsiteY5" fmla="*/ 0 h 2176943"/>
+              <a:gd name="connsiteX6" fmla="*/ 3186575 w 4365171"/>
+              <a:gd name="connsiteY6" fmla="*/ 0 h 2176943"/>
+              <a:gd name="connsiteX7" fmla="*/ 3644918 w 4365171"/>
+              <a:gd name="connsiteY7" fmla="*/ 0 h 2176943"/>
+              <a:gd name="connsiteX8" fmla="*/ 4365171 w 4365171"/>
+              <a:gd name="connsiteY8" fmla="*/ 0 h 2176943"/>
+              <a:gd name="connsiteX9" fmla="*/ 4365171 w 4365171"/>
+              <a:gd name="connsiteY9" fmla="*/ 587775 h 2176943"/>
+              <a:gd name="connsiteX10" fmla="*/ 4365171 w 4365171"/>
+              <a:gd name="connsiteY10" fmla="*/ 1088472 h 2176943"/>
+              <a:gd name="connsiteX11" fmla="*/ 4365171 w 4365171"/>
+              <a:gd name="connsiteY11" fmla="*/ 1632707 h 2176943"/>
+              <a:gd name="connsiteX12" fmla="*/ 4365171 w 4365171"/>
+              <a:gd name="connsiteY12" fmla="*/ 2176943 h 2176943"/>
+              <a:gd name="connsiteX13" fmla="*/ 3950480 w 4365171"/>
+              <a:gd name="connsiteY13" fmla="*/ 2176943 h 2176943"/>
+              <a:gd name="connsiteX14" fmla="*/ 3317530 w 4365171"/>
+              <a:gd name="connsiteY14" fmla="*/ 2176943 h 2176943"/>
+              <a:gd name="connsiteX15" fmla="*/ 2859187 w 4365171"/>
+              <a:gd name="connsiteY15" fmla="*/ 2176943 h 2176943"/>
+              <a:gd name="connsiteX16" fmla="*/ 2313541 w 4365171"/>
+              <a:gd name="connsiteY16" fmla="*/ 2176943 h 2176943"/>
+              <a:gd name="connsiteX17" fmla="*/ 1680591 w 4365171"/>
+              <a:gd name="connsiteY17" fmla="*/ 2176943 h 2176943"/>
+              <a:gd name="connsiteX18" fmla="*/ 1134944 w 4365171"/>
+              <a:gd name="connsiteY18" fmla="*/ 2176943 h 2176943"/>
+              <a:gd name="connsiteX19" fmla="*/ 720253 w 4365171"/>
+              <a:gd name="connsiteY19" fmla="*/ 2176943 h 2176943"/>
+              <a:gd name="connsiteX20" fmla="*/ 0 w 4365171"/>
+              <a:gd name="connsiteY20" fmla="*/ 2176943 h 2176943"/>
+              <a:gd name="connsiteX21" fmla="*/ 0 w 4365171"/>
+              <a:gd name="connsiteY21" fmla="*/ 1589168 h 2176943"/>
+              <a:gd name="connsiteX22" fmla="*/ 0 w 4365171"/>
+              <a:gd name="connsiteY22" fmla="*/ 1001394 h 2176943"/>
+              <a:gd name="connsiteX23" fmla="*/ 0 w 4365171"/>
+              <a:gd name="connsiteY23" fmla="*/ 0 h 2176943"/>
+            </a:gdLst>
+            <a:ahLst/>
+            <a:cxnLst>
+              <a:cxn ang="0">
+                <a:pos x="connsiteX0" y="connsiteY0"/>
+              </a:cxn>
+              <a:cxn ang="0">
+                <a:pos x="connsiteX1" y="connsiteY1"/>
+              </a:cxn>
+              <a:cxn ang="0">
+                <a:pos x="connsiteX2" y="connsiteY2"/>
+              </a:cxn>
+              <a:cxn ang="0">
+                <a:pos x="connsiteX3" y="connsiteY3"/>
+              </a:cxn>
+              <a:cxn ang="0">
+                <a:pos x="connsiteX4" y="connsiteY4"/>
+              </a:cxn>
+              <a:cxn ang="0">
+                <a:pos x="connsiteX5" y="connsiteY5"/>
+              </a:cxn>
+              <a:cxn ang="0">
+                <a:pos x="connsiteX6" y="connsiteY6"/>
+              </a:cxn>
+              <a:cxn ang="0">
+                <a:pos x="connsiteX7" y="connsiteY7"/>
+              </a:cxn>
+              <a:cxn ang="0">
+                <a:pos x="connsiteX8" y="connsiteY8"/>
+              </a:cxn>
+              <a:cxn ang="0">
+                <a:pos x="connsiteX9" y="connsiteY9"/>
+              </a:cxn>
+              <a:cxn ang="0">
+                <a:pos x="connsiteX10" y="connsiteY10"/>
+              </a:cxn>
+              <a:cxn ang="0">
+                <a:pos x="connsiteX11" y="connsiteY11"/>
+              </a:cxn>
+              <a:cxn ang="0">
+                <a:pos x="connsiteX12" y="connsiteY12"/>
+              </a:cxn>
+              <a:cxn ang="0">
+                <a:pos x="connsiteX13" y="connsiteY13"/>
+              </a:cxn>
+              <a:cxn ang="0">
+                <a:pos x="connsiteX14" y="connsiteY14"/>
+              </a:cxn>
+              <a:cxn ang="0">
+                <a:pos x="connsiteX15" y="connsiteY15"/>
+              </a:cxn>
+              <a:cxn ang="0">
+                <a:pos x="connsiteX16" y="connsiteY16"/>
+              </a:cxn>
+              <a:cxn ang="0">
+                <a:pos x="connsiteX17" y="connsiteY17"/>
+              </a:cxn>
+              <a:cxn ang="0">
+                <a:pos x="connsiteX18" y="connsiteY18"/>
+              </a:cxn>
+              <a:cxn ang="0">
+                <a:pos x="connsiteX19" y="connsiteY19"/>
+              </a:cxn>
+              <a:cxn ang="0">
+                <a:pos x="connsiteX20" y="connsiteY20"/>
+              </a:cxn>
+              <a:cxn ang="0">
+                <a:pos x="connsiteX21" y="connsiteY21"/>
+              </a:cxn>
+              <a:cxn ang="0">
+                <a:pos x="connsiteX22" y="connsiteY22"/>
+              </a:cxn>
+              <a:cxn ang="0">
+                <a:pos x="connsiteX23" y="connsiteY23"/>
+              </a:cxn>
+            </a:cxnLst>
+            <a:rect l="l" t="t" r="r" b="b"/>
+            <a:pathLst>
+              <a:path w="4365171" h="2176943" extrusionOk="0">
+                <a:moveTo>
+                  <a:pt x="0" y="0"/>
+                </a:moveTo>
+                <a:cubicBezTo>
+                  <a:pt x="132187" y="-8083"/>
+                  <a:pt x="254783" y="15030"/>
+                  <a:pt x="501995" y="0"/>
+                </a:cubicBezTo>
+                <a:cubicBezTo>
+                  <a:pt x="749208" y="-15030"/>
+                  <a:pt x="796141" y="10047"/>
+                  <a:pt x="916686" y="0"/>
+                </a:cubicBezTo>
+                <a:cubicBezTo>
+                  <a:pt x="1037231" y="-10047"/>
+                  <a:pt x="1277515" y="44483"/>
+                  <a:pt x="1549636" y="0"/>
+                </a:cubicBezTo>
+                <a:cubicBezTo>
+                  <a:pt x="1821757" y="-44483"/>
+                  <a:pt x="1821460" y="27460"/>
+                  <a:pt x="2051630" y="0"/>
+                </a:cubicBezTo>
+                <a:cubicBezTo>
+                  <a:pt x="2281800" y="-27460"/>
+                  <a:pt x="2314339" y="44829"/>
+                  <a:pt x="2553625" y="0"/>
+                </a:cubicBezTo>
+                <a:cubicBezTo>
+                  <a:pt x="2792912" y="-44829"/>
+                  <a:pt x="3047778" y="60169"/>
+                  <a:pt x="3186575" y="0"/>
+                </a:cubicBezTo>
+                <a:cubicBezTo>
+                  <a:pt x="3325372" y="-60169"/>
+                  <a:pt x="3525535" y="12740"/>
+                  <a:pt x="3644918" y="0"/>
+                </a:cubicBezTo>
+                <a:cubicBezTo>
+                  <a:pt x="3764301" y="-12740"/>
+                  <a:pt x="4099916" y="26746"/>
+                  <a:pt x="4365171" y="0"/>
+                </a:cubicBezTo>
+                <a:cubicBezTo>
+                  <a:pt x="4378667" y="215190"/>
+                  <a:pt x="4298625" y="386899"/>
+                  <a:pt x="4365171" y="587775"/>
+                </a:cubicBezTo>
+                <a:cubicBezTo>
+                  <a:pt x="4431717" y="788652"/>
+                  <a:pt x="4332643" y="980827"/>
+                  <a:pt x="4365171" y="1088472"/>
+                </a:cubicBezTo>
+                <a:cubicBezTo>
+                  <a:pt x="4397699" y="1196117"/>
+                  <a:pt x="4308758" y="1509033"/>
+                  <a:pt x="4365171" y="1632707"/>
+                </a:cubicBezTo>
+                <a:cubicBezTo>
+                  <a:pt x="4421584" y="1756381"/>
+                  <a:pt x="4332416" y="2034008"/>
+                  <a:pt x="4365171" y="2176943"/>
+                </a:cubicBezTo>
+                <a:cubicBezTo>
+                  <a:pt x="4207559" y="2224394"/>
+                  <a:pt x="4048508" y="2174275"/>
+                  <a:pt x="3950480" y="2176943"/>
+                </a:cubicBezTo>
+                <a:cubicBezTo>
+                  <a:pt x="3852452" y="2179611"/>
+                  <a:pt x="3621152" y="2149704"/>
+                  <a:pt x="3317530" y="2176943"/>
+                </a:cubicBezTo>
+                <a:cubicBezTo>
+                  <a:pt x="3013908" y="2204182"/>
+                  <a:pt x="2965913" y="2156804"/>
+                  <a:pt x="2859187" y="2176943"/>
+                </a:cubicBezTo>
+                <a:cubicBezTo>
+                  <a:pt x="2752461" y="2197082"/>
+                  <a:pt x="2490612" y="2117895"/>
+                  <a:pt x="2313541" y="2176943"/>
+                </a:cubicBezTo>
+                <a:cubicBezTo>
+                  <a:pt x="2136470" y="2235991"/>
+                  <a:pt x="1903058" y="2119047"/>
+                  <a:pt x="1680591" y="2176943"/>
+                </a:cubicBezTo>
+                <a:cubicBezTo>
+                  <a:pt x="1458124" y="2234839"/>
+                  <a:pt x="1374134" y="2170065"/>
+                  <a:pt x="1134944" y="2176943"/>
+                </a:cubicBezTo>
+                <a:cubicBezTo>
+                  <a:pt x="895754" y="2183821"/>
+                  <a:pt x="891995" y="2174307"/>
+                  <a:pt x="720253" y="2176943"/>
+                </a:cubicBezTo>
+                <a:cubicBezTo>
+                  <a:pt x="548511" y="2179579"/>
+                  <a:pt x="144885" y="2159017"/>
+                  <a:pt x="0" y="2176943"/>
+                </a:cubicBezTo>
+                <a:cubicBezTo>
+                  <a:pt x="-25594" y="1990430"/>
+                  <a:pt x="69185" y="1787891"/>
+                  <a:pt x="0" y="1589168"/>
+                </a:cubicBezTo>
+                <a:cubicBezTo>
+                  <a:pt x="-69185" y="1390445"/>
+                  <a:pt x="54789" y="1288560"/>
+                  <a:pt x="0" y="1001394"/>
+                </a:cubicBezTo>
+                <a:cubicBezTo>
+                  <a:pt x="-54789" y="714228"/>
+                  <a:pt x="5891" y="364800"/>
+                  <a:pt x="0" y="0"/>
+                </a:cubicBezTo>
+                <a:close/>
+              </a:path>
+            </a:pathLst>
+          </a:custGeom>
+          <a:noFill/>
+          <a:ln w="57150" cmpd="tri">
+            <a:solidFill>
+              <a:srgbClr val="FFC000"/>
+            </a:solidFill>
+            <a:extLst>
+              <a:ext uri="{C807C97D-BFC1-408E-A445-0C87EB9F89A2}">
+                <ask:lineSketchStyleProps xmlns:ask="http://schemas.microsoft.com/office/drawing/2018/sketchyshapes" sd="1219033472">
+                  <a:prstGeom prst="rect">
+                    <a:avLst/>
+                  </a:prstGeom>
+                  <ask:type>
+                    <ask:lineSketchScribble/>
+                  </ask:type>
+                </ask:lineSketchStyleProps>
+              </a:ext>
+            </a:extLst>
+          </a:ln>
+        </p:spPr>
+        <p:txBody>
+          <a:bodyPr wrap="square" rtlCol="0">
+            <a:spAutoFit/>
+          </a:bodyPr>
+          <a:lstStyle/>
+          <a:p>
+            <a:pPr marL="457200" indent="-457200">
+              <a:lnSpc>
+                <a:spcPct val="125000"/>
+              </a:lnSpc>
+              <a:buFont typeface="+mj-lt"/>
+              <a:buAutoNum type="arabicPeriod"/>
+            </a:pPr>
+            <a:r>
+              <a:rPr lang="en-US" sz="2200" dirty="0" err="1"/>
+              <a:t>fload</a:t>
+            </a:r>
+            <a:r>
+              <a:rPr lang="en-US" sz="2200" dirty="0"/>
+              <a:t>    freg1, __ , #AB100</a:t>
+            </a:r>
+          </a:p>
+          <a:p>
+            <a:pPr marL="457200" indent="-457200">
+              <a:lnSpc>
+                <a:spcPct val="125000"/>
+              </a:lnSpc>
+              <a:buFont typeface="+mj-lt"/>
+              <a:buAutoNum type="arabicPeriod"/>
+            </a:pPr>
+            <a:r>
+              <a:rPr lang="en-US" sz="2200" dirty="0" err="1"/>
+              <a:t>fload</a:t>
+            </a:r>
+            <a:r>
+              <a:rPr lang="en-US" sz="2200" dirty="0"/>
+              <a:t>    freg2, __ , #AB104</a:t>
+            </a:r>
+          </a:p>
+          <a:p>
+            <a:pPr marL="457200" indent="-457200">
+              <a:lnSpc>
+                <a:spcPct val="125000"/>
+              </a:lnSpc>
+              <a:buFont typeface="+mj-lt"/>
+              <a:buAutoNum type="arabicPeriod"/>
+            </a:pPr>
+            <a:r>
+              <a:rPr lang="en-US" sz="2200" dirty="0" err="1"/>
+              <a:t>fmul</a:t>
+            </a:r>
+            <a:r>
+              <a:rPr lang="en-US" sz="2200" dirty="0"/>
+              <a:t>     freg3, freg2 , 1.5</a:t>
+            </a:r>
+          </a:p>
+          <a:p>
+            <a:pPr marL="457200" indent="-457200">
+              <a:lnSpc>
+                <a:spcPct val="125000"/>
+              </a:lnSpc>
+              <a:buFont typeface="+mj-lt"/>
+              <a:buAutoNum type="arabicPeriod"/>
+            </a:pPr>
+            <a:r>
+              <a:rPr lang="en-US" sz="2200" dirty="0" err="1"/>
+              <a:t>fadd</a:t>
+            </a:r>
+            <a:r>
+              <a:rPr lang="en-US" sz="2200" dirty="0"/>
+              <a:t>     freg4 , freg1 , freg3</a:t>
+            </a:r>
+          </a:p>
+          <a:p>
+            <a:pPr marL="457200" indent="-457200">
+              <a:lnSpc>
+                <a:spcPct val="125000"/>
+              </a:lnSpc>
+              <a:buFont typeface="+mj-lt"/>
+              <a:buAutoNum type="arabicPeriod"/>
+            </a:pPr>
+            <a:r>
+              <a:rPr lang="en-US" sz="2200" dirty="0" err="1"/>
+              <a:t>fstore</a:t>
+            </a:r>
+            <a:r>
+              <a:rPr lang="en-US" sz="2200" dirty="0"/>
+              <a:t>  #AB100 , __ , freg4</a:t>
+            </a:r>
+          </a:p>
+        </p:txBody>
+      </p:sp>
+      <p:sp>
+        <p:nvSpPr>
+          <p:cNvPr id="10" name="Right Arrow 9">
+            <a:extLst>
+              <a:ext uri="{FF2B5EF4-FFF2-40B4-BE49-F238E27FC236}">
+                <a16:creationId xmlns:a16="http://schemas.microsoft.com/office/drawing/2014/main" id="{5729A59F-90F0-D549-8E5D-6B30E625812B}"/>
+              </a:ext>
+            </a:extLst>
+          </p:cNvPr>
+          <p:cNvSpPr/>
+          <p:nvPr/>
+        </p:nvSpPr>
+        <p:spPr>
+          <a:xfrm>
+            <a:off x="5542905" y="3738226"/>
+            <a:ext cx="1230086" cy="849085"/>
+          </a:xfrm>
+          <a:prstGeom prst="rightArrow">
+            <a:avLst/>
+          </a:prstGeom>
+          <a:noFill/>
+          <a:ln w="76200"/>
+        </p:spPr>
+        <p:style>
+          <a:lnRef idx="2">
+            <a:schemeClr val="accent1">
+              <a:shade val="50000"/>
+            </a:schemeClr>
+          </a:lnRef>
+          <a:fillRef idx="1">
+            <a:schemeClr val="accent1"/>
+          </a:fillRef>
+          <a:effectRef idx="0">
+            <a:schemeClr val="accent1"/>
+          </a:effectRef>
+          <a:fontRef idx="minor">
+            <a:schemeClr val="lt1"/>
+          </a:fontRef>
+        </p:style>
+        <p:txBody>
+          <a:bodyPr rtlCol="0" anchor="ctr"/>
+          <a:lstStyle/>
+          <a:p>
+            <a:pPr algn="ctr"/>
+            <a:endParaRPr lang="en-US"/>
+          </a:p>
+        </p:txBody>
+      </p:sp>
+      <p:sp>
+        <p:nvSpPr>
+          <p:cNvPr id="11" name="TextBox 10">
+            <a:extLst>
+              <a:ext uri="{FF2B5EF4-FFF2-40B4-BE49-F238E27FC236}">
+                <a16:creationId xmlns:a16="http://schemas.microsoft.com/office/drawing/2014/main" id="{DB8F621C-D846-F649-9BB6-64FF619857D9}"/>
+              </a:ext>
+            </a:extLst>
+          </p:cNvPr>
+          <p:cNvSpPr txBox="1"/>
+          <p:nvPr/>
+        </p:nvSpPr>
+        <p:spPr>
+          <a:xfrm>
+            <a:off x="7064829" y="3185087"/>
+            <a:ext cx="4365171" cy="1753750"/>
+          </a:xfrm>
+          <a:custGeom>
+            <a:avLst/>
+            <a:gdLst>
+              <a:gd name="connsiteX0" fmla="*/ 0 w 4365171"/>
+              <a:gd name="connsiteY0" fmla="*/ 0 h 1753750"/>
+              <a:gd name="connsiteX1" fmla="*/ 501995 w 4365171"/>
+              <a:gd name="connsiteY1" fmla="*/ 0 h 1753750"/>
+              <a:gd name="connsiteX2" fmla="*/ 916686 w 4365171"/>
+              <a:gd name="connsiteY2" fmla="*/ 0 h 1753750"/>
+              <a:gd name="connsiteX3" fmla="*/ 1549636 w 4365171"/>
+              <a:gd name="connsiteY3" fmla="*/ 0 h 1753750"/>
+              <a:gd name="connsiteX4" fmla="*/ 2051630 w 4365171"/>
+              <a:gd name="connsiteY4" fmla="*/ 0 h 1753750"/>
+              <a:gd name="connsiteX5" fmla="*/ 2553625 w 4365171"/>
+              <a:gd name="connsiteY5" fmla="*/ 0 h 1753750"/>
+              <a:gd name="connsiteX6" fmla="*/ 3186575 w 4365171"/>
+              <a:gd name="connsiteY6" fmla="*/ 0 h 1753750"/>
+              <a:gd name="connsiteX7" fmla="*/ 3644918 w 4365171"/>
+              <a:gd name="connsiteY7" fmla="*/ 0 h 1753750"/>
+              <a:gd name="connsiteX8" fmla="*/ 4365171 w 4365171"/>
+              <a:gd name="connsiteY8" fmla="*/ 0 h 1753750"/>
+              <a:gd name="connsiteX9" fmla="*/ 4365171 w 4365171"/>
+              <a:gd name="connsiteY9" fmla="*/ 619658 h 1753750"/>
+              <a:gd name="connsiteX10" fmla="*/ 4365171 w 4365171"/>
+              <a:gd name="connsiteY10" fmla="*/ 1169167 h 1753750"/>
+              <a:gd name="connsiteX11" fmla="*/ 4365171 w 4365171"/>
+              <a:gd name="connsiteY11" fmla="*/ 1753750 h 1753750"/>
+              <a:gd name="connsiteX12" fmla="*/ 3775873 w 4365171"/>
+              <a:gd name="connsiteY12" fmla="*/ 1753750 h 1753750"/>
+              <a:gd name="connsiteX13" fmla="*/ 3142923 w 4365171"/>
+              <a:gd name="connsiteY13" fmla="*/ 1753750 h 1753750"/>
+              <a:gd name="connsiteX14" fmla="*/ 2509973 w 4365171"/>
+              <a:gd name="connsiteY14" fmla="*/ 1753750 h 1753750"/>
+              <a:gd name="connsiteX15" fmla="*/ 2051630 w 4365171"/>
+              <a:gd name="connsiteY15" fmla="*/ 1753750 h 1753750"/>
+              <a:gd name="connsiteX16" fmla="*/ 1505984 w 4365171"/>
+              <a:gd name="connsiteY16" fmla="*/ 1753750 h 1753750"/>
+              <a:gd name="connsiteX17" fmla="*/ 873034 w 4365171"/>
+              <a:gd name="connsiteY17" fmla="*/ 1753750 h 1753750"/>
+              <a:gd name="connsiteX18" fmla="*/ 0 w 4365171"/>
+              <a:gd name="connsiteY18" fmla="*/ 1753750 h 1753750"/>
+              <a:gd name="connsiteX19" fmla="*/ 0 w 4365171"/>
+              <a:gd name="connsiteY19" fmla="*/ 1221779 h 1753750"/>
+              <a:gd name="connsiteX20" fmla="*/ 0 w 4365171"/>
+              <a:gd name="connsiteY20" fmla="*/ 672271 h 1753750"/>
+              <a:gd name="connsiteX21" fmla="*/ 0 w 4365171"/>
+              <a:gd name="connsiteY21" fmla="*/ 0 h 1753750"/>
+            </a:gdLst>
+            <a:ahLst/>
+            <a:cxnLst>
+              <a:cxn ang="0">
+                <a:pos x="connsiteX0" y="connsiteY0"/>
+              </a:cxn>
+              <a:cxn ang="0">
+                <a:pos x="connsiteX1" y="connsiteY1"/>
+              </a:cxn>
+              <a:cxn ang="0">
+                <a:pos x="connsiteX2" y="connsiteY2"/>
+              </a:cxn>
+              <a:cxn ang="0">
+                <a:pos x="connsiteX3" y="connsiteY3"/>
+              </a:cxn>
+              <a:cxn ang="0">
+                <a:pos x="connsiteX4" y="connsiteY4"/>
+              </a:cxn>
+              <a:cxn ang="0">
+                <a:pos x="connsiteX5" y="connsiteY5"/>
+              </a:cxn>
+              <a:cxn ang="0">
+                <a:pos x="connsiteX6" y="connsiteY6"/>
+              </a:cxn>
+              <a:cxn ang="0">
+                <a:pos x="connsiteX7" y="connsiteY7"/>
+              </a:cxn>
+              <a:cxn ang="0">
+                <a:pos x="connsiteX8" y="connsiteY8"/>
+              </a:cxn>
+              <a:cxn ang="0">
+                <a:pos x="connsiteX9" y="connsiteY9"/>
+              </a:cxn>
+              <a:cxn ang="0">
+                <a:pos x="connsiteX10" y="connsiteY10"/>
+              </a:cxn>
+              <a:cxn ang="0">
+                <a:pos x="connsiteX11" y="connsiteY11"/>
+              </a:cxn>
+              <a:cxn ang="0">
+                <a:pos x="connsiteX12" y="connsiteY12"/>
+              </a:cxn>
+              <a:cxn ang="0">
+                <a:pos x="connsiteX13" y="connsiteY13"/>
+              </a:cxn>
+              <a:cxn ang="0">
+                <a:pos x="connsiteX14" y="connsiteY14"/>
+              </a:cxn>
+              <a:cxn ang="0">
+                <a:pos x="connsiteX15" y="connsiteY15"/>
+              </a:cxn>
+              <a:cxn ang="0">
+                <a:pos x="connsiteX16" y="connsiteY16"/>
+              </a:cxn>
+              <a:cxn ang="0">
+                <a:pos x="connsiteX17" y="connsiteY17"/>
+              </a:cxn>
+              <a:cxn ang="0">
+                <a:pos x="connsiteX18" y="connsiteY18"/>
+              </a:cxn>
+              <a:cxn ang="0">
+                <a:pos x="connsiteX19" y="connsiteY19"/>
+              </a:cxn>
+              <a:cxn ang="0">
+                <a:pos x="connsiteX20" y="connsiteY20"/>
+              </a:cxn>
+              <a:cxn ang="0">
+                <a:pos x="connsiteX21" y="connsiteY21"/>
+              </a:cxn>
+            </a:cxnLst>
+            <a:rect l="l" t="t" r="r" b="b"/>
+            <a:pathLst>
+              <a:path w="4365171" h="1753750" extrusionOk="0">
+                <a:moveTo>
+                  <a:pt x="0" y="0"/>
+                </a:moveTo>
+                <a:cubicBezTo>
+                  <a:pt x="132187" y="-8083"/>
+                  <a:pt x="254783" y="15030"/>
+                  <a:pt x="501995" y="0"/>
+                </a:cubicBezTo>
+                <a:cubicBezTo>
+                  <a:pt x="749208" y="-15030"/>
+                  <a:pt x="796141" y="10047"/>
+                  <a:pt x="916686" y="0"/>
+                </a:cubicBezTo>
+                <a:cubicBezTo>
+                  <a:pt x="1037231" y="-10047"/>
+                  <a:pt x="1277515" y="44483"/>
+                  <a:pt x="1549636" y="0"/>
+                </a:cubicBezTo>
+                <a:cubicBezTo>
+                  <a:pt x="1821757" y="-44483"/>
+                  <a:pt x="1821460" y="27460"/>
+                  <a:pt x="2051630" y="0"/>
+                </a:cubicBezTo>
+                <a:cubicBezTo>
+                  <a:pt x="2281800" y="-27460"/>
+                  <a:pt x="2314339" y="44829"/>
+                  <a:pt x="2553625" y="0"/>
+                </a:cubicBezTo>
+                <a:cubicBezTo>
+                  <a:pt x="2792912" y="-44829"/>
+                  <a:pt x="3047778" y="60169"/>
+                  <a:pt x="3186575" y="0"/>
+                </a:cubicBezTo>
+                <a:cubicBezTo>
+                  <a:pt x="3325372" y="-60169"/>
+                  <a:pt x="3525535" y="12740"/>
+                  <a:pt x="3644918" y="0"/>
+                </a:cubicBezTo>
+                <a:cubicBezTo>
+                  <a:pt x="3764301" y="-12740"/>
+                  <a:pt x="4099916" y="26746"/>
+                  <a:pt x="4365171" y="0"/>
+                </a:cubicBezTo>
+                <a:cubicBezTo>
+                  <a:pt x="4423722" y="252398"/>
+                  <a:pt x="4337413" y="446634"/>
+                  <a:pt x="4365171" y="619658"/>
+                </a:cubicBezTo>
+                <a:cubicBezTo>
+                  <a:pt x="4392929" y="792682"/>
+                  <a:pt x="4336493" y="956336"/>
+                  <a:pt x="4365171" y="1169167"/>
+                </a:cubicBezTo>
+                <a:cubicBezTo>
+                  <a:pt x="4393849" y="1381998"/>
+                  <a:pt x="4343998" y="1461736"/>
+                  <a:pt x="4365171" y="1753750"/>
+                </a:cubicBezTo>
+                <a:cubicBezTo>
+                  <a:pt x="4203047" y="1777194"/>
+                  <a:pt x="3983683" y="1748732"/>
+                  <a:pt x="3775873" y="1753750"/>
+                </a:cubicBezTo>
+                <a:cubicBezTo>
+                  <a:pt x="3568063" y="1758768"/>
+                  <a:pt x="3294769" y="1684100"/>
+                  <a:pt x="3142923" y="1753750"/>
+                </a:cubicBezTo>
+                <a:cubicBezTo>
+                  <a:pt x="2991077" y="1823400"/>
+                  <a:pt x="2813595" y="1726511"/>
+                  <a:pt x="2509973" y="1753750"/>
+                </a:cubicBezTo>
+                <a:cubicBezTo>
+                  <a:pt x="2206351" y="1780989"/>
+                  <a:pt x="2158356" y="1733611"/>
+                  <a:pt x="2051630" y="1753750"/>
+                </a:cubicBezTo>
+                <a:cubicBezTo>
+                  <a:pt x="1944904" y="1773889"/>
+                  <a:pt x="1683055" y="1694702"/>
+                  <a:pt x="1505984" y="1753750"/>
+                </a:cubicBezTo>
+                <a:cubicBezTo>
+                  <a:pt x="1328913" y="1812798"/>
+                  <a:pt x="1095501" y="1695854"/>
+                  <a:pt x="873034" y="1753750"/>
+                </a:cubicBezTo>
+                <a:cubicBezTo>
+                  <a:pt x="650567" y="1811646"/>
+                  <a:pt x="327756" y="1679894"/>
+                  <a:pt x="0" y="1753750"/>
+                </a:cubicBezTo>
+                <a:cubicBezTo>
+                  <a:pt x="-40813" y="1513160"/>
+                  <a:pt x="62618" y="1364044"/>
+                  <a:pt x="0" y="1221779"/>
+                </a:cubicBezTo>
+                <a:cubicBezTo>
+                  <a:pt x="-62618" y="1079514"/>
+                  <a:pt x="36440" y="893419"/>
+                  <a:pt x="0" y="672271"/>
+                </a:cubicBezTo>
+                <a:cubicBezTo>
+                  <a:pt x="-36440" y="451123"/>
+                  <a:pt x="15114" y="334067"/>
+                  <a:pt x="0" y="0"/>
+                </a:cubicBezTo>
+                <a:close/>
+              </a:path>
+            </a:pathLst>
+          </a:custGeom>
+          <a:noFill/>
+          <a:ln w="57150" cmpd="tri">
+            <a:solidFill>
+              <a:srgbClr val="FFC000"/>
+            </a:solidFill>
+            <a:extLst>
+              <a:ext uri="{C807C97D-BFC1-408E-A445-0C87EB9F89A2}">
+                <ask:lineSketchStyleProps xmlns:ask="http://schemas.microsoft.com/office/drawing/2018/sketchyshapes" sd="1219033472">
+                  <a:prstGeom prst="rect">
+                    <a:avLst/>
+                  </a:prstGeom>
+                  <ask:type>
+                    <ask:lineSketchScribble/>
+                  </ask:type>
+                </ask:lineSketchStyleProps>
+              </a:ext>
+            </a:extLst>
+          </a:ln>
+        </p:spPr>
+        <p:txBody>
+          <a:bodyPr wrap="square" rtlCol="0">
+            <a:spAutoFit/>
+          </a:bodyPr>
+          <a:lstStyle/>
+          <a:p>
+            <a:pPr marL="457200" indent="-457200">
+              <a:lnSpc>
+                <a:spcPct val="125000"/>
+              </a:lnSpc>
+              <a:buFont typeface="+mj-lt"/>
+              <a:buAutoNum type="arabicPeriod"/>
+            </a:pPr>
+            <a:r>
+              <a:rPr lang="en-US" sz="2200" dirty="0" err="1"/>
+              <a:t>fload</a:t>
+            </a:r>
+            <a:r>
+              <a:rPr lang="en-US" sz="2200" dirty="0"/>
+              <a:t>    freg1, __ , #AB100</a:t>
+            </a:r>
+          </a:p>
+          <a:p>
+            <a:pPr marL="457200" indent="-457200">
+              <a:lnSpc>
+                <a:spcPct val="125000"/>
+              </a:lnSpc>
+              <a:buFont typeface="+mj-lt"/>
+              <a:buAutoNum type="arabicPeriod"/>
+            </a:pPr>
+            <a:r>
+              <a:rPr lang="en-US" sz="2200" dirty="0" err="1"/>
+              <a:t>fload</a:t>
+            </a:r>
+            <a:r>
+              <a:rPr lang="en-US" sz="2200" dirty="0"/>
+              <a:t>    freg2, __ , #AB104</a:t>
+            </a:r>
+          </a:p>
+          <a:p>
+            <a:pPr marL="457200" indent="-457200">
+              <a:lnSpc>
+                <a:spcPct val="125000"/>
+              </a:lnSpc>
+              <a:buFont typeface="+mj-lt"/>
+              <a:buAutoNum type="arabicPeriod"/>
+            </a:pPr>
+            <a:r>
+              <a:rPr lang="en-US" sz="2200" dirty="0" err="1"/>
+              <a:t>fmadd</a:t>
+            </a:r>
+            <a:r>
+              <a:rPr lang="en-US" sz="2200" dirty="0"/>
+              <a:t>     freg1 , freg2 , 1.5</a:t>
+            </a:r>
+          </a:p>
+          <a:p>
+            <a:pPr marL="457200" indent="-457200">
+              <a:lnSpc>
+                <a:spcPct val="125000"/>
+              </a:lnSpc>
+              <a:buFont typeface="+mj-lt"/>
+              <a:buAutoNum type="arabicPeriod"/>
+            </a:pPr>
+            <a:r>
+              <a:rPr lang="en-US" sz="2200" dirty="0" err="1"/>
+              <a:t>fstore</a:t>
+            </a:r>
+            <a:r>
+              <a:rPr lang="en-US" sz="2200" dirty="0"/>
+              <a:t>  #AB100 , __ , freg1</a:t>
+            </a:r>
+          </a:p>
+        </p:txBody>
+      </p:sp>
+    </p:spTree>
+    <p:extLst>
+      <p:ext uri="{BB962C8B-B14F-4D97-AF65-F5344CB8AC3E}">
+        <p14:creationId xmlns:p14="http://schemas.microsoft.com/office/powerpoint/2010/main" val="2752436609"/>
       </p:ext>
     </p:extLst>
   </p:cSld>
@@ -24088,7 +26017,12 @@
             <p:ph idx="1"/>
           </p:nvPr>
         </p:nvSpPr>
-        <p:spPr/>
+        <p:spPr>
+          <a:xfrm>
+            <a:off x="838200" y="1825625"/>
+            <a:ext cx="10515600" cy="4444546"/>
+          </a:xfrm>
+        </p:spPr>
         <p:txBody>
           <a:bodyPr>
             <a:normAutofit/>

--- a/introduction.pptx
+++ b/introduction.pptx
@@ -5,7 +5,7 @@
     <p:sldMasterId id="2147483660" r:id="rId1"/>
   </p:sldMasterIdLst>
   <p:notesMasterIdLst>
-    <p:notesMasterId r:id="rId31"/>
+    <p:notesMasterId r:id="rId32"/>
   </p:notesMasterIdLst>
   <p:sldIdLst>
     <p:sldId id="256" r:id="rId2"/>
@@ -15,28 +15,29 @@
     <p:sldId id="260" r:id="rId6"/>
     <p:sldId id="282" r:id="rId7"/>
     <p:sldId id="263" r:id="rId8"/>
-    <p:sldId id="258" r:id="rId9"/>
-    <p:sldId id="257" r:id="rId10"/>
-    <p:sldId id="272" r:id="rId11"/>
-    <p:sldId id="265" r:id="rId12"/>
-    <p:sldId id="264" r:id="rId13"/>
-    <p:sldId id="261" r:id="rId14"/>
-    <p:sldId id="266" r:id="rId15"/>
-    <p:sldId id="267" r:id="rId16"/>
-    <p:sldId id="268" r:id="rId17"/>
-    <p:sldId id="269" r:id="rId18"/>
-    <p:sldId id="270" r:id="rId19"/>
-    <p:sldId id="273" r:id="rId20"/>
-    <p:sldId id="274" r:id="rId21"/>
-    <p:sldId id="275" r:id="rId22"/>
-    <p:sldId id="281" r:id="rId23"/>
-    <p:sldId id="276" r:id="rId24"/>
-    <p:sldId id="277" r:id="rId25"/>
-    <p:sldId id="278" r:id="rId26"/>
-    <p:sldId id="279" r:id="rId27"/>
-    <p:sldId id="280" r:id="rId28"/>
-    <p:sldId id="283" r:id="rId29"/>
-    <p:sldId id="284" r:id="rId30"/>
+    <p:sldId id="285" r:id="rId9"/>
+    <p:sldId id="258" r:id="rId10"/>
+    <p:sldId id="257" r:id="rId11"/>
+    <p:sldId id="272" r:id="rId12"/>
+    <p:sldId id="265" r:id="rId13"/>
+    <p:sldId id="264" r:id="rId14"/>
+    <p:sldId id="261" r:id="rId15"/>
+    <p:sldId id="266" r:id="rId16"/>
+    <p:sldId id="267" r:id="rId17"/>
+    <p:sldId id="268" r:id="rId18"/>
+    <p:sldId id="269" r:id="rId19"/>
+    <p:sldId id="270" r:id="rId20"/>
+    <p:sldId id="273" r:id="rId21"/>
+    <p:sldId id="274" r:id="rId22"/>
+    <p:sldId id="275" r:id="rId23"/>
+    <p:sldId id="281" r:id="rId24"/>
+    <p:sldId id="276" r:id="rId25"/>
+    <p:sldId id="277" r:id="rId26"/>
+    <p:sldId id="278" r:id="rId27"/>
+    <p:sldId id="279" r:id="rId28"/>
+    <p:sldId id="280" r:id="rId29"/>
+    <p:sldId id="283" r:id="rId30"/>
+    <p:sldId id="284" r:id="rId31"/>
   </p:sldIdLst>
   <p:sldSz cx="12192000" cy="6858000"/>
   <p:notesSz cx="6858000" cy="9144000"/>
@@ -3830,6 +3831,587 @@
           <p:cNvPr id="2" name="Title 1">
             <a:extLst>
               <a:ext uri="{FF2B5EF4-FFF2-40B4-BE49-F238E27FC236}">
+                <a16:creationId xmlns:a16="http://schemas.microsoft.com/office/drawing/2014/main" id="{F9434D1A-016A-F849-AFA7-FB85CA19F242}"/>
+              </a:ext>
+            </a:extLst>
+          </p:cNvPr>
+          <p:cNvSpPr>
+            <a:spLocks noGrp="1"/>
+          </p:cNvSpPr>
+          <p:nvPr>
+            <p:ph type="title"/>
+          </p:nvPr>
+        </p:nvSpPr>
+        <p:spPr/>
+        <p:txBody>
+          <a:bodyPr/>
+          <a:lstStyle/>
+          <a:p>
+            <a:r>
+              <a:rPr lang="en-US" dirty="0"/>
+              <a:t>Classification</a:t>
+            </a:r>
+          </a:p>
+        </p:txBody>
+      </p:sp>
+      <p:sp>
+        <p:nvSpPr>
+          <p:cNvPr id="6" name="Oval 5">
+            <a:extLst>
+              <a:ext uri="{FF2B5EF4-FFF2-40B4-BE49-F238E27FC236}">
+                <a16:creationId xmlns:a16="http://schemas.microsoft.com/office/drawing/2014/main" id="{B2501079-3FAF-EA46-BEB5-4E5EC17D7890}"/>
+              </a:ext>
+            </a:extLst>
+          </p:cNvPr>
+          <p:cNvSpPr/>
+          <p:nvPr/>
+        </p:nvSpPr>
+        <p:spPr>
+          <a:xfrm>
+            <a:off x="838200" y="1690688"/>
+            <a:ext cx="6498771" cy="3839255"/>
+          </a:xfrm>
+          <a:prstGeom prst="ellipse">
+            <a:avLst/>
+          </a:prstGeom>
+          <a:noFill/>
+          <a:ln w="57150">
+            <a:solidFill>
+              <a:schemeClr val="accent2">
+                <a:lumMod val="75000"/>
+              </a:schemeClr>
+            </a:solidFill>
+          </a:ln>
+        </p:spPr>
+        <p:style>
+          <a:lnRef idx="2">
+            <a:schemeClr val="accent1">
+              <a:shade val="50000"/>
+            </a:schemeClr>
+          </a:lnRef>
+          <a:fillRef idx="1">
+            <a:schemeClr val="accent1"/>
+          </a:fillRef>
+          <a:effectRef idx="0">
+            <a:schemeClr val="accent1"/>
+          </a:effectRef>
+          <a:fontRef idx="minor">
+            <a:schemeClr val="lt1"/>
+          </a:fontRef>
+        </p:style>
+        <p:txBody>
+          <a:bodyPr rtlCol="0" anchor="ctr"/>
+          <a:lstStyle/>
+          <a:p>
+            <a:pPr algn="ctr"/>
+            <a:endParaRPr lang="en-US"/>
+          </a:p>
+        </p:txBody>
+      </p:sp>
+      <p:sp>
+        <p:nvSpPr>
+          <p:cNvPr id="7" name="TextBox 6">
+            <a:extLst>
+              <a:ext uri="{FF2B5EF4-FFF2-40B4-BE49-F238E27FC236}">
+                <a16:creationId xmlns:a16="http://schemas.microsoft.com/office/drawing/2014/main" id="{EFD4B101-496B-5F4C-9344-AB9241A27A28}"/>
+              </a:ext>
+            </a:extLst>
+          </p:cNvPr>
+          <p:cNvSpPr txBox="1"/>
+          <p:nvPr/>
+        </p:nvSpPr>
+        <p:spPr>
+          <a:xfrm>
+            <a:off x="2606410" y="2002972"/>
+            <a:ext cx="3023776" cy="461665"/>
+          </a:xfrm>
+          <a:prstGeom prst="rect">
+            <a:avLst/>
+          </a:prstGeom>
+          <a:noFill/>
+        </p:spPr>
+        <p:txBody>
+          <a:bodyPr wrap="none" rtlCol="0">
+            <a:spAutoFit/>
+          </a:bodyPr>
+          <a:lstStyle/>
+          <a:p>
+            <a:r>
+              <a:rPr lang="en-US" sz="2400" b="1" dirty="0"/>
+              <a:t>Declarative Languages</a:t>
+            </a:r>
+          </a:p>
+        </p:txBody>
+      </p:sp>
+      <p:sp>
+        <p:nvSpPr>
+          <p:cNvPr id="8" name="Oval 7">
+            <a:extLst>
+              <a:ext uri="{FF2B5EF4-FFF2-40B4-BE49-F238E27FC236}">
+                <a16:creationId xmlns:a16="http://schemas.microsoft.com/office/drawing/2014/main" id="{9A196567-CDBF-1046-990D-271F0BC30C61}"/>
+              </a:ext>
+            </a:extLst>
+          </p:cNvPr>
+          <p:cNvSpPr/>
+          <p:nvPr/>
+        </p:nvSpPr>
+        <p:spPr>
+          <a:xfrm>
+            <a:off x="5421085" y="1690688"/>
+            <a:ext cx="6498771" cy="3839255"/>
+          </a:xfrm>
+          <a:prstGeom prst="ellipse">
+            <a:avLst/>
+          </a:prstGeom>
+          <a:noFill/>
+          <a:ln w="57150">
+            <a:solidFill>
+              <a:schemeClr val="accent2">
+                <a:lumMod val="75000"/>
+              </a:schemeClr>
+            </a:solidFill>
+          </a:ln>
+        </p:spPr>
+        <p:style>
+          <a:lnRef idx="2">
+            <a:schemeClr val="accent1">
+              <a:shade val="50000"/>
+            </a:schemeClr>
+          </a:lnRef>
+          <a:fillRef idx="1">
+            <a:schemeClr val="accent1"/>
+          </a:fillRef>
+          <a:effectRef idx="0">
+            <a:schemeClr val="accent1"/>
+          </a:effectRef>
+          <a:fontRef idx="minor">
+            <a:schemeClr val="lt1"/>
+          </a:fontRef>
+        </p:style>
+        <p:txBody>
+          <a:bodyPr rtlCol="0" anchor="ctr"/>
+          <a:lstStyle/>
+          <a:p>
+            <a:pPr algn="ctr"/>
+            <a:endParaRPr lang="en-US"/>
+          </a:p>
+        </p:txBody>
+      </p:sp>
+      <p:sp>
+        <p:nvSpPr>
+          <p:cNvPr id="9" name="TextBox 8">
+            <a:extLst>
+              <a:ext uri="{FF2B5EF4-FFF2-40B4-BE49-F238E27FC236}">
+                <a16:creationId xmlns:a16="http://schemas.microsoft.com/office/drawing/2014/main" id="{E7D583A8-4701-D647-BE61-F9BB1C539563}"/>
+              </a:ext>
+            </a:extLst>
+          </p:cNvPr>
+          <p:cNvSpPr txBox="1"/>
+          <p:nvPr/>
+        </p:nvSpPr>
+        <p:spPr>
+          <a:xfrm>
+            <a:off x="7189294" y="2002971"/>
+            <a:ext cx="2970878" cy="461665"/>
+          </a:xfrm>
+          <a:prstGeom prst="rect">
+            <a:avLst/>
+          </a:prstGeom>
+          <a:noFill/>
+        </p:spPr>
+        <p:txBody>
+          <a:bodyPr wrap="none" rtlCol="0">
+            <a:spAutoFit/>
+          </a:bodyPr>
+          <a:lstStyle/>
+          <a:p>
+            <a:r>
+              <a:rPr lang="en-US" sz="2400" b="1" dirty="0"/>
+              <a:t>Imperative Languages</a:t>
+            </a:r>
+          </a:p>
+        </p:txBody>
+      </p:sp>
+      <p:sp>
+        <p:nvSpPr>
+          <p:cNvPr id="10" name="TextBox 9">
+            <a:extLst>
+              <a:ext uri="{FF2B5EF4-FFF2-40B4-BE49-F238E27FC236}">
+                <a16:creationId xmlns:a16="http://schemas.microsoft.com/office/drawing/2014/main" id="{AE61A8DE-43D2-684F-919F-57DCE47AFC66}"/>
+              </a:ext>
+            </a:extLst>
+          </p:cNvPr>
+          <p:cNvSpPr txBox="1"/>
+          <p:nvPr/>
+        </p:nvSpPr>
+        <p:spPr>
+          <a:xfrm>
+            <a:off x="1812574" y="2693085"/>
+            <a:ext cx="1435008" cy="923330"/>
+          </a:xfrm>
+          <a:prstGeom prst="rect">
+            <a:avLst/>
+          </a:prstGeom>
+          <a:noFill/>
+        </p:spPr>
+        <p:txBody>
+          <a:bodyPr wrap="none" rtlCol="0">
+            <a:spAutoFit/>
+          </a:bodyPr>
+          <a:lstStyle/>
+          <a:p>
+            <a:pPr algn="ctr"/>
+            <a:r>
+              <a:rPr lang="en-US" dirty="0"/>
+              <a:t>Functional: </a:t>
+            </a:r>
+          </a:p>
+          <a:p>
+            <a:pPr algn="ctr"/>
+            <a:r>
+              <a:rPr lang="en-US" dirty="0"/>
+              <a:t>Lisp/Scheme,</a:t>
+            </a:r>
+          </a:p>
+          <a:p>
+            <a:pPr algn="ctr"/>
+            <a:r>
+              <a:rPr lang="en-US" dirty="0"/>
+              <a:t>Haskell</a:t>
+            </a:r>
+          </a:p>
+        </p:txBody>
+      </p:sp>
+      <p:sp>
+        <p:nvSpPr>
+          <p:cNvPr id="11" name="TextBox 10">
+            <a:extLst>
+              <a:ext uri="{FF2B5EF4-FFF2-40B4-BE49-F238E27FC236}">
+                <a16:creationId xmlns:a16="http://schemas.microsoft.com/office/drawing/2014/main" id="{2BEFD8E5-ABE6-954E-9965-179AA1D1032F}"/>
+              </a:ext>
+            </a:extLst>
+          </p:cNvPr>
+          <p:cNvSpPr txBox="1"/>
+          <p:nvPr/>
+        </p:nvSpPr>
+        <p:spPr>
+          <a:xfrm>
+            <a:off x="3913079" y="3126307"/>
+            <a:ext cx="1208985" cy="646331"/>
+          </a:xfrm>
+          <a:prstGeom prst="rect">
+            <a:avLst/>
+          </a:prstGeom>
+          <a:noFill/>
+        </p:spPr>
+        <p:txBody>
+          <a:bodyPr wrap="none" rtlCol="0">
+            <a:spAutoFit/>
+          </a:bodyPr>
+          <a:lstStyle/>
+          <a:p>
+            <a:r>
+              <a:rPr lang="en-US" dirty="0"/>
+              <a:t>Dataflow:</a:t>
+            </a:r>
+          </a:p>
+          <a:p>
+            <a:r>
+              <a:rPr lang="en-US" dirty="0"/>
+              <a:t>Id, Val, Dot</a:t>
+            </a:r>
+          </a:p>
+        </p:txBody>
+      </p:sp>
+      <p:sp>
+        <p:nvSpPr>
+          <p:cNvPr id="12" name="TextBox 11">
+            <a:extLst>
+              <a:ext uri="{FF2B5EF4-FFF2-40B4-BE49-F238E27FC236}">
+                <a16:creationId xmlns:a16="http://schemas.microsoft.com/office/drawing/2014/main" id="{43BF25B0-85F7-5D4D-83B7-80D04833A54B}"/>
+              </a:ext>
+            </a:extLst>
+          </p:cNvPr>
+          <p:cNvSpPr txBox="1"/>
+          <p:nvPr/>
+        </p:nvSpPr>
+        <p:spPr>
+          <a:xfrm>
+            <a:off x="2405743" y="4256314"/>
+            <a:ext cx="2598532" cy="646331"/>
+          </a:xfrm>
+          <a:prstGeom prst="rect">
+            <a:avLst/>
+          </a:prstGeom>
+          <a:noFill/>
+        </p:spPr>
+        <p:txBody>
+          <a:bodyPr wrap="none" rtlCol="0">
+            <a:spAutoFit/>
+          </a:bodyPr>
+          <a:lstStyle/>
+          <a:p>
+            <a:r>
+              <a:rPr lang="en-US" dirty="0"/>
+              <a:t>Logic/Constraint-based:</a:t>
+            </a:r>
+          </a:p>
+          <a:p>
+            <a:r>
+              <a:rPr lang="en-US" dirty="0"/>
+              <a:t>Prolog, Spreadsheet, SQL</a:t>
+            </a:r>
+          </a:p>
+        </p:txBody>
+      </p:sp>
+      <p:sp>
+        <p:nvSpPr>
+          <p:cNvPr id="13" name="TextBox 12">
+            <a:extLst>
+              <a:ext uri="{FF2B5EF4-FFF2-40B4-BE49-F238E27FC236}">
+                <a16:creationId xmlns:a16="http://schemas.microsoft.com/office/drawing/2014/main" id="{72C3DBBC-F10A-1641-A99C-13453C3C41B4}"/>
+              </a:ext>
+            </a:extLst>
+          </p:cNvPr>
+          <p:cNvSpPr txBox="1"/>
+          <p:nvPr/>
+        </p:nvSpPr>
+        <p:spPr>
+          <a:xfrm>
+            <a:off x="7525982" y="2805415"/>
+            <a:ext cx="3725892" cy="369332"/>
+          </a:xfrm>
+          <a:prstGeom prst="rect">
+            <a:avLst/>
+          </a:prstGeom>
+          <a:noFill/>
+        </p:spPr>
+        <p:txBody>
+          <a:bodyPr wrap="none" rtlCol="0">
+            <a:spAutoFit/>
+          </a:bodyPr>
+          <a:lstStyle/>
+          <a:p>
+            <a:r>
+              <a:rPr lang="en-US" dirty="0"/>
+              <a:t>Von Neumann: C, Ada, Pascal, Fortran</a:t>
+            </a:r>
+          </a:p>
+        </p:txBody>
+      </p:sp>
+      <p:sp>
+        <p:nvSpPr>
+          <p:cNvPr id="14" name="TextBox 13">
+            <a:extLst>
+              <a:ext uri="{FF2B5EF4-FFF2-40B4-BE49-F238E27FC236}">
+                <a16:creationId xmlns:a16="http://schemas.microsoft.com/office/drawing/2014/main" id="{0CE09E05-B674-D642-9F3F-D330B61DE993}"/>
+              </a:ext>
+            </a:extLst>
+          </p:cNvPr>
+          <p:cNvSpPr txBox="1"/>
+          <p:nvPr/>
+        </p:nvSpPr>
+        <p:spPr>
+          <a:xfrm>
+            <a:off x="7694560" y="3719501"/>
+            <a:ext cx="3631828" cy="369332"/>
+          </a:xfrm>
+          <a:prstGeom prst="rect">
+            <a:avLst/>
+          </a:prstGeom>
+          <a:noFill/>
+        </p:spPr>
+        <p:txBody>
+          <a:bodyPr wrap="none" rtlCol="0">
+            <a:spAutoFit/>
+          </a:bodyPr>
+          <a:lstStyle/>
+          <a:p>
+            <a:r>
+              <a:rPr lang="en-US" dirty="0"/>
+              <a:t>Object-Oriented: Smalltalk, Java, C++</a:t>
+            </a:r>
+          </a:p>
+        </p:txBody>
+      </p:sp>
+      <p:sp>
+        <p:nvSpPr>
+          <p:cNvPr id="15" name="TextBox 14">
+            <a:extLst>
+              <a:ext uri="{FF2B5EF4-FFF2-40B4-BE49-F238E27FC236}">
+                <a16:creationId xmlns:a16="http://schemas.microsoft.com/office/drawing/2014/main" id="{27462B78-3B86-6049-8230-05F663E6ABD0}"/>
+              </a:ext>
+            </a:extLst>
+          </p:cNvPr>
+          <p:cNvSpPr txBox="1"/>
+          <p:nvPr/>
+        </p:nvSpPr>
+        <p:spPr>
+          <a:xfrm>
+            <a:off x="6753893" y="4566948"/>
+            <a:ext cx="4301242" cy="369332"/>
+          </a:xfrm>
+          <a:prstGeom prst="rect">
+            <a:avLst/>
+          </a:prstGeom>
+          <a:noFill/>
+        </p:spPr>
+        <p:txBody>
+          <a:bodyPr wrap="none" rtlCol="0">
+            <a:spAutoFit/>
+          </a:bodyPr>
+          <a:lstStyle/>
+          <a:p>
+            <a:r>
+              <a:rPr lang="en-US" dirty="0"/>
+              <a:t>Scripting: Perl, Python, PHP, </a:t>
+            </a:r>
+            <a:r>
+              <a:rPr lang="en-US" dirty="0" err="1"/>
+              <a:t>Javascript</a:t>
+            </a:r>
+            <a:r>
+              <a:rPr lang="en-US" dirty="0"/>
+              <a:t>, Bash</a:t>
+            </a:r>
+          </a:p>
+        </p:txBody>
+      </p:sp>
+      <p:sp>
+        <p:nvSpPr>
+          <p:cNvPr id="16" name="Footer Placeholder 15">
+            <a:extLst>
+              <a:ext uri="{FF2B5EF4-FFF2-40B4-BE49-F238E27FC236}">
+                <a16:creationId xmlns:a16="http://schemas.microsoft.com/office/drawing/2014/main" id="{1D676131-866C-5644-8E57-9AF09216D815}"/>
+              </a:ext>
+            </a:extLst>
+          </p:cNvPr>
+          <p:cNvSpPr>
+            <a:spLocks noGrp="1"/>
+          </p:cNvSpPr>
+          <p:nvPr>
+            <p:ph type="ftr" sz="quarter" idx="11"/>
+          </p:nvPr>
+        </p:nvSpPr>
+        <p:spPr/>
+        <p:txBody>
+          <a:bodyPr/>
+          <a:lstStyle/>
+          <a:p>
+            <a:r>
+              <a:rPr lang="en-US"/>
+              <a:t>Principles of Programming Languages</a:t>
+            </a:r>
+            <a:endParaRPr lang="en-US" dirty="0"/>
+          </a:p>
+        </p:txBody>
+      </p:sp>
+      <p:sp>
+        <p:nvSpPr>
+          <p:cNvPr id="17" name="Slide Number Placeholder 16">
+            <a:extLst>
+              <a:ext uri="{FF2B5EF4-FFF2-40B4-BE49-F238E27FC236}">
+                <a16:creationId xmlns:a16="http://schemas.microsoft.com/office/drawing/2014/main" id="{1BB996B5-E4F0-124D-8EDA-ECE7DB919992}"/>
+              </a:ext>
+            </a:extLst>
+          </p:cNvPr>
+          <p:cNvSpPr>
+            <a:spLocks noGrp="1"/>
+          </p:cNvSpPr>
+          <p:nvPr>
+            <p:ph type="sldNum" sz="quarter" idx="12"/>
+          </p:nvPr>
+        </p:nvSpPr>
+        <p:spPr/>
+        <p:txBody>
+          <a:bodyPr/>
+          <a:lstStyle/>
+          <a:p>
+            <a:fld id="{D57F1E4F-1CFF-5643-939E-217C01CDF565}" type="slidenum">
+              <a:rPr lang="en-US" smtClean="0"/>
+              <a:pPr/>
+              <a:t>10</a:t>
+            </a:fld>
+            <a:endParaRPr lang="en-US" dirty="0"/>
+          </a:p>
+        </p:txBody>
+      </p:sp>
+      <p:sp>
+        <p:nvSpPr>
+          <p:cNvPr id="18" name="TextBox 17">
+            <a:extLst>
+              <a:ext uri="{FF2B5EF4-FFF2-40B4-BE49-F238E27FC236}">
+                <a16:creationId xmlns:a16="http://schemas.microsoft.com/office/drawing/2014/main" id="{DDDDC48F-15B5-A048-A535-BBA603C299CB}"/>
+              </a:ext>
+            </a:extLst>
+          </p:cNvPr>
+          <p:cNvSpPr txBox="1"/>
+          <p:nvPr/>
+        </p:nvSpPr>
+        <p:spPr>
+          <a:xfrm>
+            <a:off x="6021552" y="2990081"/>
+            <a:ext cx="660758" cy="1323439"/>
+          </a:xfrm>
+          <a:prstGeom prst="rect">
+            <a:avLst/>
+          </a:prstGeom>
+          <a:noFill/>
+        </p:spPr>
+        <p:txBody>
+          <a:bodyPr wrap="none" rtlCol="0">
+            <a:spAutoFit/>
+          </a:bodyPr>
+          <a:lstStyle/>
+          <a:p>
+            <a:r>
+              <a:rPr lang="en-US" sz="8000" b="1" i="1" dirty="0">
+                <a:solidFill>
+                  <a:schemeClr val="accent1">
+                    <a:lumMod val="75000"/>
+                  </a:schemeClr>
+                </a:solidFill>
+              </a:rPr>
+              <a:t>?</a:t>
+            </a:r>
+          </a:p>
+        </p:txBody>
+      </p:sp>
+    </p:spTree>
+    <p:extLst>
+      <p:ext uri="{BB962C8B-B14F-4D97-AF65-F5344CB8AC3E}">
+        <p14:creationId xmlns:p14="http://schemas.microsoft.com/office/powerpoint/2010/main" val="59651547"/>
+      </p:ext>
+    </p:extLst>
+  </p:cSld>
+  <p:clrMapOvr>
+    <a:masterClrMapping/>
+  </p:clrMapOvr>
+</p:sld>
+</file>
+
+<file path=ppt/slides/slide11.xml><?xml version="1.0" encoding="utf-8"?>
+<p:sld xmlns:a="http://schemas.openxmlformats.org/drawingml/2006/main" xmlns:r="http://schemas.openxmlformats.org/officeDocument/2006/relationships" xmlns:p="http://schemas.openxmlformats.org/presentationml/2006/main">
+  <p:cSld>
+    <p:spTree>
+      <p:nvGrpSpPr>
+        <p:cNvPr id="1" name=""/>
+        <p:cNvGrpSpPr/>
+        <p:nvPr/>
+      </p:nvGrpSpPr>
+      <p:grpSpPr>
+        <a:xfrm>
+          <a:off x="0" y="0"/>
+          <a:ext cx="0" cy="0"/>
+          <a:chOff x="0" y="0"/>
+          <a:chExt cx="0" cy="0"/>
+        </a:xfrm>
+      </p:grpSpPr>
+      <p:sp>
+        <p:nvSpPr>
+          <p:cNvPr id="2" name="Title 1">
+            <a:extLst>
+              <a:ext uri="{FF2B5EF4-FFF2-40B4-BE49-F238E27FC236}">
                 <a16:creationId xmlns:a16="http://schemas.microsoft.com/office/drawing/2014/main" id="{FA77BB59-DD4F-C441-BA26-89002D12D558}"/>
               </a:ext>
             </a:extLst>
@@ -4031,7 +4613,7 @@
             <a:fld id="{D57F1E4F-1CFF-5643-939E-217C01CDF565}" type="slidenum">
               <a:rPr lang="en-US" smtClean="0"/>
               <a:pPr/>
-              <a:t>10</a:t>
+              <a:t>11</a:t>
             </a:fld>
             <a:endParaRPr lang="en-US" dirty="0"/>
           </a:p>
@@ -5020,7 +5602,7 @@
 </p:sld>
 </file>
 
-<file path=ppt/slides/slide11.xml><?xml version="1.0" encoding="utf-8"?>
+<file path=ppt/slides/slide12.xml><?xml version="1.0" encoding="utf-8"?>
 <p:sld xmlns:a="http://schemas.openxmlformats.org/drawingml/2006/main" xmlns:r="http://schemas.openxmlformats.org/officeDocument/2006/relationships" xmlns:p="http://schemas.openxmlformats.org/presentationml/2006/main">
   <p:cSld>
     <p:spTree>
@@ -5118,7 +5700,7 @@
             <a:fld id="{D57F1E4F-1CFF-5643-939E-217C01CDF565}" type="slidenum">
               <a:rPr lang="en-US" smtClean="0"/>
               <a:pPr/>
-              <a:t>11</a:t>
+              <a:t>12</a:t>
             </a:fld>
             <a:endParaRPr lang="en-US" dirty="0"/>
           </a:p>
@@ -6362,7 +6944,7 @@
 </p:sld>
 </file>
 
-<file path=ppt/slides/slide12.xml><?xml version="1.0" encoding="utf-8"?>
+<file path=ppt/slides/slide13.xml><?xml version="1.0" encoding="utf-8"?>
 <p:sld xmlns:a="http://schemas.openxmlformats.org/drawingml/2006/main" xmlns:r="http://schemas.openxmlformats.org/officeDocument/2006/relationships" xmlns:p="http://schemas.openxmlformats.org/presentationml/2006/main">
   <p:cSld>
     <p:spTree>
@@ -6460,7 +7042,7 @@
             <a:fld id="{D57F1E4F-1CFF-5643-939E-217C01CDF565}" type="slidenum">
               <a:rPr lang="en-US" smtClean="0"/>
               <a:pPr/>
-              <a:t>12</a:t>
+              <a:t>13</a:t>
             </a:fld>
             <a:endParaRPr lang="en-US" dirty="0"/>
           </a:p>
@@ -7632,7 +8214,7 @@
 </p:sld>
 </file>
 
-<file path=ppt/slides/slide13.xml><?xml version="1.0" encoding="utf-8"?>
+<file path=ppt/slides/slide14.xml><?xml version="1.0" encoding="utf-8"?>
 <p:sld xmlns:a="http://schemas.openxmlformats.org/drawingml/2006/main" xmlns:r="http://schemas.openxmlformats.org/officeDocument/2006/relationships" xmlns:p="http://schemas.openxmlformats.org/presentationml/2006/main">
   <p:cSld>
     <p:spTree>
@@ -7730,7 +8312,7 @@
             <a:fld id="{D57F1E4F-1CFF-5643-939E-217C01CDF565}" type="slidenum">
               <a:rPr lang="en-US" smtClean="0"/>
               <a:pPr/>
-              <a:t>13</a:t>
+              <a:t>14</a:t>
             </a:fld>
             <a:endParaRPr lang="en-US" dirty="0"/>
           </a:p>
@@ -9306,7 +9888,7 @@
 </p:sld>
 </file>
 
-<file path=ppt/slides/slide14.xml><?xml version="1.0" encoding="utf-8"?>
+<file path=ppt/slides/slide15.xml><?xml version="1.0" encoding="utf-8"?>
 <p:sld xmlns:a="http://schemas.openxmlformats.org/drawingml/2006/main" xmlns:r="http://schemas.openxmlformats.org/officeDocument/2006/relationships" xmlns:p="http://schemas.openxmlformats.org/presentationml/2006/main">
   <p:cSld>
     <p:spTree>
@@ -9515,7 +10097,7 @@
             <a:fld id="{D57F1E4F-1CFF-5643-939E-217C01CDF565}" type="slidenum">
               <a:rPr lang="en-US" smtClean="0"/>
               <a:pPr/>
-              <a:t>14</a:t>
+              <a:t>15</a:t>
             </a:fld>
             <a:endParaRPr lang="en-US" dirty="0"/>
           </a:p>
@@ -9534,7 +10116,7 @@
 </p:sld>
 </file>
 
-<file path=ppt/slides/slide15.xml><?xml version="1.0" encoding="utf-8"?>
+<file path=ppt/slides/slide16.xml><?xml version="1.0" encoding="utf-8"?>
 <p:sld xmlns:a="http://schemas.openxmlformats.org/drawingml/2006/main" xmlns:r="http://schemas.openxmlformats.org/officeDocument/2006/relationships" xmlns:p="http://schemas.openxmlformats.org/presentationml/2006/main">
   <p:cSld>
     <p:bg>
@@ -10120,7 +10702,7 @@
                 </a:spcAft>
                 <a:defRPr/>
               </a:pPr>
-              <a:t>15</a:t>
+              <a:t>16</a:t>
             </a:fld>
             <a:endParaRPr lang="en-US" sz="1100">
               <a:solidFill>
@@ -10461,7 +11043,7 @@
 </p:sld>
 </file>
 
-<file path=ppt/slides/slide16.xml><?xml version="1.0" encoding="utf-8"?>
+<file path=ppt/slides/slide17.xml><?xml version="1.0" encoding="utf-8"?>
 <p:sld xmlns:a="http://schemas.openxmlformats.org/drawingml/2006/main" xmlns:r="http://schemas.openxmlformats.org/officeDocument/2006/relationships" xmlns:p="http://schemas.openxmlformats.org/presentationml/2006/main">
   <p:cSld>
     <p:spTree>
@@ -10559,7 +11141,7 @@
             <a:fld id="{D57F1E4F-1CFF-5643-939E-217C01CDF565}" type="slidenum">
               <a:rPr lang="en-US" smtClean="0"/>
               <a:pPr/>
-              <a:t>16</a:t>
+              <a:t>17</a:t>
             </a:fld>
             <a:endParaRPr lang="en-US" dirty="0"/>
           </a:p>
@@ -10699,275 +11281,6 @@
     <p:extLst>
       <p:ext uri="{BB962C8B-B14F-4D97-AF65-F5344CB8AC3E}">
         <p14:creationId xmlns:p14="http://schemas.microsoft.com/office/powerpoint/2010/main" val="3587884729"/>
-      </p:ext>
-    </p:extLst>
-  </p:cSld>
-  <p:clrMapOvr>
-    <a:masterClrMapping/>
-  </p:clrMapOvr>
-</p:sld>
-</file>
-
-<file path=ppt/slides/slide17.xml><?xml version="1.0" encoding="utf-8"?>
-<p:sld xmlns:a="http://schemas.openxmlformats.org/drawingml/2006/main" xmlns:r="http://schemas.openxmlformats.org/officeDocument/2006/relationships" xmlns:p="http://schemas.openxmlformats.org/presentationml/2006/main">
-  <p:cSld>
-    <p:spTree>
-      <p:nvGrpSpPr>
-        <p:cNvPr id="1" name=""/>
-        <p:cNvGrpSpPr/>
-        <p:nvPr/>
-      </p:nvGrpSpPr>
-      <p:grpSpPr>
-        <a:xfrm>
-          <a:off x="0" y="0"/>
-          <a:ext cx="0" cy="0"/>
-          <a:chOff x="0" y="0"/>
-          <a:chExt cx="0" cy="0"/>
-        </a:xfrm>
-      </p:grpSpPr>
-      <p:sp>
-        <p:nvSpPr>
-          <p:cNvPr id="2" name="Title 1">
-            <a:extLst>
-              <a:ext uri="{FF2B5EF4-FFF2-40B4-BE49-F238E27FC236}">
-                <a16:creationId xmlns:a16="http://schemas.microsoft.com/office/drawing/2014/main" id="{9BD481D6-A9F4-A54A-98FE-FDDF8C0C6752}"/>
-              </a:ext>
-            </a:extLst>
-          </p:cNvPr>
-          <p:cNvSpPr>
-            <a:spLocks noGrp="1"/>
-          </p:cNvSpPr>
-          <p:nvPr>
-            <p:ph type="title"/>
-          </p:nvPr>
-        </p:nvSpPr>
-        <p:spPr/>
-        <p:txBody>
-          <a:bodyPr/>
-          <a:lstStyle/>
-          <a:p>
-            <a:r>
-              <a:rPr lang="en-US" dirty="0"/>
-              <a:t>Other compilation schemes</a:t>
-            </a:r>
-          </a:p>
-        </p:txBody>
-      </p:sp>
-      <p:sp>
-        <p:nvSpPr>
-          <p:cNvPr id="3" name="Content Placeholder 2">
-            <a:extLst>
-              <a:ext uri="{FF2B5EF4-FFF2-40B4-BE49-F238E27FC236}">
-                <a16:creationId xmlns:a16="http://schemas.microsoft.com/office/drawing/2014/main" id="{93406E55-5A9C-BA4F-9787-DD05813584AF}"/>
-              </a:ext>
-            </a:extLst>
-          </p:cNvPr>
-          <p:cNvSpPr>
-            <a:spLocks noGrp="1"/>
-          </p:cNvSpPr>
-          <p:nvPr>
-            <p:ph idx="1"/>
-          </p:nvPr>
-        </p:nvSpPr>
-        <p:spPr/>
-        <p:txBody>
-          <a:bodyPr>
-            <a:normAutofit fontScale="77500" lnSpcReduction="20000"/>
-          </a:bodyPr>
-          <a:lstStyle/>
-          <a:p>
-            <a:pPr>
-              <a:lnSpc>
-                <a:spcPct val="110000"/>
-              </a:lnSpc>
-            </a:pPr>
-            <a:r>
-              <a:rPr lang="en-US" dirty="0"/>
-              <a:t>Source-to-source: from C to C</a:t>
-            </a:r>
-          </a:p>
-          <a:p>
-            <a:pPr>
-              <a:lnSpc>
-                <a:spcPct val="110000"/>
-              </a:lnSpc>
-            </a:pPr>
-            <a:r>
-              <a:rPr lang="en-US" dirty="0"/>
-              <a:t>Cross compilation, e.g. from C to Pascal</a:t>
-            </a:r>
-          </a:p>
-          <a:p>
-            <a:pPr>
-              <a:lnSpc>
-                <a:spcPct val="110000"/>
-              </a:lnSpc>
-            </a:pPr>
-            <a:r>
-              <a:rPr lang="en-US" dirty="0"/>
-              <a:t>Self-hosting: </a:t>
-            </a:r>
-          </a:p>
-          <a:p>
-            <a:pPr lvl="1">
-              <a:lnSpc>
-                <a:spcPct val="110000"/>
-              </a:lnSpc>
-            </a:pPr>
-            <a:r>
-              <a:rPr lang="en-US" dirty="0"/>
-              <a:t>Bootstrapping: used to build progressively more sophisticated version of a compiler</a:t>
-            </a:r>
-          </a:p>
-          <a:p>
-            <a:pPr lvl="1">
-              <a:lnSpc>
-                <a:spcPct val="110000"/>
-              </a:lnSpc>
-            </a:pPr>
-            <a:r>
-              <a:rPr lang="en-US" dirty="0"/>
-              <a:t>Starts with simple first version (likely interpreted)</a:t>
-            </a:r>
-          </a:p>
-          <a:p>
-            <a:pPr>
-              <a:lnSpc>
-                <a:spcPct val="110000"/>
-              </a:lnSpc>
-            </a:pPr>
-            <a:r>
-              <a:rPr lang="en-US" dirty="0">
-                <a:solidFill>
-                  <a:schemeClr val="accent1">
-                    <a:lumMod val="75000"/>
-                  </a:schemeClr>
-                </a:solidFill>
-              </a:rPr>
-              <a:t>Read Niklaus Wirth Pascal compiler (page 21 in textbook): Pascal compiler, P-code and Pascal Interpreter</a:t>
-            </a:r>
-          </a:p>
-          <a:p>
-            <a:pPr>
-              <a:lnSpc>
-                <a:spcPct val="110000"/>
-              </a:lnSpc>
-            </a:pPr>
-            <a:r>
-              <a:rPr lang="en-US" dirty="0"/>
-              <a:t>Just-in-Time (JIT) compilation: </a:t>
-            </a:r>
-          </a:p>
-          <a:p>
-            <a:pPr lvl="1">
-              <a:lnSpc>
-                <a:spcPct val="110000"/>
-              </a:lnSpc>
-            </a:pPr>
-            <a:r>
-              <a:rPr lang="en-US" dirty="0"/>
-              <a:t>on demand</a:t>
-            </a:r>
-          </a:p>
-          <a:p>
-            <a:pPr lvl="1">
-              <a:lnSpc>
-                <a:spcPct val="110000"/>
-              </a:lnSpc>
-            </a:pPr>
-            <a:r>
-              <a:rPr lang="en-US" dirty="0"/>
-              <a:t>Common for interpreted languages: Java (bytecode), Lisp, C# (Common Intermediate Language or CIL)</a:t>
-            </a:r>
-          </a:p>
-          <a:p>
-            <a:pPr lvl="1">
-              <a:lnSpc>
-                <a:spcPct val="110000"/>
-              </a:lnSpc>
-            </a:pPr>
-            <a:r>
-              <a:rPr lang="en-US" dirty="0"/>
-              <a:t>Optimize </a:t>
-            </a:r>
-            <a:r>
-              <a:rPr lang="en-US" b="1" i="1" dirty="0"/>
-              <a:t>hot-spots</a:t>
-            </a:r>
-          </a:p>
-          <a:p>
-            <a:pPr lvl="1">
-              <a:lnSpc>
-                <a:spcPct val="110000"/>
-              </a:lnSpc>
-            </a:pPr>
-            <a:endParaRPr lang="en-US" dirty="0"/>
-          </a:p>
-        </p:txBody>
-      </p:sp>
-      <p:sp>
-        <p:nvSpPr>
-          <p:cNvPr id="4" name="Footer Placeholder 3">
-            <a:extLst>
-              <a:ext uri="{FF2B5EF4-FFF2-40B4-BE49-F238E27FC236}">
-                <a16:creationId xmlns:a16="http://schemas.microsoft.com/office/drawing/2014/main" id="{0F73878E-5C59-4A49-BF49-3570119E9143}"/>
-              </a:ext>
-            </a:extLst>
-          </p:cNvPr>
-          <p:cNvSpPr>
-            <a:spLocks noGrp="1"/>
-          </p:cNvSpPr>
-          <p:nvPr>
-            <p:ph type="ftr" sz="quarter" idx="11"/>
-          </p:nvPr>
-        </p:nvSpPr>
-        <p:spPr/>
-        <p:txBody>
-          <a:bodyPr/>
-          <a:lstStyle/>
-          <a:p>
-            <a:r>
-              <a:rPr lang="en-US"/>
-              <a:t>Principles of Programming Languages</a:t>
-            </a:r>
-            <a:endParaRPr lang="en-US" dirty="0"/>
-          </a:p>
-        </p:txBody>
-      </p:sp>
-      <p:sp>
-        <p:nvSpPr>
-          <p:cNvPr id="5" name="Slide Number Placeholder 4">
-            <a:extLst>
-              <a:ext uri="{FF2B5EF4-FFF2-40B4-BE49-F238E27FC236}">
-                <a16:creationId xmlns:a16="http://schemas.microsoft.com/office/drawing/2014/main" id="{FC778257-8D03-2845-8ECB-C59239D075D1}"/>
-              </a:ext>
-            </a:extLst>
-          </p:cNvPr>
-          <p:cNvSpPr>
-            <a:spLocks noGrp="1"/>
-          </p:cNvSpPr>
-          <p:nvPr>
-            <p:ph type="sldNum" sz="quarter" idx="12"/>
-          </p:nvPr>
-        </p:nvSpPr>
-        <p:spPr/>
-        <p:txBody>
-          <a:bodyPr/>
-          <a:lstStyle/>
-          <a:p>
-            <a:fld id="{D57F1E4F-1CFF-5643-939E-217C01CDF565}" type="slidenum">
-              <a:rPr lang="en-US" smtClean="0"/>
-              <a:pPr/>
-              <a:t>17</a:t>
-            </a:fld>
-            <a:endParaRPr lang="en-US" dirty="0"/>
-          </a:p>
-        </p:txBody>
-      </p:sp>
-    </p:spTree>
-    <p:extLst>
-      <p:ext uri="{BB962C8B-B14F-4D97-AF65-F5344CB8AC3E}">
-        <p14:creationId xmlns:p14="http://schemas.microsoft.com/office/powerpoint/2010/main" val="519554315"/>
       </p:ext>
     </p:extLst>
   </p:cSld>
@@ -10999,7 +11312,7 @@
           <p:cNvPr id="2" name="Title 1">
             <a:extLst>
               <a:ext uri="{FF2B5EF4-FFF2-40B4-BE49-F238E27FC236}">
-                <a16:creationId xmlns:a16="http://schemas.microsoft.com/office/drawing/2014/main" id="{D3A26A28-4838-5D4A-91E9-FD733174BE85}"/>
+                <a16:creationId xmlns:a16="http://schemas.microsoft.com/office/drawing/2014/main" id="{9BD481D6-A9F4-A54A-98FE-FDDF8C0C6752}"/>
               </a:ext>
             </a:extLst>
           </p:cNvPr>
@@ -11017,8 +11330,160 @@
           <a:p>
             <a:r>
               <a:rPr lang="en-US" dirty="0"/>
-              <a:t>Compilation Overview</a:t>
-            </a:r>
+              <a:t>Other compilation schemes</a:t>
+            </a:r>
+          </a:p>
+        </p:txBody>
+      </p:sp>
+      <p:sp>
+        <p:nvSpPr>
+          <p:cNvPr id="3" name="Content Placeholder 2">
+            <a:extLst>
+              <a:ext uri="{FF2B5EF4-FFF2-40B4-BE49-F238E27FC236}">
+                <a16:creationId xmlns:a16="http://schemas.microsoft.com/office/drawing/2014/main" id="{93406E55-5A9C-BA4F-9787-DD05813584AF}"/>
+              </a:ext>
+            </a:extLst>
+          </p:cNvPr>
+          <p:cNvSpPr>
+            <a:spLocks noGrp="1"/>
+          </p:cNvSpPr>
+          <p:nvPr>
+            <p:ph idx="1"/>
+          </p:nvPr>
+        </p:nvSpPr>
+        <p:spPr/>
+        <p:txBody>
+          <a:bodyPr>
+            <a:normAutofit fontScale="77500" lnSpcReduction="20000"/>
+          </a:bodyPr>
+          <a:lstStyle/>
+          <a:p>
+            <a:pPr>
+              <a:lnSpc>
+                <a:spcPct val="110000"/>
+              </a:lnSpc>
+            </a:pPr>
+            <a:r>
+              <a:rPr lang="en-US" dirty="0"/>
+              <a:t>Source-to-source: from C to C</a:t>
+            </a:r>
+          </a:p>
+          <a:p>
+            <a:pPr>
+              <a:lnSpc>
+                <a:spcPct val="110000"/>
+              </a:lnSpc>
+            </a:pPr>
+            <a:r>
+              <a:rPr lang="en-US" dirty="0"/>
+              <a:t>Cross compilation, e.g. from C to Pascal</a:t>
+            </a:r>
+          </a:p>
+          <a:p>
+            <a:pPr>
+              <a:lnSpc>
+                <a:spcPct val="110000"/>
+              </a:lnSpc>
+            </a:pPr>
+            <a:r>
+              <a:rPr lang="en-US" dirty="0"/>
+              <a:t>Self-hosting: </a:t>
+            </a:r>
+          </a:p>
+          <a:p>
+            <a:pPr lvl="1">
+              <a:lnSpc>
+                <a:spcPct val="110000"/>
+              </a:lnSpc>
+            </a:pPr>
+            <a:r>
+              <a:rPr lang="en-US" dirty="0"/>
+              <a:t>Bootstrapping: used to build progressively more sophisticated version of a compiler</a:t>
+            </a:r>
+          </a:p>
+          <a:p>
+            <a:pPr lvl="1">
+              <a:lnSpc>
+                <a:spcPct val="110000"/>
+              </a:lnSpc>
+            </a:pPr>
+            <a:r>
+              <a:rPr lang="en-US" dirty="0"/>
+              <a:t>Starts with simple first version (likely interpreted)</a:t>
+            </a:r>
+          </a:p>
+          <a:p>
+            <a:pPr>
+              <a:lnSpc>
+                <a:spcPct val="110000"/>
+              </a:lnSpc>
+            </a:pPr>
+            <a:r>
+              <a:rPr lang="en-US" dirty="0">
+                <a:solidFill>
+                  <a:schemeClr val="accent1">
+                    <a:lumMod val="75000"/>
+                  </a:schemeClr>
+                </a:solidFill>
+              </a:rPr>
+              <a:t>Read Niklaus Wirth Pascal compiler (page 21 in textbook): Pascal compiler, P-code and Pascal Interpreter</a:t>
+            </a:r>
+          </a:p>
+          <a:p>
+            <a:pPr>
+              <a:lnSpc>
+                <a:spcPct val="110000"/>
+              </a:lnSpc>
+            </a:pPr>
+            <a:r>
+              <a:rPr lang="en-US" dirty="0"/>
+              <a:t>Just-in-Time (JIT) compilation: </a:t>
+            </a:r>
+          </a:p>
+          <a:p>
+            <a:pPr lvl="1">
+              <a:lnSpc>
+                <a:spcPct val="110000"/>
+              </a:lnSpc>
+            </a:pPr>
+            <a:r>
+              <a:rPr lang="en-US" dirty="0"/>
+              <a:t>on demand</a:t>
+            </a:r>
+          </a:p>
+          <a:p>
+            <a:pPr lvl="1">
+              <a:lnSpc>
+                <a:spcPct val="110000"/>
+              </a:lnSpc>
+            </a:pPr>
+            <a:r>
+              <a:rPr lang="en-US" dirty="0"/>
+              <a:t>Common for interpreted languages: Java (bytecode), Lisp, C# (Common Intermediate Language or CIL)</a:t>
+            </a:r>
+          </a:p>
+          <a:p>
+            <a:pPr lvl="1">
+              <a:lnSpc>
+                <a:spcPct val="110000"/>
+              </a:lnSpc>
+            </a:pPr>
+            <a:r>
+              <a:rPr lang="en-US" dirty="0"/>
+              <a:t>Optimize </a:t>
+            </a:r>
+            <a:r>
+              <a:rPr lang="en-US" b="1" i="1" dirty="0"/>
+              <a:t>hot-spots</a:t>
+            </a:r>
+          </a:p>
+          <a:p>
+            <a:pPr lvl="1">
+              <a:lnSpc>
+                <a:spcPct val="110000"/>
+              </a:lnSpc>
+            </a:pPr>
+            <a:endParaRPr lang="en-US" dirty="0"/>
           </a:p>
         </p:txBody>
       </p:sp>
@@ -11027,7 +11492,7 @@
           <p:cNvPr id="4" name="Footer Placeholder 3">
             <a:extLst>
               <a:ext uri="{FF2B5EF4-FFF2-40B4-BE49-F238E27FC236}">
-                <a16:creationId xmlns:a16="http://schemas.microsoft.com/office/drawing/2014/main" id="{7D60478F-2C3C-0A4C-A8B6-A80A674566ED}"/>
+                <a16:creationId xmlns:a16="http://schemas.microsoft.com/office/drawing/2014/main" id="{0F73878E-5C59-4A49-BF49-3570119E9143}"/>
               </a:ext>
             </a:extLst>
           </p:cNvPr>
@@ -11056,7 +11521,7 @@
           <p:cNvPr id="5" name="Slide Number Placeholder 4">
             <a:extLst>
               <a:ext uri="{FF2B5EF4-FFF2-40B4-BE49-F238E27FC236}">
-                <a16:creationId xmlns:a16="http://schemas.microsoft.com/office/drawing/2014/main" id="{0A4E1660-75F9-4649-A11B-9AEB7737D067}"/>
+                <a16:creationId xmlns:a16="http://schemas.microsoft.com/office/drawing/2014/main" id="{FC778257-8D03-2845-8ECB-C59239D075D1}"/>
               </a:ext>
             </a:extLst>
           </p:cNvPr>
@@ -11076,6 +11541,123 @@
               <a:rPr lang="en-US" smtClean="0"/>
               <a:pPr/>
               <a:t>18</a:t>
+            </a:fld>
+            <a:endParaRPr lang="en-US" dirty="0"/>
+          </a:p>
+        </p:txBody>
+      </p:sp>
+    </p:spTree>
+    <p:extLst>
+      <p:ext uri="{BB962C8B-B14F-4D97-AF65-F5344CB8AC3E}">
+        <p14:creationId xmlns:p14="http://schemas.microsoft.com/office/powerpoint/2010/main" val="519554315"/>
+      </p:ext>
+    </p:extLst>
+  </p:cSld>
+  <p:clrMapOvr>
+    <a:masterClrMapping/>
+  </p:clrMapOvr>
+</p:sld>
+</file>
+
+<file path=ppt/slides/slide19.xml><?xml version="1.0" encoding="utf-8"?>
+<p:sld xmlns:a="http://schemas.openxmlformats.org/drawingml/2006/main" xmlns:r="http://schemas.openxmlformats.org/officeDocument/2006/relationships" xmlns:p="http://schemas.openxmlformats.org/presentationml/2006/main">
+  <p:cSld>
+    <p:spTree>
+      <p:nvGrpSpPr>
+        <p:cNvPr id="1" name=""/>
+        <p:cNvGrpSpPr/>
+        <p:nvPr/>
+      </p:nvGrpSpPr>
+      <p:grpSpPr>
+        <a:xfrm>
+          <a:off x="0" y="0"/>
+          <a:ext cx="0" cy="0"/>
+          <a:chOff x="0" y="0"/>
+          <a:chExt cx="0" cy="0"/>
+        </a:xfrm>
+      </p:grpSpPr>
+      <p:sp>
+        <p:nvSpPr>
+          <p:cNvPr id="2" name="Title 1">
+            <a:extLst>
+              <a:ext uri="{FF2B5EF4-FFF2-40B4-BE49-F238E27FC236}">
+                <a16:creationId xmlns:a16="http://schemas.microsoft.com/office/drawing/2014/main" id="{D3A26A28-4838-5D4A-91E9-FD733174BE85}"/>
+              </a:ext>
+            </a:extLst>
+          </p:cNvPr>
+          <p:cNvSpPr>
+            <a:spLocks noGrp="1"/>
+          </p:cNvSpPr>
+          <p:nvPr>
+            <p:ph type="title"/>
+          </p:nvPr>
+        </p:nvSpPr>
+        <p:spPr/>
+        <p:txBody>
+          <a:bodyPr/>
+          <a:lstStyle/>
+          <a:p>
+            <a:r>
+              <a:rPr lang="en-US" dirty="0"/>
+              <a:t>Compilation Overview</a:t>
+            </a:r>
+          </a:p>
+        </p:txBody>
+      </p:sp>
+      <p:sp>
+        <p:nvSpPr>
+          <p:cNvPr id="4" name="Footer Placeholder 3">
+            <a:extLst>
+              <a:ext uri="{FF2B5EF4-FFF2-40B4-BE49-F238E27FC236}">
+                <a16:creationId xmlns:a16="http://schemas.microsoft.com/office/drawing/2014/main" id="{7D60478F-2C3C-0A4C-A8B6-A80A674566ED}"/>
+              </a:ext>
+            </a:extLst>
+          </p:cNvPr>
+          <p:cNvSpPr>
+            <a:spLocks noGrp="1"/>
+          </p:cNvSpPr>
+          <p:nvPr>
+            <p:ph type="ftr" sz="quarter" idx="11"/>
+          </p:nvPr>
+        </p:nvSpPr>
+        <p:spPr/>
+        <p:txBody>
+          <a:bodyPr/>
+          <a:lstStyle/>
+          <a:p>
+            <a:r>
+              <a:rPr lang="en-US"/>
+              <a:t>Principles of Programming Languages</a:t>
+            </a:r>
+            <a:endParaRPr lang="en-US" dirty="0"/>
+          </a:p>
+        </p:txBody>
+      </p:sp>
+      <p:sp>
+        <p:nvSpPr>
+          <p:cNvPr id="5" name="Slide Number Placeholder 4">
+            <a:extLst>
+              <a:ext uri="{FF2B5EF4-FFF2-40B4-BE49-F238E27FC236}">
+                <a16:creationId xmlns:a16="http://schemas.microsoft.com/office/drawing/2014/main" id="{0A4E1660-75F9-4649-A11B-9AEB7737D067}"/>
+              </a:ext>
+            </a:extLst>
+          </p:cNvPr>
+          <p:cNvSpPr>
+            <a:spLocks noGrp="1"/>
+          </p:cNvSpPr>
+          <p:nvPr>
+            <p:ph type="sldNum" sz="quarter" idx="12"/>
+          </p:nvPr>
+        </p:nvSpPr>
+        <p:spPr/>
+        <p:txBody>
+          <a:bodyPr/>
+          <a:lstStyle/>
+          <a:p>
+            <a:fld id="{D57F1E4F-1CFF-5643-939E-217C01CDF565}" type="slidenum">
+              <a:rPr lang="en-US" smtClean="0"/>
+              <a:pPr/>
+              <a:t>19</a:t>
             </a:fld>
             <a:endParaRPr lang="en-US" dirty="0"/>
           </a:p>
@@ -12058,7 +12640,203 @@
 </p:sld>
 </file>
 
-<file path=ppt/slides/slide19.xml><?xml version="1.0" encoding="utf-8"?>
+<file path=ppt/slides/slide2.xml><?xml version="1.0" encoding="utf-8"?>
+<p:sld xmlns:a="http://schemas.openxmlformats.org/drawingml/2006/main" xmlns:r="http://schemas.openxmlformats.org/officeDocument/2006/relationships" xmlns:p="http://schemas.openxmlformats.org/presentationml/2006/main">
+  <p:cSld>
+    <p:spTree>
+      <p:nvGrpSpPr>
+        <p:cNvPr id="1" name=""/>
+        <p:cNvGrpSpPr/>
+        <p:nvPr/>
+      </p:nvGrpSpPr>
+      <p:grpSpPr>
+        <a:xfrm>
+          <a:off x="0" y="0"/>
+          <a:ext cx="0" cy="0"/>
+          <a:chOff x="0" y="0"/>
+          <a:chExt cx="0" cy="0"/>
+        </a:xfrm>
+      </p:grpSpPr>
+      <p:sp>
+        <p:nvSpPr>
+          <p:cNvPr id="2" name="Title 1">
+            <a:extLst>
+              <a:ext uri="{FF2B5EF4-FFF2-40B4-BE49-F238E27FC236}">
+                <a16:creationId xmlns:a16="http://schemas.microsoft.com/office/drawing/2014/main" id="{8E3DF8F5-1F22-FD43-BE45-4AE885C16FA0}"/>
+              </a:ext>
+            </a:extLst>
+          </p:cNvPr>
+          <p:cNvSpPr>
+            <a:spLocks noGrp="1"/>
+          </p:cNvSpPr>
+          <p:nvPr>
+            <p:ph type="title"/>
+          </p:nvPr>
+        </p:nvSpPr>
+        <p:spPr/>
+        <p:txBody>
+          <a:bodyPr/>
+          <a:lstStyle/>
+          <a:p>
+            <a:r>
+              <a:rPr lang="en-US" dirty="0"/>
+              <a:t>Summary</a:t>
+            </a:r>
+          </a:p>
+        </p:txBody>
+      </p:sp>
+      <p:sp>
+        <p:nvSpPr>
+          <p:cNvPr id="3" name="Content Placeholder 2">
+            <a:extLst>
+              <a:ext uri="{FF2B5EF4-FFF2-40B4-BE49-F238E27FC236}">
+                <a16:creationId xmlns:a16="http://schemas.microsoft.com/office/drawing/2014/main" id="{049996EF-0C09-9640-A39C-FC830D8C23C1}"/>
+              </a:ext>
+            </a:extLst>
+          </p:cNvPr>
+          <p:cNvSpPr>
+            <a:spLocks noGrp="1"/>
+          </p:cNvSpPr>
+          <p:nvPr>
+            <p:ph idx="1"/>
+          </p:nvPr>
+        </p:nvSpPr>
+        <p:spPr/>
+        <p:txBody>
+          <a:bodyPr/>
+          <a:lstStyle/>
+          <a:p>
+            <a:pPr indent="-457200">
+              <a:lnSpc>
+                <a:spcPct val="125000"/>
+              </a:lnSpc>
+              <a:buFont typeface="Wingdings" pitchFamily="2" charset="2"/>
+              <a:buChar char="q"/>
+            </a:pPr>
+            <a:r>
+              <a:rPr lang="en-US" dirty="0">
+                <a:solidFill>
+                  <a:schemeClr val="accent1">
+                    <a:lumMod val="75000"/>
+                  </a:schemeClr>
+                </a:solidFill>
+              </a:rPr>
+              <a:t>Historical overview</a:t>
+            </a:r>
+          </a:p>
+          <a:p>
+            <a:pPr indent="-457200">
+              <a:lnSpc>
+                <a:spcPct val="125000"/>
+              </a:lnSpc>
+              <a:buFont typeface="Wingdings" pitchFamily="2" charset="2"/>
+              <a:buChar char="q"/>
+            </a:pPr>
+            <a:r>
+              <a:rPr lang="en-US" dirty="0">
+                <a:solidFill>
+                  <a:schemeClr val="accent1">
+                    <a:lumMod val="75000"/>
+                  </a:schemeClr>
+                </a:solidFill>
+              </a:rPr>
+              <a:t>Classification and spectrum of programming languages</a:t>
+            </a:r>
+          </a:p>
+          <a:p>
+            <a:pPr indent="-457200">
+              <a:lnSpc>
+                <a:spcPct val="125000"/>
+              </a:lnSpc>
+              <a:buFont typeface="Wingdings" pitchFamily="2" charset="2"/>
+              <a:buChar char="q"/>
+            </a:pPr>
+            <a:r>
+              <a:rPr lang="en-US" dirty="0">
+                <a:solidFill>
+                  <a:schemeClr val="accent1">
+                    <a:lumMod val="75000"/>
+                  </a:schemeClr>
+                </a:solidFill>
+              </a:rPr>
+              <a:t>Structure of a compiler</a:t>
+            </a:r>
+          </a:p>
+        </p:txBody>
+      </p:sp>
+      <p:sp>
+        <p:nvSpPr>
+          <p:cNvPr id="4" name="Footer Placeholder 3">
+            <a:extLst>
+              <a:ext uri="{FF2B5EF4-FFF2-40B4-BE49-F238E27FC236}">
+                <a16:creationId xmlns:a16="http://schemas.microsoft.com/office/drawing/2014/main" id="{95A25A18-9C73-594A-A369-38C4752F7DD3}"/>
+              </a:ext>
+            </a:extLst>
+          </p:cNvPr>
+          <p:cNvSpPr>
+            <a:spLocks noGrp="1"/>
+          </p:cNvSpPr>
+          <p:nvPr>
+            <p:ph type="ftr" sz="quarter" idx="11"/>
+          </p:nvPr>
+        </p:nvSpPr>
+        <p:spPr/>
+        <p:txBody>
+          <a:bodyPr/>
+          <a:lstStyle/>
+          <a:p>
+            <a:r>
+              <a:rPr lang="en-US"/>
+              <a:t>Principles of Programming Languages</a:t>
+            </a:r>
+            <a:endParaRPr lang="en-US" dirty="0"/>
+          </a:p>
+        </p:txBody>
+      </p:sp>
+      <p:sp>
+        <p:nvSpPr>
+          <p:cNvPr id="5" name="Slide Number Placeholder 4">
+            <a:extLst>
+              <a:ext uri="{FF2B5EF4-FFF2-40B4-BE49-F238E27FC236}">
+                <a16:creationId xmlns:a16="http://schemas.microsoft.com/office/drawing/2014/main" id="{B922D2F5-F5C6-5C4A-AD67-A7C2BABE8C8C}"/>
+              </a:ext>
+            </a:extLst>
+          </p:cNvPr>
+          <p:cNvSpPr>
+            <a:spLocks noGrp="1"/>
+          </p:cNvSpPr>
+          <p:nvPr>
+            <p:ph type="sldNum" sz="quarter" idx="12"/>
+          </p:nvPr>
+        </p:nvSpPr>
+        <p:spPr/>
+        <p:txBody>
+          <a:bodyPr/>
+          <a:lstStyle/>
+          <a:p>
+            <a:fld id="{D57F1E4F-1CFF-5643-939E-217C01CDF565}" type="slidenum">
+              <a:rPr lang="en-US" smtClean="0"/>
+              <a:pPr/>
+              <a:t>2</a:t>
+            </a:fld>
+            <a:endParaRPr lang="en-US" dirty="0"/>
+          </a:p>
+        </p:txBody>
+      </p:sp>
+    </p:spTree>
+    <p:extLst>
+      <p:ext uri="{BB962C8B-B14F-4D97-AF65-F5344CB8AC3E}">
+        <p14:creationId xmlns:p14="http://schemas.microsoft.com/office/powerpoint/2010/main" val="1769986058"/>
+      </p:ext>
+    </p:extLst>
+  </p:cSld>
+  <p:clrMapOvr>
+    <a:masterClrMapping/>
+  </p:clrMapOvr>
+</p:sld>
+</file>
+
+<file path=ppt/slides/slide20.xml><?xml version="1.0" encoding="utf-8"?>
 <p:sld xmlns:a="http://schemas.openxmlformats.org/drawingml/2006/main" xmlns:r="http://schemas.openxmlformats.org/officeDocument/2006/relationships" xmlns:p="http://schemas.openxmlformats.org/presentationml/2006/main">
   <p:cSld>
     <p:spTree>
@@ -12714,7 +13492,7 @@
             <a:fld id="{D57F1E4F-1CFF-5643-939E-217C01CDF565}" type="slidenum">
               <a:rPr lang="en-US" smtClean="0"/>
               <a:pPr/>
-              <a:t>19</a:t>
+              <a:t>20</a:t>
             </a:fld>
             <a:endParaRPr lang="en-US" dirty="0"/>
           </a:p>
@@ -13317,7 +14095,7 @@
 </p:sld>
 </file>
 
-<file path=ppt/slides/slide2.xml><?xml version="1.0" encoding="utf-8"?>
+<file path=ppt/slides/slide21.xml><?xml version="1.0" encoding="utf-8"?>
 <p:sld xmlns:a="http://schemas.openxmlformats.org/drawingml/2006/main" xmlns:r="http://schemas.openxmlformats.org/officeDocument/2006/relationships" xmlns:p="http://schemas.openxmlformats.org/presentationml/2006/main">
   <p:cSld>
     <p:spTree>
@@ -13339,7 +14117,7 @@
           <p:cNvPr id="2" name="Title 1">
             <a:extLst>
               <a:ext uri="{FF2B5EF4-FFF2-40B4-BE49-F238E27FC236}">
-                <a16:creationId xmlns:a16="http://schemas.microsoft.com/office/drawing/2014/main" id="{8E3DF8F5-1F22-FD43-BE45-4AE885C16FA0}"/>
+                <a16:creationId xmlns:a16="http://schemas.microsoft.com/office/drawing/2014/main" id="{670AD49D-6D5E-3D46-8098-87CE019F8FD5}"/>
               </a:ext>
             </a:extLst>
           </p:cNvPr>
@@ -13350,93 +14128,19 @@
             <p:ph type="title"/>
           </p:nvPr>
         </p:nvSpPr>
-        <p:spPr/>
+        <p:spPr>
+          <a:xfrm>
+            <a:off x="838200" y="365125"/>
+            <a:ext cx="5257800" cy="1325563"/>
+          </a:xfrm>
+        </p:spPr>
         <p:txBody>
           <a:bodyPr/>
           <a:lstStyle/>
           <a:p>
             <a:r>
               <a:rPr lang="en-US" dirty="0"/>
-              <a:t>Summary</a:t>
-            </a:r>
-          </a:p>
-        </p:txBody>
-      </p:sp>
-      <p:sp>
-        <p:nvSpPr>
-          <p:cNvPr id="3" name="Content Placeholder 2">
-            <a:extLst>
-              <a:ext uri="{FF2B5EF4-FFF2-40B4-BE49-F238E27FC236}">
-                <a16:creationId xmlns:a16="http://schemas.microsoft.com/office/drawing/2014/main" id="{049996EF-0C09-9640-A39C-FC830D8C23C1}"/>
-              </a:ext>
-            </a:extLst>
-          </p:cNvPr>
-          <p:cNvSpPr>
-            <a:spLocks noGrp="1"/>
-          </p:cNvSpPr>
-          <p:nvPr>
-            <p:ph idx="1"/>
-          </p:nvPr>
-        </p:nvSpPr>
-        <p:spPr/>
-        <p:txBody>
-          <a:bodyPr/>
-          <a:lstStyle/>
-          <a:p>
-            <a:pPr indent="-457200">
-              <a:lnSpc>
-                <a:spcPct val="125000"/>
-              </a:lnSpc>
-              <a:buFont typeface="Wingdings" pitchFamily="2" charset="2"/>
-              <a:buChar char="q"/>
-            </a:pPr>
-            <a:r>
-              <a:rPr lang="en-US" dirty="0">
-                <a:solidFill>
-                  <a:schemeClr val="accent1">
-                    <a:lumMod val="75000"/>
-                  </a:schemeClr>
-                </a:solidFill>
-              </a:rPr>
-              <a:t>Historical overview</a:t>
-            </a:r>
-          </a:p>
-          <a:p>
-            <a:pPr indent="-457200">
-              <a:lnSpc>
-                <a:spcPct val="125000"/>
-              </a:lnSpc>
-              <a:buFont typeface="Wingdings" pitchFamily="2" charset="2"/>
-              <a:buChar char="q"/>
-            </a:pPr>
-            <a:r>
-              <a:rPr lang="en-US" dirty="0">
-                <a:solidFill>
-                  <a:schemeClr val="accent1">
-                    <a:lumMod val="75000"/>
-                  </a:schemeClr>
-                </a:solidFill>
-              </a:rPr>
-              <a:t>Classification and spectrum of programming languages</a:t>
-            </a:r>
-          </a:p>
-          <a:p>
-            <a:pPr indent="-457200">
-              <a:lnSpc>
-                <a:spcPct val="125000"/>
-              </a:lnSpc>
-              <a:buFont typeface="Wingdings" pitchFamily="2" charset="2"/>
-              <a:buChar char="q"/>
-            </a:pPr>
-            <a:r>
-              <a:rPr lang="en-US" dirty="0">
-                <a:solidFill>
-                  <a:schemeClr val="accent1">
-                    <a:lumMod val="75000"/>
-                  </a:schemeClr>
-                </a:solidFill>
-              </a:rPr>
-              <a:t>Structure of a compiler</a:t>
+              <a:t>Syntactic Analysis (Parsing)</a:t>
             </a:r>
           </a:p>
         </p:txBody>
@@ -13446,7 +14150,7 @@
           <p:cNvPr id="4" name="Footer Placeholder 3">
             <a:extLst>
               <a:ext uri="{FF2B5EF4-FFF2-40B4-BE49-F238E27FC236}">
-                <a16:creationId xmlns:a16="http://schemas.microsoft.com/office/drawing/2014/main" id="{95A25A18-9C73-594A-A369-38C4752F7DD3}"/>
+                <a16:creationId xmlns:a16="http://schemas.microsoft.com/office/drawing/2014/main" id="{582CC550-A809-8147-8E70-F49F5BA683CE}"/>
               </a:ext>
             </a:extLst>
           </p:cNvPr>
@@ -13475,7 +14179,7 @@
           <p:cNvPr id="5" name="Slide Number Placeholder 4">
             <a:extLst>
               <a:ext uri="{FF2B5EF4-FFF2-40B4-BE49-F238E27FC236}">
-                <a16:creationId xmlns:a16="http://schemas.microsoft.com/office/drawing/2014/main" id="{B922D2F5-F5C6-5C4A-AD67-A7C2BABE8C8C}"/>
+                <a16:creationId xmlns:a16="http://schemas.microsoft.com/office/drawing/2014/main" id="{F83FBC6C-617C-E94E-A9DA-18B5B2FF0EA0}"/>
               </a:ext>
             </a:extLst>
           </p:cNvPr>
@@ -13494,129 +14198,7 @@
             <a:fld id="{D57F1E4F-1CFF-5643-939E-217C01CDF565}" type="slidenum">
               <a:rPr lang="en-US" smtClean="0"/>
               <a:pPr/>
-              <a:t>2</a:t>
-            </a:fld>
-            <a:endParaRPr lang="en-US" dirty="0"/>
-          </a:p>
-        </p:txBody>
-      </p:sp>
-    </p:spTree>
-    <p:extLst>
-      <p:ext uri="{BB962C8B-B14F-4D97-AF65-F5344CB8AC3E}">
-        <p14:creationId xmlns:p14="http://schemas.microsoft.com/office/powerpoint/2010/main" val="1769986058"/>
-      </p:ext>
-    </p:extLst>
-  </p:cSld>
-  <p:clrMapOvr>
-    <a:masterClrMapping/>
-  </p:clrMapOvr>
-</p:sld>
-</file>
-
-<file path=ppt/slides/slide20.xml><?xml version="1.0" encoding="utf-8"?>
-<p:sld xmlns:a="http://schemas.openxmlformats.org/drawingml/2006/main" xmlns:r="http://schemas.openxmlformats.org/officeDocument/2006/relationships" xmlns:p="http://schemas.openxmlformats.org/presentationml/2006/main">
-  <p:cSld>
-    <p:spTree>
-      <p:nvGrpSpPr>
-        <p:cNvPr id="1" name=""/>
-        <p:cNvGrpSpPr/>
-        <p:nvPr/>
-      </p:nvGrpSpPr>
-      <p:grpSpPr>
-        <a:xfrm>
-          <a:off x="0" y="0"/>
-          <a:ext cx="0" cy="0"/>
-          <a:chOff x="0" y="0"/>
-          <a:chExt cx="0" cy="0"/>
-        </a:xfrm>
-      </p:grpSpPr>
-      <p:sp>
-        <p:nvSpPr>
-          <p:cNvPr id="2" name="Title 1">
-            <a:extLst>
-              <a:ext uri="{FF2B5EF4-FFF2-40B4-BE49-F238E27FC236}">
-                <a16:creationId xmlns:a16="http://schemas.microsoft.com/office/drawing/2014/main" id="{670AD49D-6D5E-3D46-8098-87CE019F8FD5}"/>
-              </a:ext>
-            </a:extLst>
-          </p:cNvPr>
-          <p:cNvSpPr>
-            <a:spLocks noGrp="1"/>
-          </p:cNvSpPr>
-          <p:nvPr>
-            <p:ph type="title"/>
-          </p:nvPr>
-        </p:nvSpPr>
-        <p:spPr>
-          <a:xfrm>
-            <a:off x="838200" y="365125"/>
-            <a:ext cx="5257800" cy="1325563"/>
-          </a:xfrm>
-        </p:spPr>
-        <p:txBody>
-          <a:bodyPr/>
-          <a:lstStyle/>
-          <a:p>
-            <a:r>
-              <a:rPr lang="en-US" dirty="0"/>
-              <a:t>Syntactic Analysis (Parsing)</a:t>
-            </a:r>
-          </a:p>
-        </p:txBody>
-      </p:sp>
-      <p:sp>
-        <p:nvSpPr>
-          <p:cNvPr id="4" name="Footer Placeholder 3">
-            <a:extLst>
-              <a:ext uri="{FF2B5EF4-FFF2-40B4-BE49-F238E27FC236}">
-                <a16:creationId xmlns:a16="http://schemas.microsoft.com/office/drawing/2014/main" id="{582CC550-A809-8147-8E70-F49F5BA683CE}"/>
-              </a:ext>
-            </a:extLst>
-          </p:cNvPr>
-          <p:cNvSpPr>
-            <a:spLocks noGrp="1"/>
-          </p:cNvSpPr>
-          <p:nvPr>
-            <p:ph type="ftr" sz="quarter" idx="11"/>
-          </p:nvPr>
-        </p:nvSpPr>
-        <p:spPr/>
-        <p:txBody>
-          <a:bodyPr/>
-          <a:lstStyle/>
-          <a:p>
-            <a:r>
-              <a:rPr lang="en-US"/>
-              <a:t>Principles of Programming Languages</a:t>
-            </a:r>
-            <a:endParaRPr lang="en-US" dirty="0"/>
-          </a:p>
-        </p:txBody>
-      </p:sp>
-      <p:sp>
-        <p:nvSpPr>
-          <p:cNvPr id="5" name="Slide Number Placeholder 4">
-            <a:extLst>
-              <a:ext uri="{FF2B5EF4-FFF2-40B4-BE49-F238E27FC236}">
-                <a16:creationId xmlns:a16="http://schemas.microsoft.com/office/drawing/2014/main" id="{F83FBC6C-617C-E94E-A9DA-18B5B2FF0EA0}"/>
-              </a:ext>
-            </a:extLst>
-          </p:cNvPr>
-          <p:cNvSpPr>
-            <a:spLocks noGrp="1"/>
-          </p:cNvSpPr>
-          <p:nvPr>
-            <p:ph type="sldNum" sz="quarter" idx="12"/>
-          </p:nvPr>
-        </p:nvSpPr>
-        <p:spPr/>
-        <p:txBody>
-          <a:bodyPr/>
-          <a:lstStyle/>
-          <a:p>
-            <a:fld id="{D57F1E4F-1CFF-5643-939E-217C01CDF565}" type="slidenum">
-              <a:rPr lang="en-US" smtClean="0"/>
-              <a:pPr/>
-              <a:t>20</a:t>
+              <a:t>21</a:t>
             </a:fld>
             <a:endParaRPr lang="en-US" dirty="0"/>
           </a:p>
@@ -14418,7 +15000,7 @@
 </p:sld>
 </file>
 
-<file path=ppt/slides/slide21.xml><?xml version="1.0" encoding="utf-8"?>
+<file path=ppt/slides/slide22.xml><?xml version="1.0" encoding="utf-8"?>
 <p:sld xmlns:a="http://schemas.openxmlformats.org/drawingml/2006/main" xmlns:r="http://schemas.openxmlformats.org/officeDocument/2006/relationships" xmlns:p="http://schemas.openxmlformats.org/presentationml/2006/main">
   <p:cSld>
     <p:spTree>
@@ -14521,7 +15103,7 @@
             <a:fld id="{D57F1E4F-1CFF-5643-939E-217C01CDF565}" type="slidenum">
               <a:rPr lang="en-US" smtClean="0"/>
               <a:pPr/>
-              <a:t>21</a:t>
+              <a:t>22</a:t>
             </a:fld>
             <a:endParaRPr lang="en-US" dirty="0"/>
           </a:p>
@@ -16128,7 +16710,7 @@
 </p:sld>
 </file>
 
-<file path=ppt/slides/slide22.xml><?xml version="1.0" encoding="utf-8"?>
+<file path=ppt/slides/slide23.xml><?xml version="1.0" encoding="utf-8"?>
 <p:sld xmlns:a="http://schemas.openxmlformats.org/drawingml/2006/main" xmlns:r="http://schemas.openxmlformats.org/officeDocument/2006/relationships" xmlns:p="http://schemas.openxmlformats.org/presentationml/2006/main">
   <p:cSld>
     <p:spTree>
@@ -16231,7 +16813,7 @@
             <a:fld id="{D57F1E4F-1CFF-5643-939E-217C01CDF565}" type="slidenum">
               <a:rPr lang="en-US" smtClean="0"/>
               <a:pPr/>
-              <a:t>22</a:t>
+              <a:t>23</a:t>
             </a:fld>
             <a:endParaRPr lang="en-US" dirty="0"/>
           </a:p>
@@ -17890,248 +18472,6 @@
 </p:sld>
 </file>
 
-<file path=ppt/slides/slide23.xml><?xml version="1.0" encoding="utf-8"?>
-<p:sld xmlns:a="http://schemas.openxmlformats.org/drawingml/2006/main" xmlns:r="http://schemas.openxmlformats.org/officeDocument/2006/relationships" xmlns:p="http://schemas.openxmlformats.org/presentationml/2006/main">
-  <p:cSld>
-    <p:spTree>
-      <p:nvGrpSpPr>
-        <p:cNvPr id="1" name=""/>
-        <p:cNvGrpSpPr/>
-        <p:nvPr/>
-      </p:nvGrpSpPr>
-      <p:grpSpPr>
-        <a:xfrm>
-          <a:off x="0" y="0"/>
-          <a:ext cx="0" cy="0"/>
-          <a:chOff x="0" y="0"/>
-          <a:chExt cx="0" cy="0"/>
-        </a:xfrm>
-      </p:grpSpPr>
-      <p:sp>
-        <p:nvSpPr>
-          <p:cNvPr id="2" name="Title 1">
-            <a:extLst>
-              <a:ext uri="{FF2B5EF4-FFF2-40B4-BE49-F238E27FC236}">
-                <a16:creationId xmlns:a16="http://schemas.microsoft.com/office/drawing/2014/main" id="{670AD49D-6D5E-3D46-8098-87CE019F8FD5}"/>
-              </a:ext>
-            </a:extLst>
-          </p:cNvPr>
-          <p:cNvSpPr>
-            <a:spLocks noGrp="1"/>
-          </p:cNvSpPr>
-          <p:nvPr>
-            <p:ph type="title"/>
-          </p:nvPr>
-        </p:nvSpPr>
-        <p:spPr>
-          <a:xfrm>
-            <a:off x="838200" y="365125"/>
-            <a:ext cx="5257800" cy="1325563"/>
-          </a:xfrm>
-        </p:spPr>
-        <p:txBody>
-          <a:bodyPr/>
-          <a:lstStyle/>
-          <a:p>
-            <a:r>
-              <a:rPr lang="en-US" dirty="0"/>
-              <a:t>Semantic Analysis</a:t>
-            </a:r>
-          </a:p>
-        </p:txBody>
-      </p:sp>
-      <p:sp>
-        <p:nvSpPr>
-          <p:cNvPr id="4" name="Footer Placeholder 3">
-            <a:extLst>
-              <a:ext uri="{FF2B5EF4-FFF2-40B4-BE49-F238E27FC236}">
-                <a16:creationId xmlns:a16="http://schemas.microsoft.com/office/drawing/2014/main" id="{582CC550-A809-8147-8E70-F49F5BA683CE}"/>
-              </a:ext>
-            </a:extLst>
-          </p:cNvPr>
-          <p:cNvSpPr>
-            <a:spLocks noGrp="1"/>
-          </p:cNvSpPr>
-          <p:nvPr>
-            <p:ph type="ftr" sz="quarter" idx="11"/>
-          </p:nvPr>
-        </p:nvSpPr>
-        <p:spPr/>
-        <p:txBody>
-          <a:bodyPr/>
-          <a:lstStyle/>
-          <a:p>
-            <a:r>
-              <a:rPr lang="en-US"/>
-              <a:t>Principles of Programming Languages</a:t>
-            </a:r>
-            <a:endParaRPr lang="en-US" dirty="0"/>
-          </a:p>
-        </p:txBody>
-      </p:sp>
-      <p:sp>
-        <p:nvSpPr>
-          <p:cNvPr id="5" name="Slide Number Placeholder 4">
-            <a:extLst>
-              <a:ext uri="{FF2B5EF4-FFF2-40B4-BE49-F238E27FC236}">
-                <a16:creationId xmlns:a16="http://schemas.microsoft.com/office/drawing/2014/main" id="{F83FBC6C-617C-E94E-A9DA-18B5B2FF0EA0}"/>
-              </a:ext>
-            </a:extLst>
-          </p:cNvPr>
-          <p:cNvSpPr>
-            <a:spLocks noGrp="1"/>
-          </p:cNvSpPr>
-          <p:nvPr>
-            <p:ph type="sldNum" sz="quarter" idx="12"/>
-          </p:nvPr>
-        </p:nvSpPr>
-        <p:spPr/>
-        <p:txBody>
-          <a:bodyPr/>
-          <a:lstStyle/>
-          <a:p>
-            <a:fld id="{D57F1E4F-1CFF-5643-939E-217C01CDF565}" type="slidenum">
-              <a:rPr lang="en-US" smtClean="0"/>
-              <a:pPr/>
-              <a:t>23</a:t>
-            </a:fld>
-            <a:endParaRPr lang="en-US" dirty="0"/>
-          </a:p>
-        </p:txBody>
-      </p:sp>
-      <p:sp>
-        <p:nvSpPr>
-          <p:cNvPr id="11" name="TextBox 10">
-            <a:extLst>
-              <a:ext uri="{FF2B5EF4-FFF2-40B4-BE49-F238E27FC236}">
-                <a16:creationId xmlns:a16="http://schemas.microsoft.com/office/drawing/2014/main" id="{0AA9894E-08A1-7344-A4E7-C86C70200D84}"/>
-              </a:ext>
-            </a:extLst>
-          </p:cNvPr>
-          <p:cNvSpPr txBox="1"/>
-          <p:nvPr/>
-        </p:nvSpPr>
-        <p:spPr>
-          <a:xfrm>
-            <a:off x="488691" y="2007398"/>
-            <a:ext cx="5956818" cy="2957861"/>
-          </a:xfrm>
-          <a:prstGeom prst="rect">
-            <a:avLst/>
-          </a:prstGeom>
-          <a:noFill/>
-        </p:spPr>
-        <p:txBody>
-          <a:bodyPr wrap="square" rtlCol="0">
-            <a:spAutoFit/>
-          </a:bodyPr>
-          <a:lstStyle/>
-          <a:p>
-            <a:pPr marL="228600" indent="-457200">
-              <a:lnSpc>
-                <a:spcPct val="150000"/>
-              </a:lnSpc>
-              <a:buFont typeface="Wingdings" pitchFamily="2" charset="2"/>
-              <a:buChar char="q"/>
-            </a:pPr>
-            <a:r>
-              <a:rPr lang="en-US" dirty="0"/>
-              <a:t>Determine the “meaning” of the program:</a:t>
-            </a:r>
-          </a:p>
-          <a:p>
-            <a:pPr marL="1143000" lvl="3" indent="-457200">
-              <a:lnSpc>
-                <a:spcPct val="150000"/>
-              </a:lnSpc>
-              <a:buFont typeface="Wingdings" pitchFamily="2" charset="2"/>
-              <a:buChar char="q"/>
-            </a:pPr>
-            <a:r>
-              <a:rPr lang="en-US" dirty="0"/>
-              <a:t>Check for type consistency: </a:t>
-            </a:r>
-          </a:p>
-          <a:p>
-            <a:pPr marL="1600200" lvl="4" indent="-457200">
-              <a:lnSpc>
-                <a:spcPct val="150000"/>
-              </a:lnSpc>
-              <a:buFont typeface="Wingdings" pitchFamily="2" charset="2"/>
-              <a:buChar char="q"/>
-            </a:pPr>
-            <a:r>
-              <a:rPr lang="en-US" dirty="0"/>
-              <a:t>1 + 2.0 : PASS</a:t>
-            </a:r>
-          </a:p>
-          <a:p>
-            <a:pPr marL="1600200" lvl="4" indent="-457200">
-              <a:lnSpc>
-                <a:spcPct val="150000"/>
-              </a:lnSpc>
-              <a:buFont typeface="Wingdings" pitchFamily="2" charset="2"/>
-              <a:buChar char="q"/>
-            </a:pPr>
-            <a:r>
-              <a:rPr lang="en-US" dirty="0"/>
-              <a:t>sqrt(“hi”) : FAIL</a:t>
-            </a:r>
-          </a:p>
-          <a:p>
-            <a:pPr marL="1143000" lvl="3" indent="-457200">
-              <a:lnSpc>
-                <a:spcPct val="150000"/>
-              </a:lnSpc>
-              <a:buFont typeface="Wingdings" pitchFamily="2" charset="2"/>
-              <a:buChar char="q"/>
-            </a:pPr>
-            <a:r>
-              <a:rPr lang="en-US" dirty="0"/>
-              <a:t>Check array bounds: A[-1]</a:t>
-            </a:r>
-          </a:p>
-          <a:p>
-            <a:pPr marL="1143000" lvl="3" indent="-457200">
-              <a:lnSpc>
-                <a:spcPct val="150000"/>
-              </a:lnSpc>
-              <a:buFont typeface="Wingdings" pitchFamily="2" charset="2"/>
-              <a:buChar char="q"/>
-            </a:pPr>
-            <a:r>
-              <a:rPr lang="en-US" dirty="0"/>
-              <a:t>Check variable declaration: query Symbol Table</a:t>
-            </a:r>
-          </a:p>
-          <a:p>
-            <a:pPr marL="228600" lvl="1" indent="-457200">
-              <a:lnSpc>
-                <a:spcPct val="150000"/>
-              </a:lnSpc>
-              <a:buFont typeface="Wingdings" pitchFamily="2" charset="2"/>
-              <a:buChar char="q"/>
-            </a:pPr>
-            <a:r>
-              <a:rPr lang="en-US" dirty="0"/>
-              <a:t>Actually interleaved with scanning and parsing</a:t>
-            </a:r>
-          </a:p>
-        </p:txBody>
-      </p:sp>
-    </p:spTree>
-    <p:extLst>
-      <p:ext uri="{BB962C8B-B14F-4D97-AF65-F5344CB8AC3E}">
-        <p14:creationId xmlns:p14="http://schemas.microsoft.com/office/powerpoint/2010/main" val="740906651"/>
-      </p:ext>
-    </p:extLst>
-  </p:cSld>
-  <p:clrMapOvr>
-    <a:masterClrMapping/>
-  </p:clrMapOvr>
-</p:sld>
-</file>
-
 <file path=ppt/slides/slide24.xml><?xml version="1.0" encoding="utf-8"?>
 <p:sld xmlns:a="http://schemas.openxmlformats.org/drawingml/2006/main" xmlns:r="http://schemas.openxmlformats.org/officeDocument/2006/relationships" xmlns:p="http://schemas.openxmlformats.org/presentationml/2006/main">
   <p:cSld>
@@ -18167,8 +18507,8 @@
         </p:nvSpPr>
         <p:spPr>
           <a:xfrm>
-            <a:off x="838199" y="365125"/>
-            <a:ext cx="7892143" cy="1325563"/>
+            <a:off x="838200" y="365125"/>
+            <a:ext cx="5257800" cy="1325563"/>
           </a:xfrm>
         </p:spPr>
         <p:txBody>
@@ -18177,7 +18517,7 @@
           <a:p>
             <a:r>
               <a:rPr lang="en-US" dirty="0"/>
-              <a:t>Intermediate Code Generation</a:t>
+              <a:t>Semantic Analysis</a:t>
             </a:r>
           </a:p>
         </p:txBody>
@@ -18236,6 +18576,248 @@
               <a:rPr lang="en-US" smtClean="0"/>
               <a:pPr/>
               <a:t>24</a:t>
+            </a:fld>
+            <a:endParaRPr lang="en-US" dirty="0"/>
+          </a:p>
+        </p:txBody>
+      </p:sp>
+      <p:sp>
+        <p:nvSpPr>
+          <p:cNvPr id="11" name="TextBox 10">
+            <a:extLst>
+              <a:ext uri="{FF2B5EF4-FFF2-40B4-BE49-F238E27FC236}">
+                <a16:creationId xmlns:a16="http://schemas.microsoft.com/office/drawing/2014/main" id="{0AA9894E-08A1-7344-A4E7-C86C70200D84}"/>
+              </a:ext>
+            </a:extLst>
+          </p:cNvPr>
+          <p:cNvSpPr txBox="1"/>
+          <p:nvPr/>
+        </p:nvSpPr>
+        <p:spPr>
+          <a:xfrm>
+            <a:off x="488691" y="2007398"/>
+            <a:ext cx="5956818" cy="2957861"/>
+          </a:xfrm>
+          <a:prstGeom prst="rect">
+            <a:avLst/>
+          </a:prstGeom>
+          <a:noFill/>
+        </p:spPr>
+        <p:txBody>
+          <a:bodyPr wrap="square" rtlCol="0">
+            <a:spAutoFit/>
+          </a:bodyPr>
+          <a:lstStyle/>
+          <a:p>
+            <a:pPr marL="228600" indent="-457200">
+              <a:lnSpc>
+                <a:spcPct val="150000"/>
+              </a:lnSpc>
+              <a:buFont typeface="Wingdings" pitchFamily="2" charset="2"/>
+              <a:buChar char="q"/>
+            </a:pPr>
+            <a:r>
+              <a:rPr lang="en-US" dirty="0"/>
+              <a:t>Determine the “meaning” of the program:</a:t>
+            </a:r>
+          </a:p>
+          <a:p>
+            <a:pPr marL="1143000" lvl="3" indent="-457200">
+              <a:lnSpc>
+                <a:spcPct val="150000"/>
+              </a:lnSpc>
+              <a:buFont typeface="Wingdings" pitchFamily="2" charset="2"/>
+              <a:buChar char="q"/>
+            </a:pPr>
+            <a:r>
+              <a:rPr lang="en-US" dirty="0"/>
+              <a:t>Check for type consistency: </a:t>
+            </a:r>
+          </a:p>
+          <a:p>
+            <a:pPr marL="1600200" lvl="4" indent="-457200">
+              <a:lnSpc>
+                <a:spcPct val="150000"/>
+              </a:lnSpc>
+              <a:buFont typeface="Wingdings" pitchFamily="2" charset="2"/>
+              <a:buChar char="q"/>
+            </a:pPr>
+            <a:r>
+              <a:rPr lang="en-US" dirty="0"/>
+              <a:t>1 + 2.0 : PASS</a:t>
+            </a:r>
+          </a:p>
+          <a:p>
+            <a:pPr marL="1600200" lvl="4" indent="-457200">
+              <a:lnSpc>
+                <a:spcPct val="150000"/>
+              </a:lnSpc>
+              <a:buFont typeface="Wingdings" pitchFamily="2" charset="2"/>
+              <a:buChar char="q"/>
+            </a:pPr>
+            <a:r>
+              <a:rPr lang="en-US" dirty="0"/>
+              <a:t>sqrt(“hi”) : FAIL</a:t>
+            </a:r>
+          </a:p>
+          <a:p>
+            <a:pPr marL="1143000" lvl="3" indent="-457200">
+              <a:lnSpc>
+                <a:spcPct val="150000"/>
+              </a:lnSpc>
+              <a:buFont typeface="Wingdings" pitchFamily="2" charset="2"/>
+              <a:buChar char="q"/>
+            </a:pPr>
+            <a:r>
+              <a:rPr lang="en-US" dirty="0"/>
+              <a:t>Check array bounds: A[-1]</a:t>
+            </a:r>
+          </a:p>
+          <a:p>
+            <a:pPr marL="1143000" lvl="3" indent="-457200">
+              <a:lnSpc>
+                <a:spcPct val="150000"/>
+              </a:lnSpc>
+              <a:buFont typeface="Wingdings" pitchFamily="2" charset="2"/>
+              <a:buChar char="q"/>
+            </a:pPr>
+            <a:r>
+              <a:rPr lang="en-US" dirty="0"/>
+              <a:t>Check variable declaration: query Symbol Table</a:t>
+            </a:r>
+          </a:p>
+          <a:p>
+            <a:pPr marL="228600" lvl="1" indent="-457200">
+              <a:lnSpc>
+                <a:spcPct val="150000"/>
+              </a:lnSpc>
+              <a:buFont typeface="Wingdings" pitchFamily="2" charset="2"/>
+              <a:buChar char="q"/>
+            </a:pPr>
+            <a:r>
+              <a:rPr lang="en-US" dirty="0"/>
+              <a:t>Actually interleaved with scanning and parsing</a:t>
+            </a:r>
+          </a:p>
+        </p:txBody>
+      </p:sp>
+    </p:spTree>
+    <p:extLst>
+      <p:ext uri="{BB962C8B-B14F-4D97-AF65-F5344CB8AC3E}">
+        <p14:creationId xmlns:p14="http://schemas.microsoft.com/office/powerpoint/2010/main" val="740906651"/>
+      </p:ext>
+    </p:extLst>
+  </p:cSld>
+  <p:clrMapOvr>
+    <a:masterClrMapping/>
+  </p:clrMapOvr>
+</p:sld>
+</file>
+
+<file path=ppt/slides/slide25.xml><?xml version="1.0" encoding="utf-8"?>
+<p:sld xmlns:a="http://schemas.openxmlformats.org/drawingml/2006/main" xmlns:r="http://schemas.openxmlformats.org/officeDocument/2006/relationships" xmlns:p="http://schemas.openxmlformats.org/presentationml/2006/main">
+  <p:cSld>
+    <p:spTree>
+      <p:nvGrpSpPr>
+        <p:cNvPr id="1" name=""/>
+        <p:cNvGrpSpPr/>
+        <p:nvPr/>
+      </p:nvGrpSpPr>
+      <p:grpSpPr>
+        <a:xfrm>
+          <a:off x="0" y="0"/>
+          <a:ext cx="0" cy="0"/>
+          <a:chOff x="0" y="0"/>
+          <a:chExt cx="0" cy="0"/>
+        </a:xfrm>
+      </p:grpSpPr>
+      <p:sp>
+        <p:nvSpPr>
+          <p:cNvPr id="2" name="Title 1">
+            <a:extLst>
+              <a:ext uri="{FF2B5EF4-FFF2-40B4-BE49-F238E27FC236}">
+                <a16:creationId xmlns:a16="http://schemas.microsoft.com/office/drawing/2014/main" id="{670AD49D-6D5E-3D46-8098-87CE019F8FD5}"/>
+              </a:ext>
+            </a:extLst>
+          </p:cNvPr>
+          <p:cNvSpPr>
+            <a:spLocks noGrp="1"/>
+          </p:cNvSpPr>
+          <p:nvPr>
+            <p:ph type="title"/>
+          </p:nvPr>
+        </p:nvSpPr>
+        <p:spPr>
+          <a:xfrm>
+            <a:off x="838199" y="365125"/>
+            <a:ext cx="7892143" cy="1325563"/>
+          </a:xfrm>
+        </p:spPr>
+        <p:txBody>
+          <a:bodyPr/>
+          <a:lstStyle/>
+          <a:p>
+            <a:r>
+              <a:rPr lang="en-US" dirty="0"/>
+              <a:t>Intermediate Code Generation</a:t>
+            </a:r>
+          </a:p>
+        </p:txBody>
+      </p:sp>
+      <p:sp>
+        <p:nvSpPr>
+          <p:cNvPr id="4" name="Footer Placeholder 3">
+            <a:extLst>
+              <a:ext uri="{FF2B5EF4-FFF2-40B4-BE49-F238E27FC236}">
+                <a16:creationId xmlns:a16="http://schemas.microsoft.com/office/drawing/2014/main" id="{582CC550-A809-8147-8E70-F49F5BA683CE}"/>
+              </a:ext>
+            </a:extLst>
+          </p:cNvPr>
+          <p:cNvSpPr>
+            <a:spLocks noGrp="1"/>
+          </p:cNvSpPr>
+          <p:nvPr>
+            <p:ph type="ftr" sz="quarter" idx="11"/>
+          </p:nvPr>
+        </p:nvSpPr>
+        <p:spPr/>
+        <p:txBody>
+          <a:bodyPr/>
+          <a:lstStyle/>
+          <a:p>
+            <a:r>
+              <a:rPr lang="en-US"/>
+              <a:t>Principles of Programming Languages</a:t>
+            </a:r>
+            <a:endParaRPr lang="en-US" dirty="0"/>
+          </a:p>
+        </p:txBody>
+      </p:sp>
+      <p:sp>
+        <p:nvSpPr>
+          <p:cNvPr id="5" name="Slide Number Placeholder 4">
+            <a:extLst>
+              <a:ext uri="{FF2B5EF4-FFF2-40B4-BE49-F238E27FC236}">
+                <a16:creationId xmlns:a16="http://schemas.microsoft.com/office/drawing/2014/main" id="{F83FBC6C-617C-E94E-A9DA-18B5B2FF0EA0}"/>
+              </a:ext>
+            </a:extLst>
+          </p:cNvPr>
+          <p:cNvSpPr>
+            <a:spLocks noGrp="1"/>
+          </p:cNvSpPr>
+          <p:nvPr>
+            <p:ph type="sldNum" sz="quarter" idx="12"/>
+          </p:nvPr>
+        </p:nvSpPr>
+        <p:spPr/>
+        <p:txBody>
+          <a:bodyPr/>
+          <a:lstStyle/>
+          <a:p>
+            <a:fld id="{D57F1E4F-1CFF-5643-939E-217C01CDF565}" type="slidenum">
+              <a:rPr lang="en-US" smtClean="0"/>
+              <a:pPr/>
+              <a:t>25</a:t>
             </a:fld>
             <a:endParaRPr lang="en-US" dirty="0"/>
           </a:p>
@@ -18790,7 +19372,7 @@
 </p:sld>
 </file>
 
-<file path=ppt/slides/slide25.xml><?xml version="1.0" encoding="utf-8"?>
+<file path=ppt/slides/slide26.xml><?xml version="1.0" encoding="utf-8"?>
 <p:sld xmlns:a="http://schemas.openxmlformats.org/drawingml/2006/main" xmlns:r="http://schemas.openxmlformats.org/officeDocument/2006/relationships" xmlns:p="http://schemas.openxmlformats.org/presentationml/2006/main">
   <p:cSld>
     <p:spTree>
@@ -18893,7 +19475,7 @@
             <a:fld id="{D57F1E4F-1CFF-5643-939E-217C01CDF565}" type="slidenum">
               <a:rPr lang="en-US" smtClean="0"/>
               <a:pPr/>
-              <a:t>25</a:t>
+              <a:t>26</a:t>
             </a:fld>
             <a:endParaRPr lang="en-US" dirty="0"/>
           </a:p>
@@ -19555,7 +20137,7 @@
 </p:sld>
 </file>
 
-<file path=ppt/slides/slide26.xml><?xml version="1.0" encoding="utf-8"?>
+<file path=ppt/slides/slide27.xml><?xml version="1.0" encoding="utf-8"?>
 <p:sld xmlns:a="http://schemas.openxmlformats.org/drawingml/2006/main" xmlns:r="http://schemas.openxmlformats.org/officeDocument/2006/relationships" xmlns:p="http://schemas.openxmlformats.org/presentationml/2006/main">
   <p:cSld>
     <p:spTree>
@@ -19658,7 +20240,7 @@
             <a:fld id="{D57F1E4F-1CFF-5643-939E-217C01CDF565}" type="slidenum">
               <a:rPr lang="en-US" smtClean="0"/>
               <a:pPr/>
-              <a:t>26</a:t>
+              <a:t>27</a:t>
             </a:fld>
             <a:endParaRPr lang="en-US" dirty="0"/>
           </a:p>
@@ -20592,7 +21174,7 @@
 </p:sld>
 </file>
 
-<file path=ppt/slides/slide27.xml><?xml version="1.0" encoding="utf-8"?>
+<file path=ppt/slides/slide28.xml><?xml version="1.0" encoding="utf-8"?>
 <p:sld xmlns:a="http://schemas.openxmlformats.org/drawingml/2006/main" xmlns:r="http://schemas.openxmlformats.org/officeDocument/2006/relationships" xmlns:p="http://schemas.openxmlformats.org/presentationml/2006/main">
   <p:cSld>
     <p:spTree>
@@ -20695,7 +21277,7 @@
             <a:fld id="{D57F1E4F-1CFF-5643-939E-217C01CDF565}" type="slidenum">
               <a:rPr lang="en-US" smtClean="0"/>
               <a:pPr/>
-              <a:t>27</a:t>
+              <a:t>28</a:t>
             </a:fld>
             <a:endParaRPr lang="en-US" dirty="0"/>
           </a:p>
@@ -21749,7 +22331,7 @@
 </p:sld>
 </file>
 
-<file path=ppt/slides/slide28.xml><?xml version="1.0" encoding="utf-8"?>
+<file path=ppt/slides/slide29.xml><?xml version="1.0" encoding="utf-8"?>
 <p:sld xmlns:a="http://schemas.openxmlformats.org/drawingml/2006/main" xmlns:r="http://schemas.openxmlformats.org/officeDocument/2006/relationships" xmlns:p="http://schemas.openxmlformats.org/presentationml/2006/main">
   <p:cSld>
     <p:spTree>
@@ -21847,7 +22429,7 @@
             <a:fld id="{D57F1E4F-1CFF-5643-939E-217C01CDF565}" type="slidenum">
               <a:rPr lang="en-US" smtClean="0"/>
               <a:pPr/>
-              <a:t>28</a:t>
+              <a:t>29</a:t>
             </a:fld>
             <a:endParaRPr lang="en-US" dirty="0"/>
           </a:p>
@@ -22699,934 +23281,6 @@
     <p:extLst>
       <p:ext uri="{BB962C8B-B14F-4D97-AF65-F5344CB8AC3E}">
         <p14:creationId xmlns:p14="http://schemas.microsoft.com/office/powerpoint/2010/main" val="195467668"/>
-      </p:ext>
-    </p:extLst>
-  </p:cSld>
-  <p:clrMapOvr>
-    <a:masterClrMapping/>
-  </p:clrMapOvr>
-</p:sld>
-</file>
-
-<file path=ppt/slides/slide29.xml><?xml version="1.0" encoding="utf-8"?>
-<p:sld xmlns:a="http://schemas.openxmlformats.org/drawingml/2006/main" xmlns:r="http://schemas.openxmlformats.org/officeDocument/2006/relationships" xmlns:p="http://schemas.openxmlformats.org/presentationml/2006/main">
-  <p:cSld>
-    <p:spTree>
-      <p:nvGrpSpPr>
-        <p:cNvPr id="1" name=""/>
-        <p:cNvGrpSpPr/>
-        <p:nvPr/>
-      </p:nvGrpSpPr>
-      <p:grpSpPr>
-        <a:xfrm>
-          <a:off x="0" y="0"/>
-          <a:ext cx="0" cy="0"/>
-          <a:chOff x="0" y="0"/>
-          <a:chExt cx="0" cy="0"/>
-        </a:xfrm>
-      </p:grpSpPr>
-      <p:sp>
-        <p:nvSpPr>
-          <p:cNvPr id="2" name="Title 1">
-            <a:extLst>
-              <a:ext uri="{FF2B5EF4-FFF2-40B4-BE49-F238E27FC236}">
-                <a16:creationId xmlns:a16="http://schemas.microsoft.com/office/drawing/2014/main" id="{989D2970-92D1-7741-9B89-CB7CF1759296}"/>
-              </a:ext>
-            </a:extLst>
-          </p:cNvPr>
-          <p:cNvSpPr>
-            <a:spLocks noGrp="1"/>
-          </p:cNvSpPr>
-          <p:nvPr>
-            <p:ph type="title"/>
-          </p:nvPr>
-        </p:nvSpPr>
-        <p:spPr/>
-        <p:txBody>
-          <a:bodyPr/>
-          <a:lstStyle/>
-          <a:p>
-            <a:r>
-              <a:rPr lang="en-US" dirty="0"/>
-              <a:t>Machine Specific Optimization</a:t>
-            </a:r>
-          </a:p>
-        </p:txBody>
-      </p:sp>
-      <p:sp>
-        <p:nvSpPr>
-          <p:cNvPr id="4" name="Footer Placeholder 3">
-            <a:extLst>
-              <a:ext uri="{FF2B5EF4-FFF2-40B4-BE49-F238E27FC236}">
-                <a16:creationId xmlns:a16="http://schemas.microsoft.com/office/drawing/2014/main" id="{0DF3535A-058B-7B46-BA9B-C72B5EFF6D30}"/>
-              </a:ext>
-            </a:extLst>
-          </p:cNvPr>
-          <p:cNvSpPr>
-            <a:spLocks noGrp="1"/>
-          </p:cNvSpPr>
-          <p:nvPr>
-            <p:ph type="ftr" sz="quarter" idx="11"/>
-          </p:nvPr>
-        </p:nvSpPr>
-        <p:spPr/>
-        <p:txBody>
-          <a:bodyPr/>
-          <a:lstStyle/>
-          <a:p>
-            <a:r>
-              <a:rPr lang="en-US"/>
-              <a:t>Principles of Programming Languages</a:t>
-            </a:r>
-            <a:endParaRPr lang="en-US" dirty="0"/>
-          </a:p>
-        </p:txBody>
-      </p:sp>
-      <p:sp>
-        <p:nvSpPr>
-          <p:cNvPr id="5" name="Slide Number Placeholder 4">
-            <a:extLst>
-              <a:ext uri="{FF2B5EF4-FFF2-40B4-BE49-F238E27FC236}">
-                <a16:creationId xmlns:a16="http://schemas.microsoft.com/office/drawing/2014/main" id="{43C58BAD-10DE-5947-9B30-593F439125A6}"/>
-              </a:ext>
-            </a:extLst>
-          </p:cNvPr>
-          <p:cNvSpPr>
-            <a:spLocks noGrp="1"/>
-          </p:cNvSpPr>
-          <p:nvPr>
-            <p:ph type="sldNum" sz="quarter" idx="12"/>
-          </p:nvPr>
-        </p:nvSpPr>
-        <p:spPr/>
-        <p:txBody>
-          <a:bodyPr/>
-          <a:lstStyle/>
-          <a:p>
-            <a:fld id="{D57F1E4F-1CFF-5643-939E-217C01CDF565}" type="slidenum">
-              <a:rPr lang="en-US" smtClean="0"/>
-              <a:pPr/>
-              <a:t>29</a:t>
-            </a:fld>
-            <a:endParaRPr lang="en-US" dirty="0"/>
-          </a:p>
-        </p:txBody>
-      </p:sp>
-      <p:sp>
-        <p:nvSpPr>
-          <p:cNvPr id="7" name="TextBox 6">
-            <a:extLst>
-              <a:ext uri="{FF2B5EF4-FFF2-40B4-BE49-F238E27FC236}">
-                <a16:creationId xmlns:a16="http://schemas.microsoft.com/office/drawing/2014/main" id="{D87ED720-FADA-F44D-90C0-08F9476F5F2F}"/>
-              </a:ext>
-            </a:extLst>
-          </p:cNvPr>
-          <p:cNvSpPr txBox="1"/>
-          <p:nvPr/>
-        </p:nvSpPr>
-        <p:spPr>
-          <a:xfrm>
-            <a:off x="3831771" y="2102411"/>
-            <a:ext cx="1776448" cy="430887"/>
-          </a:xfrm>
-          <a:prstGeom prst="rect">
-            <a:avLst/>
-          </a:prstGeom>
-          <a:noFill/>
-          <a:ln w="57150">
-            <a:solidFill>
-              <a:srgbClr val="0070C0"/>
-            </a:solidFill>
-          </a:ln>
-        </p:spPr>
-        <p:txBody>
-          <a:bodyPr wrap="none" rtlCol="0">
-            <a:spAutoFit/>
-          </a:bodyPr>
-          <a:lstStyle/>
-          <a:p>
-            <a:r>
-              <a:rPr lang="en-US" sz="2200" dirty="0"/>
-              <a:t>a := a + b* 1.5</a:t>
-            </a:r>
-          </a:p>
-        </p:txBody>
-      </p:sp>
-      <p:sp>
-        <p:nvSpPr>
-          <p:cNvPr id="8" name="TextBox 7">
-            <a:extLst>
-              <a:ext uri="{FF2B5EF4-FFF2-40B4-BE49-F238E27FC236}">
-                <a16:creationId xmlns:a16="http://schemas.microsoft.com/office/drawing/2014/main" id="{BD20CF67-4216-404D-BD44-77F5CAE111F2}"/>
-              </a:ext>
-            </a:extLst>
-          </p:cNvPr>
-          <p:cNvSpPr txBox="1"/>
-          <p:nvPr/>
-        </p:nvSpPr>
-        <p:spPr>
-          <a:xfrm>
-            <a:off x="762000" y="3185088"/>
-            <a:ext cx="4365171" cy="2176943"/>
-          </a:xfrm>
-          <a:custGeom>
-            <a:avLst/>
-            <a:gdLst>
-              <a:gd name="connsiteX0" fmla="*/ 0 w 4365171"/>
-              <a:gd name="connsiteY0" fmla="*/ 0 h 2176943"/>
-              <a:gd name="connsiteX1" fmla="*/ 501995 w 4365171"/>
-              <a:gd name="connsiteY1" fmla="*/ 0 h 2176943"/>
-              <a:gd name="connsiteX2" fmla="*/ 916686 w 4365171"/>
-              <a:gd name="connsiteY2" fmla="*/ 0 h 2176943"/>
-              <a:gd name="connsiteX3" fmla="*/ 1549636 w 4365171"/>
-              <a:gd name="connsiteY3" fmla="*/ 0 h 2176943"/>
-              <a:gd name="connsiteX4" fmla="*/ 2051630 w 4365171"/>
-              <a:gd name="connsiteY4" fmla="*/ 0 h 2176943"/>
-              <a:gd name="connsiteX5" fmla="*/ 2553625 w 4365171"/>
-              <a:gd name="connsiteY5" fmla="*/ 0 h 2176943"/>
-              <a:gd name="connsiteX6" fmla="*/ 3186575 w 4365171"/>
-              <a:gd name="connsiteY6" fmla="*/ 0 h 2176943"/>
-              <a:gd name="connsiteX7" fmla="*/ 3644918 w 4365171"/>
-              <a:gd name="connsiteY7" fmla="*/ 0 h 2176943"/>
-              <a:gd name="connsiteX8" fmla="*/ 4365171 w 4365171"/>
-              <a:gd name="connsiteY8" fmla="*/ 0 h 2176943"/>
-              <a:gd name="connsiteX9" fmla="*/ 4365171 w 4365171"/>
-              <a:gd name="connsiteY9" fmla="*/ 587775 h 2176943"/>
-              <a:gd name="connsiteX10" fmla="*/ 4365171 w 4365171"/>
-              <a:gd name="connsiteY10" fmla="*/ 1088472 h 2176943"/>
-              <a:gd name="connsiteX11" fmla="*/ 4365171 w 4365171"/>
-              <a:gd name="connsiteY11" fmla="*/ 1632707 h 2176943"/>
-              <a:gd name="connsiteX12" fmla="*/ 4365171 w 4365171"/>
-              <a:gd name="connsiteY12" fmla="*/ 2176943 h 2176943"/>
-              <a:gd name="connsiteX13" fmla="*/ 3950480 w 4365171"/>
-              <a:gd name="connsiteY13" fmla="*/ 2176943 h 2176943"/>
-              <a:gd name="connsiteX14" fmla="*/ 3317530 w 4365171"/>
-              <a:gd name="connsiteY14" fmla="*/ 2176943 h 2176943"/>
-              <a:gd name="connsiteX15" fmla="*/ 2859187 w 4365171"/>
-              <a:gd name="connsiteY15" fmla="*/ 2176943 h 2176943"/>
-              <a:gd name="connsiteX16" fmla="*/ 2313541 w 4365171"/>
-              <a:gd name="connsiteY16" fmla="*/ 2176943 h 2176943"/>
-              <a:gd name="connsiteX17" fmla="*/ 1680591 w 4365171"/>
-              <a:gd name="connsiteY17" fmla="*/ 2176943 h 2176943"/>
-              <a:gd name="connsiteX18" fmla="*/ 1134944 w 4365171"/>
-              <a:gd name="connsiteY18" fmla="*/ 2176943 h 2176943"/>
-              <a:gd name="connsiteX19" fmla="*/ 720253 w 4365171"/>
-              <a:gd name="connsiteY19" fmla="*/ 2176943 h 2176943"/>
-              <a:gd name="connsiteX20" fmla="*/ 0 w 4365171"/>
-              <a:gd name="connsiteY20" fmla="*/ 2176943 h 2176943"/>
-              <a:gd name="connsiteX21" fmla="*/ 0 w 4365171"/>
-              <a:gd name="connsiteY21" fmla="*/ 1589168 h 2176943"/>
-              <a:gd name="connsiteX22" fmla="*/ 0 w 4365171"/>
-              <a:gd name="connsiteY22" fmla="*/ 1001394 h 2176943"/>
-              <a:gd name="connsiteX23" fmla="*/ 0 w 4365171"/>
-              <a:gd name="connsiteY23" fmla="*/ 0 h 2176943"/>
-            </a:gdLst>
-            <a:ahLst/>
-            <a:cxnLst>
-              <a:cxn ang="0">
-                <a:pos x="connsiteX0" y="connsiteY0"/>
-              </a:cxn>
-              <a:cxn ang="0">
-                <a:pos x="connsiteX1" y="connsiteY1"/>
-              </a:cxn>
-              <a:cxn ang="0">
-                <a:pos x="connsiteX2" y="connsiteY2"/>
-              </a:cxn>
-              <a:cxn ang="0">
-                <a:pos x="connsiteX3" y="connsiteY3"/>
-              </a:cxn>
-              <a:cxn ang="0">
-                <a:pos x="connsiteX4" y="connsiteY4"/>
-              </a:cxn>
-              <a:cxn ang="0">
-                <a:pos x="connsiteX5" y="connsiteY5"/>
-              </a:cxn>
-              <a:cxn ang="0">
-                <a:pos x="connsiteX6" y="connsiteY6"/>
-              </a:cxn>
-              <a:cxn ang="0">
-                <a:pos x="connsiteX7" y="connsiteY7"/>
-              </a:cxn>
-              <a:cxn ang="0">
-                <a:pos x="connsiteX8" y="connsiteY8"/>
-              </a:cxn>
-              <a:cxn ang="0">
-                <a:pos x="connsiteX9" y="connsiteY9"/>
-              </a:cxn>
-              <a:cxn ang="0">
-                <a:pos x="connsiteX10" y="connsiteY10"/>
-              </a:cxn>
-              <a:cxn ang="0">
-                <a:pos x="connsiteX11" y="connsiteY11"/>
-              </a:cxn>
-              <a:cxn ang="0">
-                <a:pos x="connsiteX12" y="connsiteY12"/>
-              </a:cxn>
-              <a:cxn ang="0">
-                <a:pos x="connsiteX13" y="connsiteY13"/>
-              </a:cxn>
-              <a:cxn ang="0">
-                <a:pos x="connsiteX14" y="connsiteY14"/>
-              </a:cxn>
-              <a:cxn ang="0">
-                <a:pos x="connsiteX15" y="connsiteY15"/>
-              </a:cxn>
-              <a:cxn ang="0">
-                <a:pos x="connsiteX16" y="connsiteY16"/>
-              </a:cxn>
-              <a:cxn ang="0">
-                <a:pos x="connsiteX17" y="connsiteY17"/>
-              </a:cxn>
-              <a:cxn ang="0">
-                <a:pos x="connsiteX18" y="connsiteY18"/>
-              </a:cxn>
-              <a:cxn ang="0">
-                <a:pos x="connsiteX19" y="connsiteY19"/>
-              </a:cxn>
-              <a:cxn ang="0">
-                <a:pos x="connsiteX20" y="connsiteY20"/>
-              </a:cxn>
-              <a:cxn ang="0">
-                <a:pos x="connsiteX21" y="connsiteY21"/>
-              </a:cxn>
-              <a:cxn ang="0">
-                <a:pos x="connsiteX22" y="connsiteY22"/>
-              </a:cxn>
-              <a:cxn ang="0">
-                <a:pos x="connsiteX23" y="connsiteY23"/>
-              </a:cxn>
-            </a:cxnLst>
-            <a:rect l="l" t="t" r="r" b="b"/>
-            <a:pathLst>
-              <a:path w="4365171" h="2176943" extrusionOk="0">
-                <a:moveTo>
-                  <a:pt x="0" y="0"/>
-                </a:moveTo>
-                <a:cubicBezTo>
-                  <a:pt x="132187" y="-8083"/>
-                  <a:pt x="254783" y="15030"/>
-                  <a:pt x="501995" y="0"/>
-                </a:cubicBezTo>
-                <a:cubicBezTo>
-                  <a:pt x="749208" y="-15030"/>
-                  <a:pt x="796141" y="10047"/>
-                  <a:pt x="916686" y="0"/>
-                </a:cubicBezTo>
-                <a:cubicBezTo>
-                  <a:pt x="1037231" y="-10047"/>
-                  <a:pt x="1277515" y="44483"/>
-                  <a:pt x="1549636" y="0"/>
-                </a:cubicBezTo>
-                <a:cubicBezTo>
-                  <a:pt x="1821757" y="-44483"/>
-                  <a:pt x="1821460" y="27460"/>
-                  <a:pt x="2051630" y="0"/>
-                </a:cubicBezTo>
-                <a:cubicBezTo>
-                  <a:pt x="2281800" y="-27460"/>
-                  <a:pt x="2314339" y="44829"/>
-                  <a:pt x="2553625" y="0"/>
-                </a:cubicBezTo>
-                <a:cubicBezTo>
-                  <a:pt x="2792912" y="-44829"/>
-                  <a:pt x="3047778" y="60169"/>
-                  <a:pt x="3186575" y="0"/>
-                </a:cubicBezTo>
-                <a:cubicBezTo>
-                  <a:pt x="3325372" y="-60169"/>
-                  <a:pt x="3525535" y="12740"/>
-                  <a:pt x="3644918" y="0"/>
-                </a:cubicBezTo>
-                <a:cubicBezTo>
-                  <a:pt x="3764301" y="-12740"/>
-                  <a:pt x="4099916" y="26746"/>
-                  <a:pt x="4365171" y="0"/>
-                </a:cubicBezTo>
-                <a:cubicBezTo>
-                  <a:pt x="4378667" y="215190"/>
-                  <a:pt x="4298625" y="386899"/>
-                  <a:pt x="4365171" y="587775"/>
-                </a:cubicBezTo>
-                <a:cubicBezTo>
-                  <a:pt x="4431717" y="788652"/>
-                  <a:pt x="4332643" y="980827"/>
-                  <a:pt x="4365171" y="1088472"/>
-                </a:cubicBezTo>
-                <a:cubicBezTo>
-                  <a:pt x="4397699" y="1196117"/>
-                  <a:pt x="4308758" y="1509033"/>
-                  <a:pt x="4365171" y="1632707"/>
-                </a:cubicBezTo>
-                <a:cubicBezTo>
-                  <a:pt x="4421584" y="1756381"/>
-                  <a:pt x="4332416" y="2034008"/>
-                  <a:pt x="4365171" y="2176943"/>
-                </a:cubicBezTo>
-                <a:cubicBezTo>
-                  <a:pt x="4207559" y="2224394"/>
-                  <a:pt x="4048508" y="2174275"/>
-                  <a:pt x="3950480" y="2176943"/>
-                </a:cubicBezTo>
-                <a:cubicBezTo>
-                  <a:pt x="3852452" y="2179611"/>
-                  <a:pt x="3621152" y="2149704"/>
-                  <a:pt x="3317530" y="2176943"/>
-                </a:cubicBezTo>
-                <a:cubicBezTo>
-                  <a:pt x="3013908" y="2204182"/>
-                  <a:pt x="2965913" y="2156804"/>
-                  <a:pt x="2859187" y="2176943"/>
-                </a:cubicBezTo>
-                <a:cubicBezTo>
-                  <a:pt x="2752461" y="2197082"/>
-                  <a:pt x="2490612" y="2117895"/>
-                  <a:pt x="2313541" y="2176943"/>
-                </a:cubicBezTo>
-                <a:cubicBezTo>
-                  <a:pt x="2136470" y="2235991"/>
-                  <a:pt x="1903058" y="2119047"/>
-                  <a:pt x="1680591" y="2176943"/>
-                </a:cubicBezTo>
-                <a:cubicBezTo>
-                  <a:pt x="1458124" y="2234839"/>
-                  <a:pt x="1374134" y="2170065"/>
-                  <a:pt x="1134944" y="2176943"/>
-                </a:cubicBezTo>
-                <a:cubicBezTo>
-                  <a:pt x="895754" y="2183821"/>
-                  <a:pt x="891995" y="2174307"/>
-                  <a:pt x="720253" y="2176943"/>
-                </a:cubicBezTo>
-                <a:cubicBezTo>
-                  <a:pt x="548511" y="2179579"/>
-                  <a:pt x="144885" y="2159017"/>
-                  <a:pt x="0" y="2176943"/>
-                </a:cubicBezTo>
-                <a:cubicBezTo>
-                  <a:pt x="-25594" y="1990430"/>
-                  <a:pt x="69185" y="1787891"/>
-                  <a:pt x="0" y="1589168"/>
-                </a:cubicBezTo>
-                <a:cubicBezTo>
-                  <a:pt x="-69185" y="1390445"/>
-                  <a:pt x="54789" y="1288560"/>
-                  <a:pt x="0" y="1001394"/>
-                </a:cubicBezTo>
-                <a:cubicBezTo>
-                  <a:pt x="-54789" y="714228"/>
-                  <a:pt x="5891" y="364800"/>
-                  <a:pt x="0" y="0"/>
-                </a:cubicBezTo>
-                <a:close/>
-              </a:path>
-            </a:pathLst>
-          </a:custGeom>
-          <a:noFill/>
-          <a:ln w="57150" cmpd="tri">
-            <a:solidFill>
-              <a:srgbClr val="FFC000"/>
-            </a:solidFill>
-            <a:extLst>
-              <a:ext uri="{C807C97D-BFC1-408E-A445-0C87EB9F89A2}">
-                <ask:lineSketchStyleProps xmlns:ask="http://schemas.microsoft.com/office/drawing/2018/sketchyshapes" sd="1219033472">
-                  <a:prstGeom prst="rect">
-                    <a:avLst/>
-                  </a:prstGeom>
-                  <ask:type>
-                    <ask:lineSketchScribble/>
-                  </ask:type>
-                </ask:lineSketchStyleProps>
-              </a:ext>
-            </a:extLst>
-          </a:ln>
-        </p:spPr>
-        <p:txBody>
-          <a:bodyPr wrap="square" rtlCol="0">
-            <a:spAutoFit/>
-          </a:bodyPr>
-          <a:lstStyle/>
-          <a:p>
-            <a:pPr marL="457200" indent="-457200">
-              <a:lnSpc>
-                <a:spcPct val="125000"/>
-              </a:lnSpc>
-              <a:buFont typeface="+mj-lt"/>
-              <a:buAutoNum type="arabicPeriod"/>
-            </a:pPr>
-            <a:r>
-              <a:rPr lang="en-US" sz="2200" dirty="0" err="1"/>
-              <a:t>fload</a:t>
-            </a:r>
-            <a:r>
-              <a:rPr lang="en-US" sz="2200" dirty="0"/>
-              <a:t>    freg1, __ , #AB100</a:t>
-            </a:r>
-          </a:p>
-          <a:p>
-            <a:pPr marL="457200" indent="-457200">
-              <a:lnSpc>
-                <a:spcPct val="125000"/>
-              </a:lnSpc>
-              <a:buFont typeface="+mj-lt"/>
-              <a:buAutoNum type="arabicPeriod"/>
-            </a:pPr>
-            <a:r>
-              <a:rPr lang="en-US" sz="2200" dirty="0" err="1"/>
-              <a:t>fload</a:t>
-            </a:r>
-            <a:r>
-              <a:rPr lang="en-US" sz="2200" dirty="0"/>
-              <a:t>    freg2, __ , #AB104</a:t>
-            </a:r>
-          </a:p>
-          <a:p>
-            <a:pPr marL="457200" indent="-457200">
-              <a:lnSpc>
-                <a:spcPct val="125000"/>
-              </a:lnSpc>
-              <a:buFont typeface="+mj-lt"/>
-              <a:buAutoNum type="arabicPeriod"/>
-            </a:pPr>
-            <a:r>
-              <a:rPr lang="en-US" sz="2200" dirty="0" err="1"/>
-              <a:t>fmul</a:t>
-            </a:r>
-            <a:r>
-              <a:rPr lang="en-US" sz="2200" dirty="0"/>
-              <a:t>     freg3, freg2 , 1.5</a:t>
-            </a:r>
-          </a:p>
-          <a:p>
-            <a:pPr marL="457200" indent="-457200">
-              <a:lnSpc>
-                <a:spcPct val="125000"/>
-              </a:lnSpc>
-              <a:buFont typeface="+mj-lt"/>
-              <a:buAutoNum type="arabicPeriod"/>
-            </a:pPr>
-            <a:r>
-              <a:rPr lang="en-US" sz="2200" dirty="0" err="1"/>
-              <a:t>fadd</a:t>
-            </a:r>
-            <a:r>
-              <a:rPr lang="en-US" sz="2200" dirty="0"/>
-              <a:t>     freg4 , freg1 , freg3</a:t>
-            </a:r>
-          </a:p>
-          <a:p>
-            <a:pPr marL="457200" indent="-457200">
-              <a:lnSpc>
-                <a:spcPct val="125000"/>
-              </a:lnSpc>
-              <a:buFont typeface="+mj-lt"/>
-              <a:buAutoNum type="arabicPeriod"/>
-            </a:pPr>
-            <a:r>
-              <a:rPr lang="en-US" sz="2200" dirty="0" err="1"/>
-              <a:t>fstore</a:t>
-            </a:r>
-            <a:r>
-              <a:rPr lang="en-US" sz="2200" dirty="0"/>
-              <a:t>  #AB100 , __ , freg4</a:t>
-            </a:r>
-          </a:p>
-        </p:txBody>
-      </p:sp>
-      <p:sp>
-        <p:nvSpPr>
-          <p:cNvPr id="10" name="Right Arrow 9">
-            <a:extLst>
-              <a:ext uri="{FF2B5EF4-FFF2-40B4-BE49-F238E27FC236}">
-                <a16:creationId xmlns:a16="http://schemas.microsoft.com/office/drawing/2014/main" id="{5729A59F-90F0-D549-8E5D-6B30E625812B}"/>
-              </a:ext>
-            </a:extLst>
-          </p:cNvPr>
-          <p:cNvSpPr/>
-          <p:nvPr/>
-        </p:nvSpPr>
-        <p:spPr>
-          <a:xfrm>
-            <a:off x="5542905" y="3738226"/>
-            <a:ext cx="1230086" cy="849085"/>
-          </a:xfrm>
-          <a:prstGeom prst="rightArrow">
-            <a:avLst/>
-          </a:prstGeom>
-          <a:noFill/>
-          <a:ln w="76200"/>
-        </p:spPr>
-        <p:style>
-          <a:lnRef idx="2">
-            <a:schemeClr val="accent1">
-              <a:shade val="50000"/>
-            </a:schemeClr>
-          </a:lnRef>
-          <a:fillRef idx="1">
-            <a:schemeClr val="accent1"/>
-          </a:fillRef>
-          <a:effectRef idx="0">
-            <a:schemeClr val="accent1"/>
-          </a:effectRef>
-          <a:fontRef idx="minor">
-            <a:schemeClr val="lt1"/>
-          </a:fontRef>
-        </p:style>
-        <p:txBody>
-          <a:bodyPr rtlCol="0" anchor="ctr"/>
-          <a:lstStyle/>
-          <a:p>
-            <a:pPr algn="ctr"/>
-            <a:endParaRPr lang="en-US"/>
-          </a:p>
-        </p:txBody>
-      </p:sp>
-      <p:sp>
-        <p:nvSpPr>
-          <p:cNvPr id="11" name="TextBox 10">
-            <a:extLst>
-              <a:ext uri="{FF2B5EF4-FFF2-40B4-BE49-F238E27FC236}">
-                <a16:creationId xmlns:a16="http://schemas.microsoft.com/office/drawing/2014/main" id="{DB8F621C-D846-F649-9BB6-64FF619857D9}"/>
-              </a:ext>
-            </a:extLst>
-          </p:cNvPr>
-          <p:cNvSpPr txBox="1"/>
-          <p:nvPr/>
-        </p:nvSpPr>
-        <p:spPr>
-          <a:xfrm>
-            <a:off x="7064829" y="3185087"/>
-            <a:ext cx="4365171" cy="1753750"/>
-          </a:xfrm>
-          <a:custGeom>
-            <a:avLst/>
-            <a:gdLst>
-              <a:gd name="connsiteX0" fmla="*/ 0 w 4365171"/>
-              <a:gd name="connsiteY0" fmla="*/ 0 h 1753750"/>
-              <a:gd name="connsiteX1" fmla="*/ 501995 w 4365171"/>
-              <a:gd name="connsiteY1" fmla="*/ 0 h 1753750"/>
-              <a:gd name="connsiteX2" fmla="*/ 916686 w 4365171"/>
-              <a:gd name="connsiteY2" fmla="*/ 0 h 1753750"/>
-              <a:gd name="connsiteX3" fmla="*/ 1549636 w 4365171"/>
-              <a:gd name="connsiteY3" fmla="*/ 0 h 1753750"/>
-              <a:gd name="connsiteX4" fmla="*/ 2051630 w 4365171"/>
-              <a:gd name="connsiteY4" fmla="*/ 0 h 1753750"/>
-              <a:gd name="connsiteX5" fmla="*/ 2553625 w 4365171"/>
-              <a:gd name="connsiteY5" fmla="*/ 0 h 1753750"/>
-              <a:gd name="connsiteX6" fmla="*/ 3186575 w 4365171"/>
-              <a:gd name="connsiteY6" fmla="*/ 0 h 1753750"/>
-              <a:gd name="connsiteX7" fmla="*/ 3644918 w 4365171"/>
-              <a:gd name="connsiteY7" fmla="*/ 0 h 1753750"/>
-              <a:gd name="connsiteX8" fmla="*/ 4365171 w 4365171"/>
-              <a:gd name="connsiteY8" fmla="*/ 0 h 1753750"/>
-              <a:gd name="connsiteX9" fmla="*/ 4365171 w 4365171"/>
-              <a:gd name="connsiteY9" fmla="*/ 619658 h 1753750"/>
-              <a:gd name="connsiteX10" fmla="*/ 4365171 w 4365171"/>
-              <a:gd name="connsiteY10" fmla="*/ 1169167 h 1753750"/>
-              <a:gd name="connsiteX11" fmla="*/ 4365171 w 4365171"/>
-              <a:gd name="connsiteY11" fmla="*/ 1753750 h 1753750"/>
-              <a:gd name="connsiteX12" fmla="*/ 3775873 w 4365171"/>
-              <a:gd name="connsiteY12" fmla="*/ 1753750 h 1753750"/>
-              <a:gd name="connsiteX13" fmla="*/ 3142923 w 4365171"/>
-              <a:gd name="connsiteY13" fmla="*/ 1753750 h 1753750"/>
-              <a:gd name="connsiteX14" fmla="*/ 2509973 w 4365171"/>
-              <a:gd name="connsiteY14" fmla="*/ 1753750 h 1753750"/>
-              <a:gd name="connsiteX15" fmla="*/ 2051630 w 4365171"/>
-              <a:gd name="connsiteY15" fmla="*/ 1753750 h 1753750"/>
-              <a:gd name="connsiteX16" fmla="*/ 1505984 w 4365171"/>
-              <a:gd name="connsiteY16" fmla="*/ 1753750 h 1753750"/>
-              <a:gd name="connsiteX17" fmla="*/ 873034 w 4365171"/>
-              <a:gd name="connsiteY17" fmla="*/ 1753750 h 1753750"/>
-              <a:gd name="connsiteX18" fmla="*/ 0 w 4365171"/>
-              <a:gd name="connsiteY18" fmla="*/ 1753750 h 1753750"/>
-              <a:gd name="connsiteX19" fmla="*/ 0 w 4365171"/>
-              <a:gd name="connsiteY19" fmla="*/ 1221779 h 1753750"/>
-              <a:gd name="connsiteX20" fmla="*/ 0 w 4365171"/>
-              <a:gd name="connsiteY20" fmla="*/ 672271 h 1753750"/>
-              <a:gd name="connsiteX21" fmla="*/ 0 w 4365171"/>
-              <a:gd name="connsiteY21" fmla="*/ 0 h 1753750"/>
-            </a:gdLst>
-            <a:ahLst/>
-            <a:cxnLst>
-              <a:cxn ang="0">
-                <a:pos x="connsiteX0" y="connsiteY0"/>
-              </a:cxn>
-              <a:cxn ang="0">
-                <a:pos x="connsiteX1" y="connsiteY1"/>
-              </a:cxn>
-              <a:cxn ang="0">
-                <a:pos x="connsiteX2" y="connsiteY2"/>
-              </a:cxn>
-              <a:cxn ang="0">
-                <a:pos x="connsiteX3" y="connsiteY3"/>
-              </a:cxn>
-              <a:cxn ang="0">
-                <a:pos x="connsiteX4" y="connsiteY4"/>
-              </a:cxn>
-              <a:cxn ang="0">
-                <a:pos x="connsiteX5" y="connsiteY5"/>
-              </a:cxn>
-              <a:cxn ang="0">
-                <a:pos x="connsiteX6" y="connsiteY6"/>
-              </a:cxn>
-              <a:cxn ang="0">
-                <a:pos x="connsiteX7" y="connsiteY7"/>
-              </a:cxn>
-              <a:cxn ang="0">
-                <a:pos x="connsiteX8" y="connsiteY8"/>
-              </a:cxn>
-              <a:cxn ang="0">
-                <a:pos x="connsiteX9" y="connsiteY9"/>
-              </a:cxn>
-              <a:cxn ang="0">
-                <a:pos x="connsiteX10" y="connsiteY10"/>
-              </a:cxn>
-              <a:cxn ang="0">
-                <a:pos x="connsiteX11" y="connsiteY11"/>
-              </a:cxn>
-              <a:cxn ang="0">
-                <a:pos x="connsiteX12" y="connsiteY12"/>
-              </a:cxn>
-              <a:cxn ang="0">
-                <a:pos x="connsiteX13" y="connsiteY13"/>
-              </a:cxn>
-              <a:cxn ang="0">
-                <a:pos x="connsiteX14" y="connsiteY14"/>
-              </a:cxn>
-              <a:cxn ang="0">
-                <a:pos x="connsiteX15" y="connsiteY15"/>
-              </a:cxn>
-              <a:cxn ang="0">
-                <a:pos x="connsiteX16" y="connsiteY16"/>
-              </a:cxn>
-              <a:cxn ang="0">
-                <a:pos x="connsiteX17" y="connsiteY17"/>
-              </a:cxn>
-              <a:cxn ang="0">
-                <a:pos x="connsiteX18" y="connsiteY18"/>
-              </a:cxn>
-              <a:cxn ang="0">
-                <a:pos x="connsiteX19" y="connsiteY19"/>
-              </a:cxn>
-              <a:cxn ang="0">
-                <a:pos x="connsiteX20" y="connsiteY20"/>
-              </a:cxn>
-              <a:cxn ang="0">
-                <a:pos x="connsiteX21" y="connsiteY21"/>
-              </a:cxn>
-            </a:cxnLst>
-            <a:rect l="l" t="t" r="r" b="b"/>
-            <a:pathLst>
-              <a:path w="4365171" h="1753750" extrusionOk="0">
-                <a:moveTo>
-                  <a:pt x="0" y="0"/>
-                </a:moveTo>
-                <a:cubicBezTo>
-                  <a:pt x="132187" y="-8083"/>
-                  <a:pt x="254783" y="15030"/>
-                  <a:pt x="501995" y="0"/>
-                </a:cubicBezTo>
-                <a:cubicBezTo>
-                  <a:pt x="749208" y="-15030"/>
-                  <a:pt x="796141" y="10047"/>
-                  <a:pt x="916686" y="0"/>
-                </a:cubicBezTo>
-                <a:cubicBezTo>
-                  <a:pt x="1037231" y="-10047"/>
-                  <a:pt x="1277515" y="44483"/>
-                  <a:pt x="1549636" y="0"/>
-                </a:cubicBezTo>
-                <a:cubicBezTo>
-                  <a:pt x="1821757" y="-44483"/>
-                  <a:pt x="1821460" y="27460"/>
-                  <a:pt x="2051630" y="0"/>
-                </a:cubicBezTo>
-                <a:cubicBezTo>
-                  <a:pt x="2281800" y="-27460"/>
-                  <a:pt x="2314339" y="44829"/>
-                  <a:pt x="2553625" y="0"/>
-                </a:cubicBezTo>
-                <a:cubicBezTo>
-                  <a:pt x="2792912" y="-44829"/>
-                  <a:pt x="3047778" y="60169"/>
-                  <a:pt x="3186575" y="0"/>
-                </a:cubicBezTo>
-                <a:cubicBezTo>
-                  <a:pt x="3325372" y="-60169"/>
-                  <a:pt x="3525535" y="12740"/>
-                  <a:pt x="3644918" y="0"/>
-                </a:cubicBezTo>
-                <a:cubicBezTo>
-                  <a:pt x="3764301" y="-12740"/>
-                  <a:pt x="4099916" y="26746"/>
-                  <a:pt x="4365171" y="0"/>
-                </a:cubicBezTo>
-                <a:cubicBezTo>
-                  <a:pt x="4423722" y="252398"/>
-                  <a:pt x="4337413" y="446634"/>
-                  <a:pt x="4365171" y="619658"/>
-                </a:cubicBezTo>
-                <a:cubicBezTo>
-                  <a:pt x="4392929" y="792682"/>
-                  <a:pt x="4336493" y="956336"/>
-                  <a:pt x="4365171" y="1169167"/>
-                </a:cubicBezTo>
-                <a:cubicBezTo>
-                  <a:pt x="4393849" y="1381998"/>
-                  <a:pt x="4343998" y="1461736"/>
-                  <a:pt x="4365171" y="1753750"/>
-                </a:cubicBezTo>
-                <a:cubicBezTo>
-                  <a:pt x="4203047" y="1777194"/>
-                  <a:pt x="3983683" y="1748732"/>
-                  <a:pt x="3775873" y="1753750"/>
-                </a:cubicBezTo>
-                <a:cubicBezTo>
-                  <a:pt x="3568063" y="1758768"/>
-                  <a:pt x="3294769" y="1684100"/>
-                  <a:pt x="3142923" y="1753750"/>
-                </a:cubicBezTo>
-                <a:cubicBezTo>
-                  <a:pt x="2991077" y="1823400"/>
-                  <a:pt x="2813595" y="1726511"/>
-                  <a:pt x="2509973" y="1753750"/>
-                </a:cubicBezTo>
-                <a:cubicBezTo>
-                  <a:pt x="2206351" y="1780989"/>
-                  <a:pt x="2158356" y="1733611"/>
-                  <a:pt x="2051630" y="1753750"/>
-                </a:cubicBezTo>
-                <a:cubicBezTo>
-                  <a:pt x="1944904" y="1773889"/>
-                  <a:pt x="1683055" y="1694702"/>
-                  <a:pt x="1505984" y="1753750"/>
-                </a:cubicBezTo>
-                <a:cubicBezTo>
-                  <a:pt x="1328913" y="1812798"/>
-                  <a:pt x="1095501" y="1695854"/>
-                  <a:pt x="873034" y="1753750"/>
-                </a:cubicBezTo>
-                <a:cubicBezTo>
-                  <a:pt x="650567" y="1811646"/>
-                  <a:pt x="327756" y="1679894"/>
-                  <a:pt x="0" y="1753750"/>
-                </a:cubicBezTo>
-                <a:cubicBezTo>
-                  <a:pt x="-40813" y="1513160"/>
-                  <a:pt x="62618" y="1364044"/>
-                  <a:pt x="0" y="1221779"/>
-                </a:cubicBezTo>
-                <a:cubicBezTo>
-                  <a:pt x="-62618" y="1079514"/>
-                  <a:pt x="36440" y="893419"/>
-                  <a:pt x="0" y="672271"/>
-                </a:cubicBezTo>
-                <a:cubicBezTo>
-                  <a:pt x="-36440" y="451123"/>
-                  <a:pt x="15114" y="334067"/>
-                  <a:pt x="0" y="0"/>
-                </a:cubicBezTo>
-                <a:close/>
-              </a:path>
-            </a:pathLst>
-          </a:custGeom>
-          <a:noFill/>
-          <a:ln w="57150" cmpd="tri">
-            <a:solidFill>
-              <a:srgbClr val="FFC000"/>
-            </a:solidFill>
-            <a:extLst>
-              <a:ext uri="{C807C97D-BFC1-408E-A445-0C87EB9F89A2}">
-                <ask:lineSketchStyleProps xmlns:ask="http://schemas.microsoft.com/office/drawing/2018/sketchyshapes" sd="1219033472">
-                  <a:prstGeom prst="rect">
-                    <a:avLst/>
-                  </a:prstGeom>
-                  <ask:type>
-                    <ask:lineSketchScribble/>
-                  </ask:type>
-                </ask:lineSketchStyleProps>
-              </a:ext>
-            </a:extLst>
-          </a:ln>
-        </p:spPr>
-        <p:txBody>
-          <a:bodyPr wrap="square" rtlCol="0">
-            <a:spAutoFit/>
-          </a:bodyPr>
-          <a:lstStyle/>
-          <a:p>
-            <a:pPr marL="457200" indent="-457200">
-              <a:lnSpc>
-                <a:spcPct val="125000"/>
-              </a:lnSpc>
-              <a:buFont typeface="+mj-lt"/>
-              <a:buAutoNum type="arabicPeriod"/>
-            </a:pPr>
-            <a:r>
-              <a:rPr lang="en-US" sz="2200" dirty="0" err="1"/>
-              <a:t>fload</a:t>
-            </a:r>
-            <a:r>
-              <a:rPr lang="en-US" sz="2200" dirty="0"/>
-              <a:t>    freg1, __ , #AB100</a:t>
-            </a:r>
-          </a:p>
-          <a:p>
-            <a:pPr marL="457200" indent="-457200">
-              <a:lnSpc>
-                <a:spcPct val="125000"/>
-              </a:lnSpc>
-              <a:buFont typeface="+mj-lt"/>
-              <a:buAutoNum type="arabicPeriod"/>
-            </a:pPr>
-            <a:r>
-              <a:rPr lang="en-US" sz="2200" dirty="0" err="1"/>
-              <a:t>fload</a:t>
-            </a:r>
-            <a:r>
-              <a:rPr lang="en-US" sz="2200" dirty="0"/>
-              <a:t>    freg2, __ , #AB104</a:t>
-            </a:r>
-          </a:p>
-          <a:p>
-            <a:pPr marL="457200" indent="-457200">
-              <a:lnSpc>
-                <a:spcPct val="125000"/>
-              </a:lnSpc>
-              <a:buFont typeface="+mj-lt"/>
-              <a:buAutoNum type="arabicPeriod"/>
-            </a:pPr>
-            <a:r>
-              <a:rPr lang="en-US" sz="2200" dirty="0" err="1"/>
-              <a:t>fmadd</a:t>
-            </a:r>
-            <a:r>
-              <a:rPr lang="en-US" sz="2200" dirty="0"/>
-              <a:t>     freg1 , freg2 , 1.5</a:t>
-            </a:r>
-          </a:p>
-          <a:p>
-            <a:pPr marL="457200" indent="-457200">
-              <a:lnSpc>
-                <a:spcPct val="125000"/>
-              </a:lnSpc>
-              <a:buFont typeface="+mj-lt"/>
-              <a:buAutoNum type="arabicPeriod"/>
-            </a:pPr>
-            <a:r>
-              <a:rPr lang="en-US" sz="2200" dirty="0" err="1"/>
-              <a:t>fstore</a:t>
-            </a:r>
-            <a:r>
-              <a:rPr lang="en-US" sz="2200" dirty="0"/>
-              <a:t>  #AB100 , __ , freg1</a:t>
-            </a:r>
-          </a:p>
-        </p:txBody>
-      </p:sp>
-    </p:spTree>
-    <p:extLst>
-      <p:ext uri="{BB962C8B-B14F-4D97-AF65-F5344CB8AC3E}">
-        <p14:creationId xmlns:p14="http://schemas.microsoft.com/office/powerpoint/2010/main" val="2752436609"/>
       </p:ext>
     </p:extLst>
   </p:cSld>
@@ -24342,6 +23996,934 @@
 </p:sld>
 </file>
 
+<file path=ppt/slides/slide30.xml><?xml version="1.0" encoding="utf-8"?>
+<p:sld xmlns:a="http://schemas.openxmlformats.org/drawingml/2006/main" xmlns:r="http://schemas.openxmlformats.org/officeDocument/2006/relationships" xmlns:p="http://schemas.openxmlformats.org/presentationml/2006/main">
+  <p:cSld>
+    <p:spTree>
+      <p:nvGrpSpPr>
+        <p:cNvPr id="1" name=""/>
+        <p:cNvGrpSpPr/>
+        <p:nvPr/>
+      </p:nvGrpSpPr>
+      <p:grpSpPr>
+        <a:xfrm>
+          <a:off x="0" y="0"/>
+          <a:ext cx="0" cy="0"/>
+          <a:chOff x="0" y="0"/>
+          <a:chExt cx="0" cy="0"/>
+        </a:xfrm>
+      </p:grpSpPr>
+      <p:sp>
+        <p:nvSpPr>
+          <p:cNvPr id="2" name="Title 1">
+            <a:extLst>
+              <a:ext uri="{FF2B5EF4-FFF2-40B4-BE49-F238E27FC236}">
+                <a16:creationId xmlns:a16="http://schemas.microsoft.com/office/drawing/2014/main" id="{989D2970-92D1-7741-9B89-CB7CF1759296}"/>
+              </a:ext>
+            </a:extLst>
+          </p:cNvPr>
+          <p:cNvSpPr>
+            <a:spLocks noGrp="1"/>
+          </p:cNvSpPr>
+          <p:nvPr>
+            <p:ph type="title"/>
+          </p:nvPr>
+        </p:nvSpPr>
+        <p:spPr/>
+        <p:txBody>
+          <a:bodyPr/>
+          <a:lstStyle/>
+          <a:p>
+            <a:r>
+              <a:rPr lang="en-US" dirty="0"/>
+              <a:t>Machine Specific Optimization</a:t>
+            </a:r>
+          </a:p>
+        </p:txBody>
+      </p:sp>
+      <p:sp>
+        <p:nvSpPr>
+          <p:cNvPr id="4" name="Footer Placeholder 3">
+            <a:extLst>
+              <a:ext uri="{FF2B5EF4-FFF2-40B4-BE49-F238E27FC236}">
+                <a16:creationId xmlns:a16="http://schemas.microsoft.com/office/drawing/2014/main" id="{0DF3535A-058B-7B46-BA9B-C72B5EFF6D30}"/>
+              </a:ext>
+            </a:extLst>
+          </p:cNvPr>
+          <p:cNvSpPr>
+            <a:spLocks noGrp="1"/>
+          </p:cNvSpPr>
+          <p:nvPr>
+            <p:ph type="ftr" sz="quarter" idx="11"/>
+          </p:nvPr>
+        </p:nvSpPr>
+        <p:spPr/>
+        <p:txBody>
+          <a:bodyPr/>
+          <a:lstStyle/>
+          <a:p>
+            <a:r>
+              <a:rPr lang="en-US"/>
+              <a:t>Principles of Programming Languages</a:t>
+            </a:r>
+            <a:endParaRPr lang="en-US" dirty="0"/>
+          </a:p>
+        </p:txBody>
+      </p:sp>
+      <p:sp>
+        <p:nvSpPr>
+          <p:cNvPr id="5" name="Slide Number Placeholder 4">
+            <a:extLst>
+              <a:ext uri="{FF2B5EF4-FFF2-40B4-BE49-F238E27FC236}">
+                <a16:creationId xmlns:a16="http://schemas.microsoft.com/office/drawing/2014/main" id="{43C58BAD-10DE-5947-9B30-593F439125A6}"/>
+              </a:ext>
+            </a:extLst>
+          </p:cNvPr>
+          <p:cNvSpPr>
+            <a:spLocks noGrp="1"/>
+          </p:cNvSpPr>
+          <p:nvPr>
+            <p:ph type="sldNum" sz="quarter" idx="12"/>
+          </p:nvPr>
+        </p:nvSpPr>
+        <p:spPr/>
+        <p:txBody>
+          <a:bodyPr/>
+          <a:lstStyle/>
+          <a:p>
+            <a:fld id="{D57F1E4F-1CFF-5643-939E-217C01CDF565}" type="slidenum">
+              <a:rPr lang="en-US" smtClean="0"/>
+              <a:pPr/>
+              <a:t>30</a:t>
+            </a:fld>
+            <a:endParaRPr lang="en-US" dirty="0"/>
+          </a:p>
+        </p:txBody>
+      </p:sp>
+      <p:sp>
+        <p:nvSpPr>
+          <p:cNvPr id="7" name="TextBox 6">
+            <a:extLst>
+              <a:ext uri="{FF2B5EF4-FFF2-40B4-BE49-F238E27FC236}">
+                <a16:creationId xmlns:a16="http://schemas.microsoft.com/office/drawing/2014/main" id="{D87ED720-FADA-F44D-90C0-08F9476F5F2F}"/>
+              </a:ext>
+            </a:extLst>
+          </p:cNvPr>
+          <p:cNvSpPr txBox="1"/>
+          <p:nvPr/>
+        </p:nvSpPr>
+        <p:spPr>
+          <a:xfrm>
+            <a:off x="3831771" y="2102411"/>
+            <a:ext cx="1776448" cy="430887"/>
+          </a:xfrm>
+          <a:prstGeom prst="rect">
+            <a:avLst/>
+          </a:prstGeom>
+          <a:noFill/>
+          <a:ln w="57150">
+            <a:solidFill>
+              <a:srgbClr val="0070C0"/>
+            </a:solidFill>
+          </a:ln>
+        </p:spPr>
+        <p:txBody>
+          <a:bodyPr wrap="none" rtlCol="0">
+            <a:spAutoFit/>
+          </a:bodyPr>
+          <a:lstStyle/>
+          <a:p>
+            <a:r>
+              <a:rPr lang="en-US" sz="2200" dirty="0"/>
+              <a:t>a := a + b* 1.5</a:t>
+            </a:r>
+          </a:p>
+        </p:txBody>
+      </p:sp>
+      <p:sp>
+        <p:nvSpPr>
+          <p:cNvPr id="8" name="TextBox 7">
+            <a:extLst>
+              <a:ext uri="{FF2B5EF4-FFF2-40B4-BE49-F238E27FC236}">
+                <a16:creationId xmlns:a16="http://schemas.microsoft.com/office/drawing/2014/main" id="{BD20CF67-4216-404D-BD44-77F5CAE111F2}"/>
+              </a:ext>
+            </a:extLst>
+          </p:cNvPr>
+          <p:cNvSpPr txBox="1"/>
+          <p:nvPr/>
+        </p:nvSpPr>
+        <p:spPr>
+          <a:xfrm>
+            <a:off x="762000" y="3185088"/>
+            <a:ext cx="4365171" cy="2176943"/>
+          </a:xfrm>
+          <a:custGeom>
+            <a:avLst/>
+            <a:gdLst>
+              <a:gd name="connsiteX0" fmla="*/ 0 w 4365171"/>
+              <a:gd name="connsiteY0" fmla="*/ 0 h 2176943"/>
+              <a:gd name="connsiteX1" fmla="*/ 501995 w 4365171"/>
+              <a:gd name="connsiteY1" fmla="*/ 0 h 2176943"/>
+              <a:gd name="connsiteX2" fmla="*/ 916686 w 4365171"/>
+              <a:gd name="connsiteY2" fmla="*/ 0 h 2176943"/>
+              <a:gd name="connsiteX3" fmla="*/ 1549636 w 4365171"/>
+              <a:gd name="connsiteY3" fmla="*/ 0 h 2176943"/>
+              <a:gd name="connsiteX4" fmla="*/ 2051630 w 4365171"/>
+              <a:gd name="connsiteY4" fmla="*/ 0 h 2176943"/>
+              <a:gd name="connsiteX5" fmla="*/ 2553625 w 4365171"/>
+              <a:gd name="connsiteY5" fmla="*/ 0 h 2176943"/>
+              <a:gd name="connsiteX6" fmla="*/ 3186575 w 4365171"/>
+              <a:gd name="connsiteY6" fmla="*/ 0 h 2176943"/>
+              <a:gd name="connsiteX7" fmla="*/ 3644918 w 4365171"/>
+              <a:gd name="connsiteY7" fmla="*/ 0 h 2176943"/>
+              <a:gd name="connsiteX8" fmla="*/ 4365171 w 4365171"/>
+              <a:gd name="connsiteY8" fmla="*/ 0 h 2176943"/>
+              <a:gd name="connsiteX9" fmla="*/ 4365171 w 4365171"/>
+              <a:gd name="connsiteY9" fmla="*/ 587775 h 2176943"/>
+              <a:gd name="connsiteX10" fmla="*/ 4365171 w 4365171"/>
+              <a:gd name="connsiteY10" fmla="*/ 1088472 h 2176943"/>
+              <a:gd name="connsiteX11" fmla="*/ 4365171 w 4365171"/>
+              <a:gd name="connsiteY11" fmla="*/ 1632707 h 2176943"/>
+              <a:gd name="connsiteX12" fmla="*/ 4365171 w 4365171"/>
+              <a:gd name="connsiteY12" fmla="*/ 2176943 h 2176943"/>
+              <a:gd name="connsiteX13" fmla="*/ 3950480 w 4365171"/>
+              <a:gd name="connsiteY13" fmla="*/ 2176943 h 2176943"/>
+              <a:gd name="connsiteX14" fmla="*/ 3317530 w 4365171"/>
+              <a:gd name="connsiteY14" fmla="*/ 2176943 h 2176943"/>
+              <a:gd name="connsiteX15" fmla="*/ 2859187 w 4365171"/>
+              <a:gd name="connsiteY15" fmla="*/ 2176943 h 2176943"/>
+              <a:gd name="connsiteX16" fmla="*/ 2313541 w 4365171"/>
+              <a:gd name="connsiteY16" fmla="*/ 2176943 h 2176943"/>
+              <a:gd name="connsiteX17" fmla="*/ 1680591 w 4365171"/>
+              <a:gd name="connsiteY17" fmla="*/ 2176943 h 2176943"/>
+              <a:gd name="connsiteX18" fmla="*/ 1134944 w 4365171"/>
+              <a:gd name="connsiteY18" fmla="*/ 2176943 h 2176943"/>
+              <a:gd name="connsiteX19" fmla="*/ 720253 w 4365171"/>
+              <a:gd name="connsiteY19" fmla="*/ 2176943 h 2176943"/>
+              <a:gd name="connsiteX20" fmla="*/ 0 w 4365171"/>
+              <a:gd name="connsiteY20" fmla="*/ 2176943 h 2176943"/>
+              <a:gd name="connsiteX21" fmla="*/ 0 w 4365171"/>
+              <a:gd name="connsiteY21" fmla="*/ 1589168 h 2176943"/>
+              <a:gd name="connsiteX22" fmla="*/ 0 w 4365171"/>
+              <a:gd name="connsiteY22" fmla="*/ 1001394 h 2176943"/>
+              <a:gd name="connsiteX23" fmla="*/ 0 w 4365171"/>
+              <a:gd name="connsiteY23" fmla="*/ 0 h 2176943"/>
+            </a:gdLst>
+            <a:ahLst/>
+            <a:cxnLst>
+              <a:cxn ang="0">
+                <a:pos x="connsiteX0" y="connsiteY0"/>
+              </a:cxn>
+              <a:cxn ang="0">
+                <a:pos x="connsiteX1" y="connsiteY1"/>
+              </a:cxn>
+              <a:cxn ang="0">
+                <a:pos x="connsiteX2" y="connsiteY2"/>
+              </a:cxn>
+              <a:cxn ang="0">
+                <a:pos x="connsiteX3" y="connsiteY3"/>
+              </a:cxn>
+              <a:cxn ang="0">
+                <a:pos x="connsiteX4" y="connsiteY4"/>
+              </a:cxn>
+              <a:cxn ang="0">
+                <a:pos x="connsiteX5" y="connsiteY5"/>
+              </a:cxn>
+              <a:cxn ang="0">
+                <a:pos x="connsiteX6" y="connsiteY6"/>
+              </a:cxn>
+              <a:cxn ang="0">
+                <a:pos x="connsiteX7" y="connsiteY7"/>
+              </a:cxn>
+              <a:cxn ang="0">
+                <a:pos x="connsiteX8" y="connsiteY8"/>
+              </a:cxn>
+              <a:cxn ang="0">
+                <a:pos x="connsiteX9" y="connsiteY9"/>
+              </a:cxn>
+              <a:cxn ang="0">
+                <a:pos x="connsiteX10" y="connsiteY10"/>
+              </a:cxn>
+              <a:cxn ang="0">
+                <a:pos x="connsiteX11" y="connsiteY11"/>
+              </a:cxn>
+              <a:cxn ang="0">
+                <a:pos x="connsiteX12" y="connsiteY12"/>
+              </a:cxn>
+              <a:cxn ang="0">
+                <a:pos x="connsiteX13" y="connsiteY13"/>
+              </a:cxn>
+              <a:cxn ang="0">
+                <a:pos x="connsiteX14" y="connsiteY14"/>
+              </a:cxn>
+              <a:cxn ang="0">
+                <a:pos x="connsiteX15" y="connsiteY15"/>
+              </a:cxn>
+              <a:cxn ang="0">
+                <a:pos x="connsiteX16" y="connsiteY16"/>
+              </a:cxn>
+              <a:cxn ang="0">
+                <a:pos x="connsiteX17" y="connsiteY17"/>
+              </a:cxn>
+              <a:cxn ang="0">
+                <a:pos x="connsiteX18" y="connsiteY18"/>
+              </a:cxn>
+              <a:cxn ang="0">
+                <a:pos x="connsiteX19" y="connsiteY19"/>
+              </a:cxn>
+              <a:cxn ang="0">
+                <a:pos x="connsiteX20" y="connsiteY20"/>
+              </a:cxn>
+              <a:cxn ang="0">
+                <a:pos x="connsiteX21" y="connsiteY21"/>
+              </a:cxn>
+              <a:cxn ang="0">
+                <a:pos x="connsiteX22" y="connsiteY22"/>
+              </a:cxn>
+              <a:cxn ang="0">
+                <a:pos x="connsiteX23" y="connsiteY23"/>
+              </a:cxn>
+            </a:cxnLst>
+            <a:rect l="l" t="t" r="r" b="b"/>
+            <a:pathLst>
+              <a:path w="4365171" h="2176943" extrusionOk="0">
+                <a:moveTo>
+                  <a:pt x="0" y="0"/>
+                </a:moveTo>
+                <a:cubicBezTo>
+                  <a:pt x="132187" y="-8083"/>
+                  <a:pt x="254783" y="15030"/>
+                  <a:pt x="501995" y="0"/>
+                </a:cubicBezTo>
+                <a:cubicBezTo>
+                  <a:pt x="749208" y="-15030"/>
+                  <a:pt x="796141" y="10047"/>
+                  <a:pt x="916686" y="0"/>
+                </a:cubicBezTo>
+                <a:cubicBezTo>
+                  <a:pt x="1037231" y="-10047"/>
+                  <a:pt x="1277515" y="44483"/>
+                  <a:pt x="1549636" y="0"/>
+                </a:cubicBezTo>
+                <a:cubicBezTo>
+                  <a:pt x="1821757" y="-44483"/>
+                  <a:pt x="1821460" y="27460"/>
+                  <a:pt x="2051630" y="0"/>
+                </a:cubicBezTo>
+                <a:cubicBezTo>
+                  <a:pt x="2281800" y="-27460"/>
+                  <a:pt x="2314339" y="44829"/>
+                  <a:pt x="2553625" y="0"/>
+                </a:cubicBezTo>
+                <a:cubicBezTo>
+                  <a:pt x="2792912" y="-44829"/>
+                  <a:pt x="3047778" y="60169"/>
+                  <a:pt x="3186575" y="0"/>
+                </a:cubicBezTo>
+                <a:cubicBezTo>
+                  <a:pt x="3325372" y="-60169"/>
+                  <a:pt x="3525535" y="12740"/>
+                  <a:pt x="3644918" y="0"/>
+                </a:cubicBezTo>
+                <a:cubicBezTo>
+                  <a:pt x="3764301" y="-12740"/>
+                  <a:pt x="4099916" y="26746"/>
+                  <a:pt x="4365171" y="0"/>
+                </a:cubicBezTo>
+                <a:cubicBezTo>
+                  <a:pt x="4378667" y="215190"/>
+                  <a:pt x="4298625" y="386899"/>
+                  <a:pt x="4365171" y="587775"/>
+                </a:cubicBezTo>
+                <a:cubicBezTo>
+                  <a:pt x="4431717" y="788652"/>
+                  <a:pt x="4332643" y="980827"/>
+                  <a:pt x="4365171" y="1088472"/>
+                </a:cubicBezTo>
+                <a:cubicBezTo>
+                  <a:pt x="4397699" y="1196117"/>
+                  <a:pt x="4308758" y="1509033"/>
+                  <a:pt x="4365171" y="1632707"/>
+                </a:cubicBezTo>
+                <a:cubicBezTo>
+                  <a:pt x="4421584" y="1756381"/>
+                  <a:pt x="4332416" y="2034008"/>
+                  <a:pt x="4365171" y="2176943"/>
+                </a:cubicBezTo>
+                <a:cubicBezTo>
+                  <a:pt x="4207559" y="2224394"/>
+                  <a:pt x="4048508" y="2174275"/>
+                  <a:pt x="3950480" y="2176943"/>
+                </a:cubicBezTo>
+                <a:cubicBezTo>
+                  <a:pt x="3852452" y="2179611"/>
+                  <a:pt x="3621152" y="2149704"/>
+                  <a:pt x="3317530" y="2176943"/>
+                </a:cubicBezTo>
+                <a:cubicBezTo>
+                  <a:pt x="3013908" y="2204182"/>
+                  <a:pt x="2965913" y="2156804"/>
+                  <a:pt x="2859187" y="2176943"/>
+                </a:cubicBezTo>
+                <a:cubicBezTo>
+                  <a:pt x="2752461" y="2197082"/>
+                  <a:pt x="2490612" y="2117895"/>
+                  <a:pt x="2313541" y="2176943"/>
+                </a:cubicBezTo>
+                <a:cubicBezTo>
+                  <a:pt x="2136470" y="2235991"/>
+                  <a:pt x="1903058" y="2119047"/>
+                  <a:pt x="1680591" y="2176943"/>
+                </a:cubicBezTo>
+                <a:cubicBezTo>
+                  <a:pt x="1458124" y="2234839"/>
+                  <a:pt x="1374134" y="2170065"/>
+                  <a:pt x="1134944" y="2176943"/>
+                </a:cubicBezTo>
+                <a:cubicBezTo>
+                  <a:pt x="895754" y="2183821"/>
+                  <a:pt x="891995" y="2174307"/>
+                  <a:pt x="720253" y="2176943"/>
+                </a:cubicBezTo>
+                <a:cubicBezTo>
+                  <a:pt x="548511" y="2179579"/>
+                  <a:pt x="144885" y="2159017"/>
+                  <a:pt x="0" y="2176943"/>
+                </a:cubicBezTo>
+                <a:cubicBezTo>
+                  <a:pt x="-25594" y="1990430"/>
+                  <a:pt x="69185" y="1787891"/>
+                  <a:pt x="0" y="1589168"/>
+                </a:cubicBezTo>
+                <a:cubicBezTo>
+                  <a:pt x="-69185" y="1390445"/>
+                  <a:pt x="54789" y="1288560"/>
+                  <a:pt x="0" y="1001394"/>
+                </a:cubicBezTo>
+                <a:cubicBezTo>
+                  <a:pt x="-54789" y="714228"/>
+                  <a:pt x="5891" y="364800"/>
+                  <a:pt x="0" y="0"/>
+                </a:cubicBezTo>
+                <a:close/>
+              </a:path>
+            </a:pathLst>
+          </a:custGeom>
+          <a:noFill/>
+          <a:ln w="57150" cmpd="tri">
+            <a:solidFill>
+              <a:srgbClr val="FFC000"/>
+            </a:solidFill>
+            <a:extLst>
+              <a:ext uri="{C807C97D-BFC1-408E-A445-0C87EB9F89A2}">
+                <ask:lineSketchStyleProps xmlns:ask="http://schemas.microsoft.com/office/drawing/2018/sketchyshapes" sd="1219033472">
+                  <a:prstGeom prst="rect">
+                    <a:avLst/>
+                  </a:prstGeom>
+                  <ask:type>
+                    <ask:lineSketchScribble/>
+                  </ask:type>
+                </ask:lineSketchStyleProps>
+              </a:ext>
+            </a:extLst>
+          </a:ln>
+        </p:spPr>
+        <p:txBody>
+          <a:bodyPr wrap="square" rtlCol="0">
+            <a:spAutoFit/>
+          </a:bodyPr>
+          <a:lstStyle/>
+          <a:p>
+            <a:pPr marL="457200" indent="-457200">
+              <a:lnSpc>
+                <a:spcPct val="125000"/>
+              </a:lnSpc>
+              <a:buFont typeface="+mj-lt"/>
+              <a:buAutoNum type="arabicPeriod"/>
+            </a:pPr>
+            <a:r>
+              <a:rPr lang="en-US" sz="2200" dirty="0" err="1"/>
+              <a:t>fload</a:t>
+            </a:r>
+            <a:r>
+              <a:rPr lang="en-US" sz="2200" dirty="0"/>
+              <a:t>    freg1, __ , #AB100</a:t>
+            </a:r>
+          </a:p>
+          <a:p>
+            <a:pPr marL="457200" indent="-457200">
+              <a:lnSpc>
+                <a:spcPct val="125000"/>
+              </a:lnSpc>
+              <a:buFont typeface="+mj-lt"/>
+              <a:buAutoNum type="arabicPeriod"/>
+            </a:pPr>
+            <a:r>
+              <a:rPr lang="en-US" sz="2200" dirty="0" err="1"/>
+              <a:t>fload</a:t>
+            </a:r>
+            <a:r>
+              <a:rPr lang="en-US" sz="2200" dirty="0"/>
+              <a:t>    freg2, __ , #AB104</a:t>
+            </a:r>
+          </a:p>
+          <a:p>
+            <a:pPr marL="457200" indent="-457200">
+              <a:lnSpc>
+                <a:spcPct val="125000"/>
+              </a:lnSpc>
+              <a:buFont typeface="+mj-lt"/>
+              <a:buAutoNum type="arabicPeriod"/>
+            </a:pPr>
+            <a:r>
+              <a:rPr lang="en-US" sz="2200" dirty="0" err="1"/>
+              <a:t>fmul</a:t>
+            </a:r>
+            <a:r>
+              <a:rPr lang="en-US" sz="2200" dirty="0"/>
+              <a:t>     freg3, freg2 , 1.5</a:t>
+            </a:r>
+          </a:p>
+          <a:p>
+            <a:pPr marL="457200" indent="-457200">
+              <a:lnSpc>
+                <a:spcPct val="125000"/>
+              </a:lnSpc>
+              <a:buFont typeface="+mj-lt"/>
+              <a:buAutoNum type="arabicPeriod"/>
+            </a:pPr>
+            <a:r>
+              <a:rPr lang="en-US" sz="2200" dirty="0" err="1"/>
+              <a:t>fadd</a:t>
+            </a:r>
+            <a:r>
+              <a:rPr lang="en-US" sz="2200" dirty="0"/>
+              <a:t>     freg4 , freg1 , freg3</a:t>
+            </a:r>
+          </a:p>
+          <a:p>
+            <a:pPr marL="457200" indent="-457200">
+              <a:lnSpc>
+                <a:spcPct val="125000"/>
+              </a:lnSpc>
+              <a:buFont typeface="+mj-lt"/>
+              <a:buAutoNum type="arabicPeriod"/>
+            </a:pPr>
+            <a:r>
+              <a:rPr lang="en-US" sz="2200" dirty="0" err="1"/>
+              <a:t>fstore</a:t>
+            </a:r>
+            <a:r>
+              <a:rPr lang="en-US" sz="2200" dirty="0"/>
+              <a:t>  #AB100 , __ , freg4</a:t>
+            </a:r>
+          </a:p>
+        </p:txBody>
+      </p:sp>
+      <p:sp>
+        <p:nvSpPr>
+          <p:cNvPr id="10" name="Right Arrow 9">
+            <a:extLst>
+              <a:ext uri="{FF2B5EF4-FFF2-40B4-BE49-F238E27FC236}">
+                <a16:creationId xmlns:a16="http://schemas.microsoft.com/office/drawing/2014/main" id="{5729A59F-90F0-D549-8E5D-6B30E625812B}"/>
+              </a:ext>
+            </a:extLst>
+          </p:cNvPr>
+          <p:cNvSpPr/>
+          <p:nvPr/>
+        </p:nvSpPr>
+        <p:spPr>
+          <a:xfrm>
+            <a:off x="5542905" y="3738226"/>
+            <a:ext cx="1230086" cy="849085"/>
+          </a:xfrm>
+          <a:prstGeom prst="rightArrow">
+            <a:avLst/>
+          </a:prstGeom>
+          <a:noFill/>
+          <a:ln w="76200"/>
+        </p:spPr>
+        <p:style>
+          <a:lnRef idx="2">
+            <a:schemeClr val="accent1">
+              <a:shade val="50000"/>
+            </a:schemeClr>
+          </a:lnRef>
+          <a:fillRef idx="1">
+            <a:schemeClr val="accent1"/>
+          </a:fillRef>
+          <a:effectRef idx="0">
+            <a:schemeClr val="accent1"/>
+          </a:effectRef>
+          <a:fontRef idx="minor">
+            <a:schemeClr val="lt1"/>
+          </a:fontRef>
+        </p:style>
+        <p:txBody>
+          <a:bodyPr rtlCol="0" anchor="ctr"/>
+          <a:lstStyle/>
+          <a:p>
+            <a:pPr algn="ctr"/>
+            <a:endParaRPr lang="en-US"/>
+          </a:p>
+        </p:txBody>
+      </p:sp>
+      <p:sp>
+        <p:nvSpPr>
+          <p:cNvPr id="11" name="TextBox 10">
+            <a:extLst>
+              <a:ext uri="{FF2B5EF4-FFF2-40B4-BE49-F238E27FC236}">
+                <a16:creationId xmlns:a16="http://schemas.microsoft.com/office/drawing/2014/main" id="{DB8F621C-D846-F649-9BB6-64FF619857D9}"/>
+              </a:ext>
+            </a:extLst>
+          </p:cNvPr>
+          <p:cNvSpPr txBox="1"/>
+          <p:nvPr/>
+        </p:nvSpPr>
+        <p:spPr>
+          <a:xfrm>
+            <a:off x="7064829" y="3185087"/>
+            <a:ext cx="4365171" cy="1753750"/>
+          </a:xfrm>
+          <a:custGeom>
+            <a:avLst/>
+            <a:gdLst>
+              <a:gd name="connsiteX0" fmla="*/ 0 w 4365171"/>
+              <a:gd name="connsiteY0" fmla="*/ 0 h 1753750"/>
+              <a:gd name="connsiteX1" fmla="*/ 501995 w 4365171"/>
+              <a:gd name="connsiteY1" fmla="*/ 0 h 1753750"/>
+              <a:gd name="connsiteX2" fmla="*/ 916686 w 4365171"/>
+              <a:gd name="connsiteY2" fmla="*/ 0 h 1753750"/>
+              <a:gd name="connsiteX3" fmla="*/ 1549636 w 4365171"/>
+              <a:gd name="connsiteY3" fmla="*/ 0 h 1753750"/>
+              <a:gd name="connsiteX4" fmla="*/ 2051630 w 4365171"/>
+              <a:gd name="connsiteY4" fmla="*/ 0 h 1753750"/>
+              <a:gd name="connsiteX5" fmla="*/ 2553625 w 4365171"/>
+              <a:gd name="connsiteY5" fmla="*/ 0 h 1753750"/>
+              <a:gd name="connsiteX6" fmla="*/ 3186575 w 4365171"/>
+              <a:gd name="connsiteY6" fmla="*/ 0 h 1753750"/>
+              <a:gd name="connsiteX7" fmla="*/ 3644918 w 4365171"/>
+              <a:gd name="connsiteY7" fmla="*/ 0 h 1753750"/>
+              <a:gd name="connsiteX8" fmla="*/ 4365171 w 4365171"/>
+              <a:gd name="connsiteY8" fmla="*/ 0 h 1753750"/>
+              <a:gd name="connsiteX9" fmla="*/ 4365171 w 4365171"/>
+              <a:gd name="connsiteY9" fmla="*/ 619658 h 1753750"/>
+              <a:gd name="connsiteX10" fmla="*/ 4365171 w 4365171"/>
+              <a:gd name="connsiteY10" fmla="*/ 1169167 h 1753750"/>
+              <a:gd name="connsiteX11" fmla="*/ 4365171 w 4365171"/>
+              <a:gd name="connsiteY11" fmla="*/ 1753750 h 1753750"/>
+              <a:gd name="connsiteX12" fmla="*/ 3775873 w 4365171"/>
+              <a:gd name="connsiteY12" fmla="*/ 1753750 h 1753750"/>
+              <a:gd name="connsiteX13" fmla="*/ 3142923 w 4365171"/>
+              <a:gd name="connsiteY13" fmla="*/ 1753750 h 1753750"/>
+              <a:gd name="connsiteX14" fmla="*/ 2509973 w 4365171"/>
+              <a:gd name="connsiteY14" fmla="*/ 1753750 h 1753750"/>
+              <a:gd name="connsiteX15" fmla="*/ 2051630 w 4365171"/>
+              <a:gd name="connsiteY15" fmla="*/ 1753750 h 1753750"/>
+              <a:gd name="connsiteX16" fmla="*/ 1505984 w 4365171"/>
+              <a:gd name="connsiteY16" fmla="*/ 1753750 h 1753750"/>
+              <a:gd name="connsiteX17" fmla="*/ 873034 w 4365171"/>
+              <a:gd name="connsiteY17" fmla="*/ 1753750 h 1753750"/>
+              <a:gd name="connsiteX18" fmla="*/ 0 w 4365171"/>
+              <a:gd name="connsiteY18" fmla="*/ 1753750 h 1753750"/>
+              <a:gd name="connsiteX19" fmla="*/ 0 w 4365171"/>
+              <a:gd name="connsiteY19" fmla="*/ 1221779 h 1753750"/>
+              <a:gd name="connsiteX20" fmla="*/ 0 w 4365171"/>
+              <a:gd name="connsiteY20" fmla="*/ 672271 h 1753750"/>
+              <a:gd name="connsiteX21" fmla="*/ 0 w 4365171"/>
+              <a:gd name="connsiteY21" fmla="*/ 0 h 1753750"/>
+            </a:gdLst>
+            <a:ahLst/>
+            <a:cxnLst>
+              <a:cxn ang="0">
+                <a:pos x="connsiteX0" y="connsiteY0"/>
+              </a:cxn>
+              <a:cxn ang="0">
+                <a:pos x="connsiteX1" y="connsiteY1"/>
+              </a:cxn>
+              <a:cxn ang="0">
+                <a:pos x="connsiteX2" y="connsiteY2"/>
+              </a:cxn>
+              <a:cxn ang="0">
+                <a:pos x="connsiteX3" y="connsiteY3"/>
+              </a:cxn>
+              <a:cxn ang="0">
+                <a:pos x="connsiteX4" y="connsiteY4"/>
+              </a:cxn>
+              <a:cxn ang="0">
+                <a:pos x="connsiteX5" y="connsiteY5"/>
+              </a:cxn>
+              <a:cxn ang="0">
+                <a:pos x="connsiteX6" y="connsiteY6"/>
+              </a:cxn>
+              <a:cxn ang="0">
+                <a:pos x="connsiteX7" y="connsiteY7"/>
+              </a:cxn>
+              <a:cxn ang="0">
+                <a:pos x="connsiteX8" y="connsiteY8"/>
+              </a:cxn>
+              <a:cxn ang="0">
+                <a:pos x="connsiteX9" y="connsiteY9"/>
+              </a:cxn>
+              <a:cxn ang="0">
+                <a:pos x="connsiteX10" y="connsiteY10"/>
+              </a:cxn>
+              <a:cxn ang="0">
+                <a:pos x="connsiteX11" y="connsiteY11"/>
+              </a:cxn>
+              <a:cxn ang="0">
+                <a:pos x="connsiteX12" y="connsiteY12"/>
+              </a:cxn>
+              <a:cxn ang="0">
+                <a:pos x="connsiteX13" y="connsiteY13"/>
+              </a:cxn>
+              <a:cxn ang="0">
+                <a:pos x="connsiteX14" y="connsiteY14"/>
+              </a:cxn>
+              <a:cxn ang="0">
+                <a:pos x="connsiteX15" y="connsiteY15"/>
+              </a:cxn>
+              <a:cxn ang="0">
+                <a:pos x="connsiteX16" y="connsiteY16"/>
+              </a:cxn>
+              <a:cxn ang="0">
+                <a:pos x="connsiteX17" y="connsiteY17"/>
+              </a:cxn>
+              <a:cxn ang="0">
+                <a:pos x="connsiteX18" y="connsiteY18"/>
+              </a:cxn>
+              <a:cxn ang="0">
+                <a:pos x="connsiteX19" y="connsiteY19"/>
+              </a:cxn>
+              <a:cxn ang="0">
+                <a:pos x="connsiteX20" y="connsiteY20"/>
+              </a:cxn>
+              <a:cxn ang="0">
+                <a:pos x="connsiteX21" y="connsiteY21"/>
+              </a:cxn>
+            </a:cxnLst>
+            <a:rect l="l" t="t" r="r" b="b"/>
+            <a:pathLst>
+              <a:path w="4365171" h="1753750" extrusionOk="0">
+                <a:moveTo>
+                  <a:pt x="0" y="0"/>
+                </a:moveTo>
+                <a:cubicBezTo>
+                  <a:pt x="132187" y="-8083"/>
+                  <a:pt x="254783" y="15030"/>
+                  <a:pt x="501995" y="0"/>
+                </a:cubicBezTo>
+                <a:cubicBezTo>
+                  <a:pt x="749208" y="-15030"/>
+                  <a:pt x="796141" y="10047"/>
+                  <a:pt x="916686" y="0"/>
+                </a:cubicBezTo>
+                <a:cubicBezTo>
+                  <a:pt x="1037231" y="-10047"/>
+                  <a:pt x="1277515" y="44483"/>
+                  <a:pt x="1549636" y="0"/>
+                </a:cubicBezTo>
+                <a:cubicBezTo>
+                  <a:pt x="1821757" y="-44483"/>
+                  <a:pt x="1821460" y="27460"/>
+                  <a:pt x="2051630" y="0"/>
+                </a:cubicBezTo>
+                <a:cubicBezTo>
+                  <a:pt x="2281800" y="-27460"/>
+                  <a:pt x="2314339" y="44829"/>
+                  <a:pt x="2553625" y="0"/>
+                </a:cubicBezTo>
+                <a:cubicBezTo>
+                  <a:pt x="2792912" y="-44829"/>
+                  <a:pt x="3047778" y="60169"/>
+                  <a:pt x="3186575" y="0"/>
+                </a:cubicBezTo>
+                <a:cubicBezTo>
+                  <a:pt x="3325372" y="-60169"/>
+                  <a:pt x="3525535" y="12740"/>
+                  <a:pt x="3644918" y="0"/>
+                </a:cubicBezTo>
+                <a:cubicBezTo>
+                  <a:pt x="3764301" y="-12740"/>
+                  <a:pt x="4099916" y="26746"/>
+                  <a:pt x="4365171" y="0"/>
+                </a:cubicBezTo>
+                <a:cubicBezTo>
+                  <a:pt x="4423722" y="252398"/>
+                  <a:pt x="4337413" y="446634"/>
+                  <a:pt x="4365171" y="619658"/>
+                </a:cubicBezTo>
+                <a:cubicBezTo>
+                  <a:pt x="4392929" y="792682"/>
+                  <a:pt x="4336493" y="956336"/>
+                  <a:pt x="4365171" y="1169167"/>
+                </a:cubicBezTo>
+                <a:cubicBezTo>
+                  <a:pt x="4393849" y="1381998"/>
+                  <a:pt x="4343998" y="1461736"/>
+                  <a:pt x="4365171" y="1753750"/>
+                </a:cubicBezTo>
+                <a:cubicBezTo>
+                  <a:pt x="4203047" y="1777194"/>
+                  <a:pt x="3983683" y="1748732"/>
+                  <a:pt x="3775873" y="1753750"/>
+                </a:cubicBezTo>
+                <a:cubicBezTo>
+                  <a:pt x="3568063" y="1758768"/>
+                  <a:pt x="3294769" y="1684100"/>
+                  <a:pt x="3142923" y="1753750"/>
+                </a:cubicBezTo>
+                <a:cubicBezTo>
+                  <a:pt x="2991077" y="1823400"/>
+                  <a:pt x="2813595" y="1726511"/>
+                  <a:pt x="2509973" y="1753750"/>
+                </a:cubicBezTo>
+                <a:cubicBezTo>
+                  <a:pt x="2206351" y="1780989"/>
+                  <a:pt x="2158356" y="1733611"/>
+                  <a:pt x="2051630" y="1753750"/>
+                </a:cubicBezTo>
+                <a:cubicBezTo>
+                  <a:pt x="1944904" y="1773889"/>
+                  <a:pt x="1683055" y="1694702"/>
+                  <a:pt x="1505984" y="1753750"/>
+                </a:cubicBezTo>
+                <a:cubicBezTo>
+                  <a:pt x="1328913" y="1812798"/>
+                  <a:pt x="1095501" y="1695854"/>
+                  <a:pt x="873034" y="1753750"/>
+                </a:cubicBezTo>
+                <a:cubicBezTo>
+                  <a:pt x="650567" y="1811646"/>
+                  <a:pt x="327756" y="1679894"/>
+                  <a:pt x="0" y="1753750"/>
+                </a:cubicBezTo>
+                <a:cubicBezTo>
+                  <a:pt x="-40813" y="1513160"/>
+                  <a:pt x="62618" y="1364044"/>
+                  <a:pt x="0" y="1221779"/>
+                </a:cubicBezTo>
+                <a:cubicBezTo>
+                  <a:pt x="-62618" y="1079514"/>
+                  <a:pt x="36440" y="893419"/>
+                  <a:pt x="0" y="672271"/>
+                </a:cubicBezTo>
+                <a:cubicBezTo>
+                  <a:pt x="-36440" y="451123"/>
+                  <a:pt x="15114" y="334067"/>
+                  <a:pt x="0" y="0"/>
+                </a:cubicBezTo>
+                <a:close/>
+              </a:path>
+            </a:pathLst>
+          </a:custGeom>
+          <a:noFill/>
+          <a:ln w="57150" cmpd="tri">
+            <a:solidFill>
+              <a:srgbClr val="FFC000"/>
+            </a:solidFill>
+            <a:extLst>
+              <a:ext uri="{C807C97D-BFC1-408E-A445-0C87EB9F89A2}">
+                <ask:lineSketchStyleProps xmlns:ask="http://schemas.microsoft.com/office/drawing/2018/sketchyshapes" sd="1219033472">
+                  <a:prstGeom prst="rect">
+                    <a:avLst/>
+                  </a:prstGeom>
+                  <ask:type>
+                    <ask:lineSketchScribble/>
+                  </ask:type>
+                </ask:lineSketchStyleProps>
+              </a:ext>
+            </a:extLst>
+          </a:ln>
+        </p:spPr>
+        <p:txBody>
+          <a:bodyPr wrap="square" rtlCol="0">
+            <a:spAutoFit/>
+          </a:bodyPr>
+          <a:lstStyle/>
+          <a:p>
+            <a:pPr marL="457200" indent="-457200">
+              <a:lnSpc>
+                <a:spcPct val="125000"/>
+              </a:lnSpc>
+              <a:buFont typeface="+mj-lt"/>
+              <a:buAutoNum type="arabicPeriod"/>
+            </a:pPr>
+            <a:r>
+              <a:rPr lang="en-US" sz="2200" dirty="0" err="1"/>
+              <a:t>fload</a:t>
+            </a:r>
+            <a:r>
+              <a:rPr lang="en-US" sz="2200" dirty="0"/>
+              <a:t>    freg1, __ , #AB100</a:t>
+            </a:r>
+          </a:p>
+          <a:p>
+            <a:pPr marL="457200" indent="-457200">
+              <a:lnSpc>
+                <a:spcPct val="125000"/>
+              </a:lnSpc>
+              <a:buFont typeface="+mj-lt"/>
+              <a:buAutoNum type="arabicPeriod"/>
+            </a:pPr>
+            <a:r>
+              <a:rPr lang="en-US" sz="2200" dirty="0" err="1"/>
+              <a:t>fload</a:t>
+            </a:r>
+            <a:r>
+              <a:rPr lang="en-US" sz="2200" dirty="0"/>
+              <a:t>    freg2, __ , #AB104</a:t>
+            </a:r>
+          </a:p>
+          <a:p>
+            <a:pPr marL="457200" indent="-457200">
+              <a:lnSpc>
+                <a:spcPct val="125000"/>
+              </a:lnSpc>
+              <a:buFont typeface="+mj-lt"/>
+              <a:buAutoNum type="arabicPeriod"/>
+            </a:pPr>
+            <a:r>
+              <a:rPr lang="en-US" sz="2200" dirty="0" err="1"/>
+              <a:t>fmadd</a:t>
+            </a:r>
+            <a:r>
+              <a:rPr lang="en-US" sz="2200" dirty="0"/>
+              <a:t>     freg1 , freg2 , 1.5</a:t>
+            </a:r>
+          </a:p>
+          <a:p>
+            <a:pPr marL="457200" indent="-457200">
+              <a:lnSpc>
+                <a:spcPct val="125000"/>
+              </a:lnSpc>
+              <a:buFont typeface="+mj-lt"/>
+              <a:buAutoNum type="arabicPeriod"/>
+            </a:pPr>
+            <a:r>
+              <a:rPr lang="en-US" sz="2200" dirty="0" err="1"/>
+              <a:t>fstore</a:t>
+            </a:r>
+            <a:r>
+              <a:rPr lang="en-US" sz="2200" dirty="0"/>
+              <a:t>  #AB100 , __ , freg1</a:t>
+            </a:r>
+          </a:p>
+        </p:txBody>
+      </p:sp>
+    </p:spTree>
+    <p:extLst>
+      <p:ext uri="{BB962C8B-B14F-4D97-AF65-F5344CB8AC3E}">
+        <p14:creationId xmlns:p14="http://schemas.microsoft.com/office/powerpoint/2010/main" val="2752436609"/>
+      </p:ext>
+    </p:extLst>
+  </p:cSld>
+  <p:clrMapOvr>
+    <a:masterClrMapping/>
+  </p:clrMapOvr>
+</p:sld>
+</file>
+
 <file path=ppt/slides/slide4.xml><?xml version="1.0" encoding="utf-8"?>
 <p:sld xmlns:a="http://schemas.openxmlformats.org/drawingml/2006/main" xmlns:r="http://schemas.openxmlformats.org/officeDocument/2006/relationships" xmlns:p="http://schemas.openxmlformats.org/presentationml/2006/main">
   <p:cSld>
@@ -26442,7 +27024,7 @@
           <p:cNvPr id="2" name="Title 1">
             <a:extLst>
               <a:ext uri="{FF2B5EF4-FFF2-40B4-BE49-F238E27FC236}">
-                <a16:creationId xmlns:a16="http://schemas.microsoft.com/office/drawing/2014/main" id="{1C67F4F8-94CE-0545-8737-76BE1AA94B9D}"/>
+                <a16:creationId xmlns:a16="http://schemas.microsoft.com/office/drawing/2014/main" id="{B80BD0B6-C0B5-C648-AA09-DBF53F1FCBC1}"/>
               </a:ext>
             </a:extLst>
           </p:cNvPr>
@@ -26460,7 +27042,7 @@
           <a:p>
             <a:r>
               <a:rPr lang="en-US" dirty="0"/>
-              <a:t>Classification</a:t>
+              <a:t>Examples of Programming Languages</a:t>
             </a:r>
           </a:p>
         </p:txBody>
@@ -26470,7 +27052,7 @@
           <p:cNvPr id="4" name="Footer Placeholder 3">
             <a:extLst>
               <a:ext uri="{FF2B5EF4-FFF2-40B4-BE49-F238E27FC236}">
-                <a16:creationId xmlns:a16="http://schemas.microsoft.com/office/drawing/2014/main" id="{49AD7FC0-46B2-7646-A542-4E8B22C54FB7}"/>
+                <a16:creationId xmlns:a16="http://schemas.microsoft.com/office/drawing/2014/main" id="{FCFD4E4B-4172-6C45-831E-30EEC478FAC4}"/>
               </a:ext>
             </a:extLst>
           </p:cNvPr>
@@ -26499,7 +27081,7 @@
           <p:cNvPr id="5" name="Slide Number Placeholder 4">
             <a:extLst>
               <a:ext uri="{FF2B5EF4-FFF2-40B4-BE49-F238E27FC236}">
-                <a16:creationId xmlns:a16="http://schemas.microsoft.com/office/drawing/2014/main" id="{DEB0DBA7-5166-104D-9C39-C284CA97320E}"/>
+                <a16:creationId xmlns:a16="http://schemas.microsoft.com/office/drawing/2014/main" id="{04048A20-93C7-C34F-B05C-802A4726BCEF}"/>
               </a:ext>
             </a:extLst>
           </p:cNvPr>
@@ -26519,6 +27101,1612 @@
               <a:rPr lang="en-US" smtClean="0"/>
               <a:pPr/>
               <a:t>8</a:t>
+            </a:fld>
+            <a:endParaRPr lang="en-US" dirty="0"/>
+          </a:p>
+        </p:txBody>
+      </p:sp>
+      <p:sp>
+        <p:nvSpPr>
+          <p:cNvPr id="6" name="TextBox 5">
+            <a:extLst>
+              <a:ext uri="{FF2B5EF4-FFF2-40B4-BE49-F238E27FC236}">
+                <a16:creationId xmlns:a16="http://schemas.microsoft.com/office/drawing/2014/main" id="{6FA0146A-DE07-164A-89E8-FEEDB0D3F00F}"/>
+              </a:ext>
+            </a:extLst>
+          </p:cNvPr>
+          <p:cNvSpPr txBox="1"/>
+          <p:nvPr/>
+        </p:nvSpPr>
+        <p:spPr>
+          <a:xfrm>
+            <a:off x="287351" y="1568164"/>
+            <a:ext cx="4419601" cy="2246769"/>
+          </a:xfrm>
+          <a:prstGeom prst="rect">
+            <a:avLst/>
+          </a:prstGeom>
+          <a:noFill/>
+        </p:spPr>
+        <p:txBody>
+          <a:bodyPr wrap="square" rtlCol="0">
+            <a:spAutoFit/>
+          </a:bodyPr>
+          <a:lstStyle/>
+          <a:p>
+            <a:r>
+              <a:rPr lang="en-US" sz="1400" dirty="0">
+                <a:latin typeface="Consolas" panose="020B0609020204030204" pitchFamily="49" charset="0"/>
+                <a:cs typeface="Consolas" panose="020B0609020204030204" pitchFamily="49" charset="0"/>
+              </a:rPr>
+              <a:t>void </a:t>
+            </a:r>
+            <a:r>
+              <a:rPr lang="en-US" sz="1400" dirty="0" err="1">
+                <a:latin typeface="Consolas" panose="020B0609020204030204" pitchFamily="49" charset="0"/>
+                <a:cs typeface="Consolas" panose="020B0609020204030204" pitchFamily="49" charset="0"/>
+              </a:rPr>
+              <a:t>PrintArray</a:t>
+            </a:r>
+            <a:r>
+              <a:rPr lang="en-US" sz="1400" dirty="0">
+                <a:latin typeface="Consolas" panose="020B0609020204030204" pitchFamily="49" charset="0"/>
+                <a:cs typeface="Consolas" panose="020B0609020204030204" pitchFamily="49" charset="0"/>
+              </a:rPr>
+              <a:t>(int a) { </a:t>
+            </a:r>
+          </a:p>
+          <a:p>
+            <a:r>
+              <a:rPr lang="en-US" sz="1400" dirty="0">
+                <a:latin typeface="Consolas" panose="020B0609020204030204" pitchFamily="49" charset="0"/>
+                <a:cs typeface="Consolas" panose="020B0609020204030204" pitchFamily="49" charset="0"/>
+              </a:rPr>
+              <a:t>  </a:t>
+            </a:r>
+            <a:r>
+              <a:rPr lang="en-US" sz="1400" dirty="0" err="1">
+                <a:latin typeface="Consolas" panose="020B0609020204030204" pitchFamily="49" charset="0"/>
+                <a:cs typeface="Consolas" panose="020B0609020204030204" pitchFamily="49" charset="0"/>
+              </a:rPr>
+              <a:t>printf</a:t>
+            </a:r>
+            <a:r>
+              <a:rPr lang="en-US" sz="1400" dirty="0">
+                <a:latin typeface="Consolas" panose="020B0609020204030204" pitchFamily="49" charset="0"/>
+                <a:cs typeface="Consolas" panose="020B0609020204030204" pitchFamily="49" charset="0"/>
+              </a:rPr>
+              <a:t>("Array Element = %d \n", a); </a:t>
+            </a:r>
+          </a:p>
+          <a:p>
+            <a:r>
+              <a:rPr lang="en-US" sz="1400" dirty="0">
+                <a:latin typeface="Consolas" panose="020B0609020204030204" pitchFamily="49" charset="0"/>
+                <a:cs typeface="Consolas" panose="020B0609020204030204" pitchFamily="49" charset="0"/>
+              </a:rPr>
+              <a:t>} </a:t>
+            </a:r>
+          </a:p>
+          <a:p>
+            <a:r>
+              <a:rPr lang="en-US" sz="1400" dirty="0">
+                <a:latin typeface="Consolas" panose="020B0609020204030204" pitchFamily="49" charset="0"/>
+                <a:cs typeface="Consolas" panose="020B0609020204030204" pitchFamily="49" charset="0"/>
+              </a:rPr>
+              <a:t>int main() { </a:t>
+            </a:r>
+          </a:p>
+          <a:p>
+            <a:r>
+              <a:rPr lang="en-US" sz="1400" dirty="0">
+                <a:latin typeface="Consolas" panose="020B0609020204030204" pitchFamily="49" charset="0"/>
+                <a:cs typeface="Consolas" panose="020B0609020204030204" pitchFamily="49" charset="0"/>
+              </a:rPr>
+              <a:t> int array[] = {1, 2, 3, 4, 5, 6}; </a:t>
+            </a:r>
+          </a:p>
+          <a:p>
+            <a:r>
+              <a:rPr lang="en-US" sz="1400" dirty="0">
+                <a:latin typeface="Consolas" panose="020B0609020204030204" pitchFamily="49" charset="0"/>
+                <a:cs typeface="Consolas" panose="020B0609020204030204" pitchFamily="49" charset="0"/>
+              </a:rPr>
+              <a:t> for (int </a:t>
+            </a:r>
+            <a:r>
+              <a:rPr lang="en-US" sz="1400" dirty="0" err="1">
+                <a:latin typeface="Consolas" panose="020B0609020204030204" pitchFamily="49" charset="0"/>
+                <a:cs typeface="Consolas" panose="020B0609020204030204" pitchFamily="49" charset="0"/>
+              </a:rPr>
+              <a:t>i</a:t>
+            </a:r>
+            <a:r>
+              <a:rPr lang="en-US" sz="1400" dirty="0">
+                <a:latin typeface="Consolas" panose="020B0609020204030204" pitchFamily="49" charset="0"/>
+                <a:cs typeface="Consolas" panose="020B0609020204030204" pitchFamily="49" charset="0"/>
+              </a:rPr>
+              <a:t> = 0; </a:t>
+            </a:r>
+            <a:r>
+              <a:rPr lang="en-US" sz="1400" dirty="0" err="1">
+                <a:latin typeface="Consolas" panose="020B0609020204030204" pitchFamily="49" charset="0"/>
+                <a:cs typeface="Consolas" panose="020B0609020204030204" pitchFamily="49" charset="0"/>
+              </a:rPr>
+              <a:t>i</a:t>
+            </a:r>
+            <a:r>
+              <a:rPr lang="en-US" sz="1400" dirty="0">
+                <a:latin typeface="Consolas" panose="020B0609020204030204" pitchFamily="49" charset="0"/>
+                <a:cs typeface="Consolas" panose="020B0609020204030204" pitchFamily="49" charset="0"/>
+              </a:rPr>
+              <a:t> &lt; 6; </a:t>
+            </a:r>
+            <a:r>
+              <a:rPr lang="en-US" sz="1400" dirty="0" err="1">
+                <a:latin typeface="Consolas" panose="020B0609020204030204" pitchFamily="49" charset="0"/>
+                <a:cs typeface="Consolas" panose="020B0609020204030204" pitchFamily="49" charset="0"/>
+              </a:rPr>
+              <a:t>i</a:t>
+            </a:r>
+            <a:r>
+              <a:rPr lang="en-US" sz="1400" dirty="0">
+                <a:latin typeface="Consolas" panose="020B0609020204030204" pitchFamily="49" charset="0"/>
+                <a:cs typeface="Consolas" panose="020B0609020204030204" pitchFamily="49" charset="0"/>
+              </a:rPr>
+              <a:t>++) {   </a:t>
+            </a:r>
+          </a:p>
+          <a:p>
+            <a:r>
+              <a:rPr lang="en-US" sz="1400" dirty="0">
+                <a:latin typeface="Consolas" panose="020B0609020204030204" pitchFamily="49" charset="0"/>
+                <a:cs typeface="Consolas" panose="020B0609020204030204" pitchFamily="49" charset="0"/>
+              </a:rPr>
+              <a:t>  </a:t>
+            </a:r>
+            <a:r>
+              <a:rPr lang="en-US" sz="1400" dirty="0" err="1">
+                <a:latin typeface="Consolas" panose="020B0609020204030204" pitchFamily="49" charset="0"/>
+                <a:cs typeface="Consolas" panose="020B0609020204030204" pitchFamily="49" charset="0"/>
+              </a:rPr>
+              <a:t>PrintArray</a:t>
+            </a:r>
+            <a:r>
+              <a:rPr lang="en-US" sz="1400" dirty="0">
+                <a:latin typeface="Consolas" panose="020B0609020204030204" pitchFamily="49" charset="0"/>
+                <a:cs typeface="Consolas" panose="020B0609020204030204" pitchFamily="49" charset="0"/>
+              </a:rPr>
+              <a:t>(array[</a:t>
+            </a:r>
+            <a:r>
+              <a:rPr lang="en-US" sz="1400" dirty="0" err="1">
+                <a:latin typeface="Consolas" panose="020B0609020204030204" pitchFamily="49" charset="0"/>
+                <a:cs typeface="Consolas" panose="020B0609020204030204" pitchFamily="49" charset="0"/>
+              </a:rPr>
+              <a:t>i</a:t>
+            </a:r>
+            <a:r>
+              <a:rPr lang="en-US" sz="1400" dirty="0">
+                <a:latin typeface="Consolas" panose="020B0609020204030204" pitchFamily="49" charset="0"/>
+                <a:cs typeface="Consolas" panose="020B0609020204030204" pitchFamily="49" charset="0"/>
+              </a:rPr>
+              <a:t>]); </a:t>
+            </a:r>
+          </a:p>
+          <a:p>
+            <a:r>
+              <a:rPr lang="en-US" sz="1400" dirty="0">
+                <a:latin typeface="Consolas" panose="020B0609020204030204" pitchFamily="49" charset="0"/>
+                <a:cs typeface="Consolas" panose="020B0609020204030204" pitchFamily="49" charset="0"/>
+              </a:rPr>
+              <a:t> } </a:t>
+            </a:r>
+          </a:p>
+          <a:p>
+            <a:r>
+              <a:rPr lang="en-US" sz="1400" dirty="0">
+                <a:latin typeface="Consolas" panose="020B0609020204030204" pitchFamily="49" charset="0"/>
+                <a:cs typeface="Consolas" panose="020B0609020204030204" pitchFamily="49" charset="0"/>
+              </a:rPr>
+              <a:t> return 0; </a:t>
+            </a:r>
+          </a:p>
+          <a:p>
+            <a:r>
+              <a:rPr lang="en-US" sz="1400" dirty="0">
+                <a:latin typeface="Consolas" panose="020B0609020204030204" pitchFamily="49" charset="0"/>
+                <a:cs typeface="Consolas" panose="020B0609020204030204" pitchFamily="49" charset="0"/>
+              </a:rPr>
+              <a:t>}</a:t>
+            </a:r>
+          </a:p>
+        </p:txBody>
+      </p:sp>
+      <p:sp>
+        <p:nvSpPr>
+          <p:cNvPr id="7" name="TextBox 6">
+            <a:extLst>
+              <a:ext uri="{FF2B5EF4-FFF2-40B4-BE49-F238E27FC236}">
+                <a16:creationId xmlns:a16="http://schemas.microsoft.com/office/drawing/2014/main" id="{10881312-4FC3-9248-A4E3-39C1698653A5}"/>
+              </a:ext>
+            </a:extLst>
+          </p:cNvPr>
+          <p:cNvSpPr txBox="1"/>
+          <p:nvPr/>
+        </p:nvSpPr>
+        <p:spPr>
+          <a:xfrm>
+            <a:off x="169848" y="4129581"/>
+            <a:ext cx="2967479" cy="1384995"/>
+          </a:xfrm>
+          <a:prstGeom prst="rect">
+            <a:avLst/>
+          </a:prstGeom>
+          <a:noFill/>
+        </p:spPr>
+        <p:txBody>
+          <a:bodyPr wrap="none" rtlCol="0">
+            <a:spAutoFit/>
+          </a:bodyPr>
+          <a:lstStyle/>
+          <a:p>
+            <a:r>
+              <a:rPr lang="en-US" sz="1400" dirty="0">
+                <a:latin typeface="Consolas" panose="020B0609020204030204" pitchFamily="49" charset="0"/>
+                <a:cs typeface="Consolas" panose="020B0609020204030204" pitchFamily="49" charset="0"/>
+              </a:rPr>
+              <a:t>m=0</a:t>
+            </a:r>
+          </a:p>
+          <a:p>
+            <a:r>
+              <a:rPr lang="en-US" sz="1400" dirty="0" err="1">
+                <a:latin typeface="Consolas" panose="020B0609020204030204" pitchFamily="49" charset="0"/>
+                <a:cs typeface="Consolas" panose="020B0609020204030204" pitchFamily="49" charset="0"/>
+              </a:rPr>
+              <a:t>myList</a:t>
+            </a:r>
+            <a:r>
+              <a:rPr lang="en-US" sz="1400" dirty="0">
+                <a:latin typeface="Consolas" panose="020B0609020204030204" pitchFamily="49" charset="0"/>
+                <a:cs typeface="Consolas" panose="020B0609020204030204" pitchFamily="49" charset="0"/>
+              </a:rPr>
+              <a:t>=(1,2,3,4)</a:t>
+            </a:r>
+          </a:p>
+          <a:p>
+            <a:r>
+              <a:rPr lang="en-US" sz="1400" dirty="0">
+                <a:latin typeface="Consolas" panose="020B0609020204030204" pitchFamily="49" charset="0"/>
+                <a:cs typeface="Consolas" panose="020B0609020204030204" pitchFamily="49" charset="0"/>
+              </a:rPr>
+              <a:t>x=</a:t>
+            </a:r>
+            <a:r>
+              <a:rPr lang="en-US" sz="1400" dirty="0" err="1">
+                <a:latin typeface="Consolas" panose="020B0609020204030204" pitchFamily="49" charset="0"/>
+                <a:cs typeface="Consolas" panose="020B0609020204030204" pitchFamily="49" charset="0"/>
+              </a:rPr>
+              <a:t>myList</a:t>
+            </a:r>
+            <a:r>
+              <a:rPr lang="en-US" sz="1400" dirty="0">
+                <a:latin typeface="Consolas" panose="020B0609020204030204" pitchFamily="49" charset="0"/>
+                <a:cs typeface="Consolas" panose="020B0609020204030204" pitchFamily="49" charset="0"/>
+              </a:rPr>
+              <a:t>[2:]</a:t>
+            </a:r>
+            <a:br>
+              <a:rPr lang="en-US" sz="1400" dirty="0">
+                <a:latin typeface="Consolas" panose="020B0609020204030204" pitchFamily="49" charset="0"/>
+                <a:cs typeface="Consolas" panose="020B0609020204030204" pitchFamily="49" charset="0"/>
+              </a:rPr>
+            </a:br>
+            <a:r>
+              <a:rPr lang="en-US" sz="1400" dirty="0">
+                <a:latin typeface="Consolas" panose="020B0609020204030204" pitchFamily="49" charset="0"/>
+                <a:cs typeface="Consolas" panose="020B0609020204030204" pitchFamily="49" charset="0"/>
+              </a:rPr>
+              <a:t>for </a:t>
+            </a:r>
+            <a:r>
+              <a:rPr lang="en-US" sz="1400" dirty="0" err="1">
+                <a:latin typeface="Consolas" panose="020B0609020204030204" pitchFamily="49" charset="0"/>
+                <a:cs typeface="Consolas" panose="020B0609020204030204" pitchFamily="49" charset="0"/>
+              </a:rPr>
+              <a:t>i</a:t>
+            </a:r>
+            <a:r>
+              <a:rPr lang="en-US" sz="1400" dirty="0">
+                <a:latin typeface="Consolas" panose="020B0609020204030204" pitchFamily="49" charset="0"/>
+                <a:cs typeface="Consolas" panose="020B0609020204030204" pitchFamily="49" charset="0"/>
+              </a:rPr>
+              <a:t> in range(</a:t>
+            </a:r>
+            <a:r>
+              <a:rPr lang="en-US" sz="1400" dirty="0" err="1">
+                <a:latin typeface="Consolas" panose="020B0609020204030204" pitchFamily="49" charset="0"/>
+                <a:cs typeface="Consolas" panose="020B0609020204030204" pitchFamily="49" charset="0"/>
+              </a:rPr>
+              <a:t>len</a:t>
+            </a:r>
+            <a:r>
+              <a:rPr lang="en-US" sz="1400" dirty="0">
+                <a:latin typeface="Consolas" panose="020B0609020204030204" pitchFamily="49" charset="0"/>
+                <a:cs typeface="Consolas" panose="020B0609020204030204" pitchFamily="49" charset="0"/>
+              </a:rPr>
+              <a:t>(</a:t>
+            </a:r>
+            <a:r>
+              <a:rPr lang="en-US" sz="1400" dirty="0" err="1">
+                <a:latin typeface="Consolas" panose="020B0609020204030204" pitchFamily="49" charset="0"/>
+                <a:cs typeface="Consolas" panose="020B0609020204030204" pitchFamily="49" charset="0"/>
+              </a:rPr>
+              <a:t>myList</a:t>
+            </a:r>
+            <a:r>
+              <a:rPr lang="en-US" sz="1400" dirty="0">
+                <a:latin typeface="Consolas" panose="020B0609020204030204" pitchFamily="49" charset="0"/>
+                <a:cs typeface="Consolas" panose="020B0609020204030204" pitchFamily="49" charset="0"/>
+              </a:rPr>
+              <a:t>)):</a:t>
+            </a:r>
+            <a:br>
+              <a:rPr lang="en-US" sz="1400" dirty="0">
+                <a:latin typeface="Consolas" panose="020B0609020204030204" pitchFamily="49" charset="0"/>
+                <a:cs typeface="Consolas" panose="020B0609020204030204" pitchFamily="49" charset="0"/>
+              </a:rPr>
+            </a:br>
+            <a:r>
+              <a:rPr lang="en-US" sz="1400" dirty="0">
+                <a:latin typeface="Consolas" panose="020B0609020204030204" pitchFamily="49" charset="0"/>
+                <a:cs typeface="Consolas" panose="020B0609020204030204" pitchFamily="49" charset="0"/>
+              </a:rPr>
+              <a:t>  if m&lt;</a:t>
+            </a:r>
+            <a:r>
+              <a:rPr lang="en-US" sz="1400" dirty="0" err="1">
+                <a:latin typeface="Consolas" panose="020B0609020204030204" pitchFamily="49" charset="0"/>
+                <a:cs typeface="Consolas" panose="020B0609020204030204" pitchFamily="49" charset="0"/>
+              </a:rPr>
+              <a:t>myList</a:t>
+            </a:r>
+            <a:r>
+              <a:rPr lang="en-US" sz="1400" dirty="0">
+                <a:latin typeface="Consolas" panose="020B0609020204030204" pitchFamily="49" charset="0"/>
+                <a:cs typeface="Consolas" panose="020B0609020204030204" pitchFamily="49" charset="0"/>
+              </a:rPr>
+              <a:t>[</a:t>
+            </a:r>
+            <a:r>
+              <a:rPr lang="en-US" sz="1400" dirty="0" err="1">
+                <a:latin typeface="Consolas" panose="020B0609020204030204" pitchFamily="49" charset="0"/>
+                <a:cs typeface="Consolas" panose="020B0609020204030204" pitchFamily="49" charset="0"/>
+              </a:rPr>
+              <a:t>i</a:t>
+            </a:r>
+            <a:r>
+              <a:rPr lang="en-US" sz="1400" dirty="0">
+                <a:latin typeface="Consolas" panose="020B0609020204030204" pitchFamily="49" charset="0"/>
+                <a:cs typeface="Consolas" panose="020B0609020204030204" pitchFamily="49" charset="0"/>
+              </a:rPr>
+              <a:t>]:</a:t>
+            </a:r>
+            <a:br>
+              <a:rPr lang="en-US" sz="1400" dirty="0">
+                <a:latin typeface="Consolas" panose="020B0609020204030204" pitchFamily="49" charset="0"/>
+                <a:cs typeface="Consolas" panose="020B0609020204030204" pitchFamily="49" charset="0"/>
+              </a:rPr>
+            </a:br>
+            <a:r>
+              <a:rPr lang="en-US" sz="1400" dirty="0">
+                <a:latin typeface="Consolas" panose="020B0609020204030204" pitchFamily="49" charset="0"/>
+                <a:cs typeface="Consolas" panose="020B0609020204030204" pitchFamily="49" charset="0"/>
+              </a:rPr>
+              <a:t>    m=</a:t>
+            </a:r>
+            <a:r>
+              <a:rPr lang="en-US" sz="1400" dirty="0" err="1">
+                <a:latin typeface="Consolas" panose="020B0609020204030204" pitchFamily="49" charset="0"/>
+                <a:cs typeface="Consolas" panose="020B0609020204030204" pitchFamily="49" charset="0"/>
+              </a:rPr>
+              <a:t>myList</a:t>
+            </a:r>
+            <a:r>
+              <a:rPr lang="en-US" sz="1400" dirty="0">
+                <a:latin typeface="Consolas" panose="020B0609020204030204" pitchFamily="49" charset="0"/>
+                <a:cs typeface="Consolas" panose="020B0609020204030204" pitchFamily="49" charset="0"/>
+              </a:rPr>
+              <a:t>[</a:t>
+            </a:r>
+            <a:r>
+              <a:rPr lang="en-US" sz="1400" dirty="0" err="1">
+                <a:latin typeface="Consolas" panose="020B0609020204030204" pitchFamily="49" charset="0"/>
+                <a:cs typeface="Consolas" panose="020B0609020204030204" pitchFamily="49" charset="0"/>
+              </a:rPr>
+              <a:t>i</a:t>
+            </a:r>
+            <a:r>
+              <a:rPr lang="en-US" sz="1400" dirty="0">
+                <a:latin typeface="Consolas" panose="020B0609020204030204" pitchFamily="49" charset="0"/>
+                <a:cs typeface="Consolas" panose="020B0609020204030204" pitchFamily="49" charset="0"/>
+              </a:rPr>
+              <a:t>]</a:t>
+            </a:r>
+          </a:p>
+        </p:txBody>
+      </p:sp>
+      <p:sp>
+        <p:nvSpPr>
+          <p:cNvPr id="8" name="TextBox 7">
+            <a:extLst>
+              <a:ext uri="{FF2B5EF4-FFF2-40B4-BE49-F238E27FC236}">
+                <a16:creationId xmlns:a16="http://schemas.microsoft.com/office/drawing/2014/main" id="{33AA9F64-5A9B-ED47-ADA0-EBA280991399}"/>
+              </a:ext>
+            </a:extLst>
+          </p:cNvPr>
+          <p:cNvSpPr txBox="1"/>
+          <p:nvPr/>
+        </p:nvSpPr>
+        <p:spPr>
+          <a:xfrm>
+            <a:off x="4590405" y="1551943"/>
+            <a:ext cx="2732313" cy="3323987"/>
+          </a:xfrm>
+          <a:prstGeom prst="rect">
+            <a:avLst/>
+          </a:prstGeom>
+          <a:noFill/>
+        </p:spPr>
+        <p:txBody>
+          <a:bodyPr wrap="square" rtlCol="0">
+            <a:spAutoFit/>
+          </a:bodyPr>
+          <a:lstStyle/>
+          <a:p>
+            <a:r>
+              <a:rPr lang="en-US" sz="1400" dirty="0">
+                <a:latin typeface="Consolas" panose="020B0609020204030204" pitchFamily="49" charset="0"/>
+                <a:cs typeface="Consolas" panose="020B0609020204030204" pitchFamily="49" charset="0"/>
+              </a:rPr>
+              <a:t>template &lt;class T&gt; </a:t>
+            </a:r>
+          </a:p>
+          <a:p>
+            <a:r>
+              <a:rPr lang="en-US" sz="1400" dirty="0">
+                <a:latin typeface="Consolas" panose="020B0609020204030204" pitchFamily="49" charset="0"/>
+                <a:cs typeface="Consolas" panose="020B0609020204030204" pitchFamily="49" charset="0"/>
+              </a:rPr>
+              <a:t>T </a:t>
+            </a:r>
+            <a:r>
+              <a:rPr lang="en-US" sz="1400" dirty="0" err="1">
+                <a:latin typeface="Consolas" panose="020B0609020204030204" pitchFamily="49" charset="0"/>
+                <a:cs typeface="Consolas" panose="020B0609020204030204" pitchFamily="49" charset="0"/>
+              </a:rPr>
+              <a:t>GetMax</a:t>
+            </a:r>
+            <a:r>
+              <a:rPr lang="en-US" sz="1400" dirty="0">
+                <a:latin typeface="Consolas" panose="020B0609020204030204" pitchFamily="49" charset="0"/>
+                <a:cs typeface="Consolas" panose="020B0609020204030204" pitchFamily="49" charset="0"/>
+              </a:rPr>
+              <a:t> (T a, T b) { </a:t>
+            </a:r>
+          </a:p>
+          <a:p>
+            <a:r>
+              <a:rPr lang="en-US" sz="1400" dirty="0">
+                <a:latin typeface="Consolas" panose="020B0609020204030204" pitchFamily="49" charset="0"/>
+                <a:cs typeface="Consolas" panose="020B0609020204030204" pitchFamily="49" charset="0"/>
+              </a:rPr>
+              <a:t>  T result; </a:t>
+            </a:r>
+          </a:p>
+          <a:p>
+            <a:r>
+              <a:rPr lang="en-US" sz="1400" dirty="0">
+                <a:latin typeface="Consolas" panose="020B0609020204030204" pitchFamily="49" charset="0"/>
+                <a:cs typeface="Consolas" panose="020B0609020204030204" pitchFamily="49" charset="0"/>
+              </a:rPr>
+              <a:t>  result = (a&gt;b)? a : b; </a:t>
+            </a:r>
+          </a:p>
+          <a:p>
+            <a:r>
+              <a:rPr lang="en-US" sz="1400" dirty="0">
+                <a:latin typeface="Consolas" panose="020B0609020204030204" pitchFamily="49" charset="0"/>
+                <a:cs typeface="Consolas" panose="020B0609020204030204" pitchFamily="49" charset="0"/>
+              </a:rPr>
+              <a:t>  return (result); </a:t>
+            </a:r>
+          </a:p>
+          <a:p>
+            <a:r>
+              <a:rPr lang="en-US" sz="1400" dirty="0">
+                <a:latin typeface="Consolas" panose="020B0609020204030204" pitchFamily="49" charset="0"/>
+                <a:cs typeface="Consolas" panose="020B0609020204030204" pitchFamily="49" charset="0"/>
+              </a:rPr>
+              <a:t>} </a:t>
+            </a:r>
+          </a:p>
+          <a:p>
+            <a:r>
+              <a:rPr lang="en-US" sz="1400" dirty="0">
+                <a:latin typeface="Consolas" panose="020B0609020204030204" pitchFamily="49" charset="0"/>
+                <a:cs typeface="Consolas" panose="020B0609020204030204" pitchFamily="49" charset="0"/>
+              </a:rPr>
+              <a:t>int main () { </a:t>
+            </a:r>
+          </a:p>
+          <a:p>
+            <a:r>
+              <a:rPr lang="en-US" sz="1400" dirty="0">
+                <a:latin typeface="Consolas" panose="020B0609020204030204" pitchFamily="49" charset="0"/>
+                <a:cs typeface="Consolas" panose="020B0609020204030204" pitchFamily="49" charset="0"/>
+              </a:rPr>
+              <a:t>  int </a:t>
+            </a:r>
+            <a:r>
+              <a:rPr lang="en-US" sz="1400" dirty="0" err="1">
+                <a:latin typeface="Consolas" panose="020B0609020204030204" pitchFamily="49" charset="0"/>
+                <a:cs typeface="Consolas" panose="020B0609020204030204" pitchFamily="49" charset="0"/>
+              </a:rPr>
+              <a:t>i</a:t>
+            </a:r>
+            <a:r>
+              <a:rPr lang="en-US" sz="1400" dirty="0">
+                <a:latin typeface="Consolas" panose="020B0609020204030204" pitchFamily="49" charset="0"/>
+                <a:cs typeface="Consolas" panose="020B0609020204030204" pitchFamily="49" charset="0"/>
+              </a:rPr>
+              <a:t>=5, j=6, k; </a:t>
+            </a:r>
+          </a:p>
+          <a:p>
+            <a:r>
+              <a:rPr lang="en-US" sz="1400" dirty="0">
+                <a:latin typeface="Consolas" panose="020B0609020204030204" pitchFamily="49" charset="0"/>
+                <a:cs typeface="Consolas" panose="020B0609020204030204" pitchFamily="49" charset="0"/>
+              </a:rPr>
+              <a:t>  long l=10, m=5, n;   </a:t>
+            </a:r>
+          </a:p>
+          <a:p>
+            <a:r>
+              <a:rPr lang="en-US" sz="1400" dirty="0">
+                <a:latin typeface="Consolas" panose="020B0609020204030204" pitchFamily="49" charset="0"/>
+                <a:cs typeface="Consolas" panose="020B0609020204030204" pitchFamily="49" charset="0"/>
+              </a:rPr>
+              <a:t>  k=</a:t>
+            </a:r>
+            <a:r>
+              <a:rPr lang="en-US" sz="1400" dirty="0" err="1">
+                <a:latin typeface="Consolas" panose="020B0609020204030204" pitchFamily="49" charset="0"/>
+                <a:cs typeface="Consolas" panose="020B0609020204030204" pitchFamily="49" charset="0"/>
+              </a:rPr>
+              <a:t>GetMax</a:t>
+            </a:r>
+            <a:r>
+              <a:rPr lang="en-US" sz="1400" dirty="0">
+                <a:latin typeface="Consolas" panose="020B0609020204030204" pitchFamily="49" charset="0"/>
+                <a:cs typeface="Consolas" panose="020B0609020204030204" pitchFamily="49" charset="0"/>
+              </a:rPr>
+              <a:t>&lt;int&gt;(</a:t>
+            </a:r>
+            <a:r>
+              <a:rPr lang="en-US" sz="1400" dirty="0" err="1">
+                <a:latin typeface="Consolas" panose="020B0609020204030204" pitchFamily="49" charset="0"/>
+                <a:cs typeface="Consolas" panose="020B0609020204030204" pitchFamily="49" charset="0"/>
+              </a:rPr>
+              <a:t>i,j</a:t>
+            </a:r>
+            <a:r>
+              <a:rPr lang="en-US" sz="1400" dirty="0">
+                <a:latin typeface="Consolas" panose="020B0609020204030204" pitchFamily="49" charset="0"/>
+                <a:cs typeface="Consolas" panose="020B0609020204030204" pitchFamily="49" charset="0"/>
+              </a:rPr>
+              <a:t>);   </a:t>
+            </a:r>
+          </a:p>
+          <a:p>
+            <a:r>
+              <a:rPr lang="en-US" sz="1400" dirty="0">
+                <a:latin typeface="Consolas" panose="020B0609020204030204" pitchFamily="49" charset="0"/>
+                <a:cs typeface="Consolas" panose="020B0609020204030204" pitchFamily="49" charset="0"/>
+              </a:rPr>
+              <a:t>  n=</a:t>
+            </a:r>
+            <a:r>
+              <a:rPr lang="en-US" sz="1400" dirty="0" err="1">
+                <a:latin typeface="Consolas" panose="020B0609020204030204" pitchFamily="49" charset="0"/>
+                <a:cs typeface="Consolas" panose="020B0609020204030204" pitchFamily="49" charset="0"/>
+              </a:rPr>
+              <a:t>GetMax</a:t>
+            </a:r>
+            <a:r>
+              <a:rPr lang="en-US" sz="1400" dirty="0">
+                <a:latin typeface="Consolas" panose="020B0609020204030204" pitchFamily="49" charset="0"/>
+                <a:cs typeface="Consolas" panose="020B0609020204030204" pitchFamily="49" charset="0"/>
+              </a:rPr>
+              <a:t>&lt;long&gt;(</a:t>
+            </a:r>
+            <a:r>
+              <a:rPr lang="en-US" sz="1400" dirty="0" err="1">
+                <a:latin typeface="Consolas" panose="020B0609020204030204" pitchFamily="49" charset="0"/>
+                <a:cs typeface="Consolas" panose="020B0609020204030204" pitchFamily="49" charset="0"/>
+              </a:rPr>
+              <a:t>l,m</a:t>
+            </a:r>
+            <a:r>
+              <a:rPr lang="en-US" sz="1400" dirty="0">
+                <a:latin typeface="Consolas" panose="020B0609020204030204" pitchFamily="49" charset="0"/>
+                <a:cs typeface="Consolas" panose="020B0609020204030204" pitchFamily="49" charset="0"/>
+              </a:rPr>
+              <a:t>); </a:t>
+            </a:r>
+          </a:p>
+          <a:p>
+            <a:r>
+              <a:rPr lang="en-US" sz="1400" dirty="0">
+                <a:latin typeface="Consolas" panose="020B0609020204030204" pitchFamily="49" charset="0"/>
+                <a:cs typeface="Consolas" panose="020B0609020204030204" pitchFamily="49" charset="0"/>
+              </a:rPr>
+              <a:t>  </a:t>
+            </a:r>
+            <a:r>
+              <a:rPr lang="en-US" sz="1400" dirty="0" err="1">
+                <a:latin typeface="Consolas" panose="020B0609020204030204" pitchFamily="49" charset="0"/>
+                <a:cs typeface="Consolas" panose="020B0609020204030204" pitchFamily="49" charset="0"/>
+              </a:rPr>
+              <a:t>cout</a:t>
+            </a:r>
+            <a:r>
+              <a:rPr lang="en-US" sz="1400" dirty="0">
+                <a:latin typeface="Consolas" panose="020B0609020204030204" pitchFamily="49" charset="0"/>
+                <a:cs typeface="Consolas" panose="020B0609020204030204" pitchFamily="49" charset="0"/>
+              </a:rPr>
+              <a:t> &lt;&lt; k &lt;&lt; </a:t>
+            </a:r>
+            <a:r>
+              <a:rPr lang="en-US" sz="1400" dirty="0" err="1">
+                <a:latin typeface="Consolas" panose="020B0609020204030204" pitchFamily="49" charset="0"/>
+                <a:cs typeface="Consolas" panose="020B0609020204030204" pitchFamily="49" charset="0"/>
+              </a:rPr>
+              <a:t>endl</a:t>
+            </a:r>
+            <a:r>
+              <a:rPr lang="en-US" sz="1400" dirty="0">
+                <a:latin typeface="Consolas" panose="020B0609020204030204" pitchFamily="49" charset="0"/>
+                <a:cs typeface="Consolas" panose="020B0609020204030204" pitchFamily="49" charset="0"/>
+              </a:rPr>
+              <a:t>; </a:t>
+            </a:r>
+          </a:p>
+          <a:p>
+            <a:r>
+              <a:rPr lang="en-US" sz="1400" dirty="0">
+                <a:latin typeface="Consolas" panose="020B0609020204030204" pitchFamily="49" charset="0"/>
+                <a:cs typeface="Consolas" panose="020B0609020204030204" pitchFamily="49" charset="0"/>
+              </a:rPr>
+              <a:t>  </a:t>
+            </a:r>
+            <a:r>
+              <a:rPr lang="en-US" sz="1400" dirty="0" err="1">
+                <a:latin typeface="Consolas" panose="020B0609020204030204" pitchFamily="49" charset="0"/>
+                <a:cs typeface="Consolas" panose="020B0609020204030204" pitchFamily="49" charset="0"/>
+              </a:rPr>
+              <a:t>cout</a:t>
+            </a:r>
+            <a:r>
+              <a:rPr lang="en-US" sz="1400" dirty="0">
+                <a:latin typeface="Consolas" panose="020B0609020204030204" pitchFamily="49" charset="0"/>
+                <a:cs typeface="Consolas" panose="020B0609020204030204" pitchFamily="49" charset="0"/>
+              </a:rPr>
+              <a:t> &lt;&lt; n &lt;&lt; </a:t>
+            </a:r>
+            <a:r>
+              <a:rPr lang="en-US" sz="1400" dirty="0" err="1">
+                <a:latin typeface="Consolas" panose="020B0609020204030204" pitchFamily="49" charset="0"/>
+                <a:cs typeface="Consolas" panose="020B0609020204030204" pitchFamily="49" charset="0"/>
+              </a:rPr>
+              <a:t>endl</a:t>
+            </a:r>
+            <a:r>
+              <a:rPr lang="en-US" sz="1400" dirty="0">
+                <a:latin typeface="Consolas" panose="020B0609020204030204" pitchFamily="49" charset="0"/>
+                <a:cs typeface="Consolas" panose="020B0609020204030204" pitchFamily="49" charset="0"/>
+              </a:rPr>
+              <a:t>; </a:t>
+            </a:r>
+          </a:p>
+          <a:p>
+            <a:r>
+              <a:rPr lang="en-US" sz="1400" dirty="0">
+                <a:latin typeface="Consolas" panose="020B0609020204030204" pitchFamily="49" charset="0"/>
+                <a:cs typeface="Consolas" panose="020B0609020204030204" pitchFamily="49" charset="0"/>
+              </a:rPr>
+              <a:t>  return 0; </a:t>
+            </a:r>
+          </a:p>
+          <a:p>
+            <a:r>
+              <a:rPr lang="en-US" sz="1400" dirty="0">
+                <a:latin typeface="Consolas" panose="020B0609020204030204" pitchFamily="49" charset="0"/>
+                <a:cs typeface="Consolas" panose="020B0609020204030204" pitchFamily="49" charset="0"/>
+              </a:rPr>
+              <a:t>}</a:t>
+            </a:r>
+          </a:p>
+        </p:txBody>
+      </p:sp>
+      <p:sp>
+        <p:nvSpPr>
+          <p:cNvPr id="9" name="TextBox 8">
+            <a:extLst>
+              <a:ext uri="{FF2B5EF4-FFF2-40B4-BE49-F238E27FC236}">
+                <a16:creationId xmlns:a16="http://schemas.microsoft.com/office/drawing/2014/main" id="{09733DEF-A3E1-3B4F-B1BE-7BBCF2E37FC9}"/>
+              </a:ext>
+            </a:extLst>
+          </p:cNvPr>
+          <p:cNvSpPr txBox="1"/>
+          <p:nvPr/>
+        </p:nvSpPr>
+        <p:spPr>
+          <a:xfrm>
+            <a:off x="7550368" y="1902093"/>
+            <a:ext cx="3570515" cy="1384995"/>
+          </a:xfrm>
+          <a:prstGeom prst="rect">
+            <a:avLst/>
+          </a:prstGeom>
+          <a:noFill/>
+        </p:spPr>
+        <p:txBody>
+          <a:bodyPr wrap="square" rtlCol="0">
+            <a:spAutoFit/>
+          </a:bodyPr>
+          <a:lstStyle/>
+          <a:p>
+            <a:r>
+              <a:rPr lang="en-US" sz="1400" dirty="0">
+                <a:latin typeface="Consolas" panose="020B0609020204030204" pitchFamily="49" charset="0"/>
+                <a:cs typeface="Consolas" panose="020B0609020204030204" pitchFamily="49" charset="0"/>
+              </a:rPr>
+              <a:t>(define (my-max3 x y z) </a:t>
+            </a:r>
+          </a:p>
+          <a:p>
+            <a:r>
+              <a:rPr lang="en-US" sz="1400" dirty="0">
+                <a:latin typeface="Consolas" panose="020B0609020204030204" pitchFamily="49" charset="0"/>
+                <a:cs typeface="Consolas" panose="020B0609020204030204" pitchFamily="49" charset="0"/>
+              </a:rPr>
+              <a:t>  (if (and (&gt; x y) (&gt; x z)) </a:t>
+            </a:r>
+          </a:p>
+          <a:p>
+            <a:r>
+              <a:rPr lang="en-US" sz="1400" dirty="0">
+                <a:latin typeface="Consolas" panose="020B0609020204030204" pitchFamily="49" charset="0"/>
+                <a:cs typeface="Consolas" panose="020B0609020204030204" pitchFamily="49" charset="0"/>
+              </a:rPr>
+              <a:t>       x </a:t>
+            </a:r>
+          </a:p>
+          <a:p>
+            <a:r>
+              <a:rPr lang="en-US" sz="1400" dirty="0">
+                <a:latin typeface="Consolas" panose="020B0609020204030204" pitchFamily="49" charset="0"/>
+                <a:cs typeface="Consolas" panose="020B0609020204030204" pitchFamily="49" charset="0"/>
+              </a:rPr>
+              <a:t>       (if (&gt; y z) </a:t>
+            </a:r>
+          </a:p>
+          <a:p>
+            <a:r>
+              <a:rPr lang="en-US" sz="1400" dirty="0">
+                <a:latin typeface="Consolas" panose="020B0609020204030204" pitchFamily="49" charset="0"/>
+                <a:cs typeface="Consolas" panose="020B0609020204030204" pitchFamily="49" charset="0"/>
+              </a:rPr>
+              <a:t>            y </a:t>
+            </a:r>
+          </a:p>
+          <a:p>
+            <a:r>
+              <a:rPr lang="en-US" sz="1400" dirty="0">
+                <a:latin typeface="Consolas" panose="020B0609020204030204" pitchFamily="49" charset="0"/>
+                <a:cs typeface="Consolas" panose="020B0609020204030204" pitchFamily="49" charset="0"/>
+              </a:rPr>
+              <a:t>            z))) </a:t>
+            </a:r>
+          </a:p>
+        </p:txBody>
+      </p:sp>
+      <p:sp>
+        <p:nvSpPr>
+          <p:cNvPr id="10" name="TextBox 9">
+            <a:extLst>
+              <a:ext uri="{FF2B5EF4-FFF2-40B4-BE49-F238E27FC236}">
+                <a16:creationId xmlns:a16="http://schemas.microsoft.com/office/drawing/2014/main" id="{459B5821-CFAC-2C45-B04E-E69094D78177}"/>
+              </a:ext>
+            </a:extLst>
+          </p:cNvPr>
+          <p:cNvSpPr txBox="1"/>
+          <p:nvPr/>
+        </p:nvSpPr>
+        <p:spPr>
+          <a:xfrm>
+            <a:off x="7539482" y="3790453"/>
+            <a:ext cx="4184435" cy="2246769"/>
+          </a:xfrm>
+          <a:prstGeom prst="rect">
+            <a:avLst/>
+          </a:prstGeom>
+          <a:noFill/>
+        </p:spPr>
+        <p:txBody>
+          <a:bodyPr wrap="square" rtlCol="0">
+            <a:spAutoFit/>
+          </a:bodyPr>
+          <a:lstStyle/>
+          <a:p>
+            <a:r>
+              <a:rPr lang="en-US" sz="1400" dirty="0">
+                <a:latin typeface="Consolas" panose="020B0609020204030204" pitchFamily="49" charset="0"/>
+                <a:cs typeface="Consolas" panose="020B0609020204030204" pitchFamily="49" charset="0"/>
+              </a:rPr>
+              <a:t>public static </a:t>
+            </a:r>
+          </a:p>
+          <a:p>
+            <a:r>
+              <a:rPr lang="en-US" sz="1400" dirty="0">
+                <a:latin typeface="Consolas" panose="020B0609020204030204" pitchFamily="49" charset="0"/>
+                <a:cs typeface="Consolas" panose="020B0609020204030204" pitchFamily="49" charset="0"/>
+              </a:rPr>
+              <a:t>int </a:t>
+            </a:r>
+            <a:r>
+              <a:rPr lang="en-US" sz="1400" dirty="0" err="1">
+                <a:latin typeface="Consolas" panose="020B0609020204030204" pitchFamily="49" charset="0"/>
+                <a:cs typeface="Consolas" panose="020B0609020204030204" pitchFamily="49" charset="0"/>
+              </a:rPr>
+              <a:t>getMaxValue</a:t>
+            </a:r>
+            <a:r>
+              <a:rPr lang="en-US" sz="1400" dirty="0">
+                <a:latin typeface="Consolas" panose="020B0609020204030204" pitchFamily="49" charset="0"/>
+                <a:cs typeface="Consolas" panose="020B0609020204030204" pitchFamily="49" charset="0"/>
+              </a:rPr>
+              <a:t>(int[] numbers) {</a:t>
+            </a:r>
+          </a:p>
+          <a:p>
+            <a:r>
+              <a:rPr lang="en-US" sz="1400" dirty="0">
+                <a:latin typeface="Consolas" panose="020B0609020204030204" pitchFamily="49" charset="0"/>
+                <a:cs typeface="Consolas" panose="020B0609020204030204" pitchFamily="49" charset="0"/>
+              </a:rPr>
+              <a:t>  int </a:t>
+            </a:r>
+            <a:r>
+              <a:rPr lang="en-US" sz="1400" dirty="0" err="1">
+                <a:latin typeface="Consolas" panose="020B0609020204030204" pitchFamily="49" charset="0"/>
+                <a:cs typeface="Consolas" panose="020B0609020204030204" pitchFamily="49" charset="0"/>
+              </a:rPr>
+              <a:t>maxValue</a:t>
+            </a:r>
+            <a:r>
+              <a:rPr lang="en-US" sz="1400" dirty="0">
+                <a:latin typeface="Consolas" panose="020B0609020204030204" pitchFamily="49" charset="0"/>
+                <a:cs typeface="Consolas" panose="020B0609020204030204" pitchFamily="49" charset="0"/>
+              </a:rPr>
+              <a:t> = numbers[0]; </a:t>
+            </a:r>
+          </a:p>
+          <a:p>
+            <a:r>
+              <a:rPr lang="en-US" sz="1400" dirty="0">
+                <a:latin typeface="Consolas" panose="020B0609020204030204" pitchFamily="49" charset="0"/>
+                <a:cs typeface="Consolas" panose="020B0609020204030204" pitchFamily="49" charset="0"/>
+              </a:rPr>
+              <a:t>  for (int </a:t>
+            </a:r>
+            <a:r>
+              <a:rPr lang="en-US" sz="1400" dirty="0" err="1">
+                <a:latin typeface="Consolas" panose="020B0609020204030204" pitchFamily="49" charset="0"/>
+                <a:cs typeface="Consolas" panose="020B0609020204030204" pitchFamily="49" charset="0"/>
+              </a:rPr>
+              <a:t>i</a:t>
+            </a:r>
+            <a:r>
+              <a:rPr lang="en-US" sz="1400" dirty="0">
+                <a:latin typeface="Consolas" panose="020B0609020204030204" pitchFamily="49" charset="0"/>
+                <a:cs typeface="Consolas" panose="020B0609020204030204" pitchFamily="49" charset="0"/>
+              </a:rPr>
+              <a:t>=1; </a:t>
+            </a:r>
+            <a:r>
+              <a:rPr lang="en-US" sz="1400" dirty="0" err="1">
+                <a:latin typeface="Consolas" panose="020B0609020204030204" pitchFamily="49" charset="0"/>
+                <a:cs typeface="Consolas" panose="020B0609020204030204" pitchFamily="49" charset="0"/>
+              </a:rPr>
+              <a:t>i</a:t>
+            </a:r>
+            <a:r>
+              <a:rPr lang="en-US" sz="1400" dirty="0">
+                <a:latin typeface="Consolas" panose="020B0609020204030204" pitchFamily="49" charset="0"/>
+                <a:cs typeface="Consolas" panose="020B0609020204030204" pitchFamily="49" charset="0"/>
+              </a:rPr>
+              <a:t>&lt;</a:t>
+            </a:r>
+            <a:r>
+              <a:rPr lang="en-US" sz="1400" dirty="0" err="1">
+                <a:latin typeface="Consolas" panose="020B0609020204030204" pitchFamily="49" charset="0"/>
+                <a:cs typeface="Consolas" panose="020B0609020204030204" pitchFamily="49" charset="0"/>
+              </a:rPr>
+              <a:t>numbers.length</a:t>
+            </a:r>
+            <a:r>
+              <a:rPr lang="en-US" sz="1400" dirty="0">
+                <a:latin typeface="Consolas" panose="020B0609020204030204" pitchFamily="49" charset="0"/>
+                <a:cs typeface="Consolas" panose="020B0609020204030204" pitchFamily="49" charset="0"/>
+              </a:rPr>
+              <a:t>; </a:t>
+            </a:r>
+            <a:r>
+              <a:rPr lang="en-US" sz="1400" dirty="0" err="1">
+                <a:latin typeface="Consolas" panose="020B0609020204030204" pitchFamily="49" charset="0"/>
+                <a:cs typeface="Consolas" panose="020B0609020204030204" pitchFamily="49" charset="0"/>
+              </a:rPr>
+              <a:t>i</a:t>
+            </a:r>
+            <a:r>
+              <a:rPr lang="en-US" sz="1400" dirty="0">
+                <a:latin typeface="Consolas" panose="020B0609020204030204" pitchFamily="49" charset="0"/>
+                <a:cs typeface="Consolas" panose="020B0609020204030204" pitchFamily="49" charset="0"/>
+              </a:rPr>
+              <a:t>++) {</a:t>
+            </a:r>
+          </a:p>
+          <a:p>
+            <a:r>
+              <a:rPr lang="en-US" sz="1400" dirty="0">
+                <a:latin typeface="Consolas" panose="020B0609020204030204" pitchFamily="49" charset="0"/>
+                <a:cs typeface="Consolas" panose="020B0609020204030204" pitchFamily="49" charset="0"/>
+              </a:rPr>
+              <a:t>    if(numbers[</a:t>
+            </a:r>
+            <a:r>
+              <a:rPr lang="en-US" sz="1400" dirty="0" err="1">
+                <a:latin typeface="Consolas" panose="020B0609020204030204" pitchFamily="49" charset="0"/>
+                <a:cs typeface="Consolas" panose="020B0609020204030204" pitchFamily="49" charset="0"/>
+              </a:rPr>
+              <a:t>i</a:t>
+            </a:r>
+            <a:r>
+              <a:rPr lang="en-US" sz="1400" dirty="0">
+                <a:latin typeface="Consolas" panose="020B0609020204030204" pitchFamily="49" charset="0"/>
+                <a:cs typeface="Consolas" panose="020B0609020204030204" pitchFamily="49" charset="0"/>
+              </a:rPr>
+              <a:t>] &gt; </a:t>
+            </a:r>
+            <a:r>
+              <a:rPr lang="en-US" sz="1400" dirty="0" err="1">
+                <a:latin typeface="Consolas" panose="020B0609020204030204" pitchFamily="49" charset="0"/>
+                <a:cs typeface="Consolas" panose="020B0609020204030204" pitchFamily="49" charset="0"/>
+              </a:rPr>
+              <a:t>maxValue</a:t>
+            </a:r>
+            <a:r>
+              <a:rPr lang="en-US" sz="1400" dirty="0">
+                <a:latin typeface="Consolas" panose="020B0609020204030204" pitchFamily="49" charset="0"/>
+                <a:cs typeface="Consolas" panose="020B0609020204030204" pitchFamily="49" charset="0"/>
+              </a:rPr>
+              <a:t>){ </a:t>
+            </a:r>
+          </a:p>
+          <a:p>
+            <a:r>
+              <a:rPr lang="en-US" sz="1400" dirty="0">
+                <a:latin typeface="Consolas" panose="020B0609020204030204" pitchFamily="49" charset="0"/>
+                <a:cs typeface="Consolas" panose="020B0609020204030204" pitchFamily="49" charset="0"/>
+              </a:rPr>
+              <a:t>      </a:t>
+            </a:r>
+            <a:r>
+              <a:rPr lang="en-US" sz="1400" dirty="0" err="1">
+                <a:latin typeface="Consolas" panose="020B0609020204030204" pitchFamily="49" charset="0"/>
+                <a:cs typeface="Consolas" panose="020B0609020204030204" pitchFamily="49" charset="0"/>
+              </a:rPr>
+              <a:t>maxValue</a:t>
+            </a:r>
+            <a:r>
+              <a:rPr lang="en-US" sz="1400" dirty="0">
+                <a:latin typeface="Consolas" panose="020B0609020204030204" pitchFamily="49" charset="0"/>
+                <a:cs typeface="Consolas" panose="020B0609020204030204" pitchFamily="49" charset="0"/>
+              </a:rPr>
+              <a:t> = numbers[</a:t>
+            </a:r>
+            <a:r>
+              <a:rPr lang="en-US" sz="1400" dirty="0" err="1">
+                <a:latin typeface="Consolas" panose="020B0609020204030204" pitchFamily="49" charset="0"/>
+                <a:cs typeface="Consolas" panose="020B0609020204030204" pitchFamily="49" charset="0"/>
+              </a:rPr>
+              <a:t>i</a:t>
+            </a:r>
+            <a:r>
+              <a:rPr lang="en-US" sz="1400" dirty="0">
+                <a:latin typeface="Consolas" panose="020B0609020204030204" pitchFamily="49" charset="0"/>
+                <a:cs typeface="Consolas" panose="020B0609020204030204" pitchFamily="49" charset="0"/>
+              </a:rPr>
+              <a:t>]; </a:t>
+            </a:r>
+          </a:p>
+          <a:p>
+            <a:r>
+              <a:rPr lang="en-US" sz="1400" dirty="0">
+                <a:latin typeface="Consolas" panose="020B0609020204030204" pitchFamily="49" charset="0"/>
+                <a:cs typeface="Consolas" panose="020B0609020204030204" pitchFamily="49" charset="0"/>
+              </a:rPr>
+              <a:t>    } </a:t>
+            </a:r>
+          </a:p>
+          <a:p>
+            <a:r>
+              <a:rPr lang="en-US" sz="1400" dirty="0">
+                <a:latin typeface="Consolas" panose="020B0609020204030204" pitchFamily="49" charset="0"/>
+                <a:cs typeface="Consolas" panose="020B0609020204030204" pitchFamily="49" charset="0"/>
+              </a:rPr>
+              <a:t>  } </a:t>
+            </a:r>
+          </a:p>
+          <a:p>
+            <a:r>
+              <a:rPr lang="en-US" sz="1400" dirty="0">
+                <a:latin typeface="Consolas" panose="020B0609020204030204" pitchFamily="49" charset="0"/>
+                <a:cs typeface="Consolas" panose="020B0609020204030204" pitchFamily="49" charset="0"/>
+              </a:rPr>
+              <a:t>  return </a:t>
+            </a:r>
+            <a:r>
+              <a:rPr lang="en-US" sz="1400" dirty="0" err="1">
+                <a:latin typeface="Consolas" panose="020B0609020204030204" pitchFamily="49" charset="0"/>
+                <a:cs typeface="Consolas" panose="020B0609020204030204" pitchFamily="49" charset="0"/>
+              </a:rPr>
+              <a:t>maxValue</a:t>
+            </a:r>
+            <a:r>
+              <a:rPr lang="en-US" sz="1400" dirty="0">
+                <a:latin typeface="Consolas" panose="020B0609020204030204" pitchFamily="49" charset="0"/>
+                <a:cs typeface="Consolas" panose="020B0609020204030204" pitchFamily="49" charset="0"/>
+              </a:rPr>
+              <a:t>; </a:t>
+            </a:r>
+          </a:p>
+          <a:p>
+            <a:r>
+              <a:rPr lang="en-US" sz="1400" dirty="0">
+                <a:latin typeface="Consolas" panose="020B0609020204030204" pitchFamily="49" charset="0"/>
+                <a:cs typeface="Consolas" panose="020B0609020204030204" pitchFamily="49" charset="0"/>
+              </a:rPr>
+              <a:t>}</a:t>
+            </a:r>
+          </a:p>
+        </p:txBody>
+      </p:sp>
+      <p:sp>
+        <p:nvSpPr>
+          <p:cNvPr id="11" name="Rounded Rectangle 10">
+            <a:extLst>
+              <a:ext uri="{FF2B5EF4-FFF2-40B4-BE49-F238E27FC236}">
+                <a16:creationId xmlns:a16="http://schemas.microsoft.com/office/drawing/2014/main" id="{0A911B48-087A-FB47-9CA8-4751F2757ACC}"/>
+              </a:ext>
+            </a:extLst>
+          </p:cNvPr>
+          <p:cNvSpPr/>
+          <p:nvPr/>
+        </p:nvSpPr>
+        <p:spPr>
+          <a:xfrm>
+            <a:off x="169848" y="1513351"/>
+            <a:ext cx="3868752" cy="2344740"/>
+          </a:xfrm>
+          <a:prstGeom prst="roundRect">
+            <a:avLst>
+              <a:gd name="adj" fmla="val 6918"/>
+            </a:avLst>
+          </a:prstGeom>
+          <a:noFill/>
+          <a:ln w="57150">
+            <a:solidFill>
+              <a:srgbClr val="00B050"/>
+            </a:solidFill>
+          </a:ln>
+        </p:spPr>
+        <p:style>
+          <a:lnRef idx="2">
+            <a:schemeClr val="accent1">
+              <a:shade val="50000"/>
+            </a:schemeClr>
+          </a:lnRef>
+          <a:fillRef idx="1">
+            <a:schemeClr val="accent1"/>
+          </a:fillRef>
+          <a:effectRef idx="0">
+            <a:schemeClr val="accent1"/>
+          </a:effectRef>
+          <a:fontRef idx="minor">
+            <a:schemeClr val="lt1"/>
+          </a:fontRef>
+        </p:style>
+        <p:txBody>
+          <a:bodyPr rtlCol="0" anchor="ctr"/>
+          <a:lstStyle/>
+          <a:p>
+            <a:pPr algn="ctr"/>
+            <a:endParaRPr lang="en-US"/>
+          </a:p>
+        </p:txBody>
+      </p:sp>
+      <p:sp>
+        <p:nvSpPr>
+          <p:cNvPr id="12" name="Rounded Rectangle 11">
+            <a:extLst>
+              <a:ext uri="{FF2B5EF4-FFF2-40B4-BE49-F238E27FC236}">
+                <a16:creationId xmlns:a16="http://schemas.microsoft.com/office/drawing/2014/main" id="{4949AE10-94E9-1B41-A943-1BB264ACF510}"/>
+              </a:ext>
+            </a:extLst>
+          </p:cNvPr>
+          <p:cNvSpPr/>
+          <p:nvPr/>
+        </p:nvSpPr>
+        <p:spPr>
+          <a:xfrm>
+            <a:off x="169848" y="4103498"/>
+            <a:ext cx="2967479" cy="1544863"/>
+          </a:xfrm>
+          <a:prstGeom prst="roundRect">
+            <a:avLst>
+              <a:gd name="adj" fmla="val 6918"/>
+            </a:avLst>
+          </a:prstGeom>
+          <a:noFill/>
+          <a:ln w="57150">
+            <a:solidFill>
+              <a:srgbClr val="00B050"/>
+            </a:solidFill>
+          </a:ln>
+        </p:spPr>
+        <p:style>
+          <a:lnRef idx="2">
+            <a:schemeClr val="accent1">
+              <a:shade val="50000"/>
+            </a:schemeClr>
+          </a:lnRef>
+          <a:fillRef idx="1">
+            <a:schemeClr val="accent1"/>
+          </a:fillRef>
+          <a:effectRef idx="0">
+            <a:schemeClr val="accent1"/>
+          </a:effectRef>
+          <a:fontRef idx="minor">
+            <a:schemeClr val="lt1"/>
+          </a:fontRef>
+        </p:style>
+        <p:txBody>
+          <a:bodyPr rtlCol="0" anchor="ctr"/>
+          <a:lstStyle/>
+          <a:p>
+            <a:pPr algn="ctr"/>
+            <a:endParaRPr lang="en-US"/>
+          </a:p>
+        </p:txBody>
+      </p:sp>
+      <p:sp>
+        <p:nvSpPr>
+          <p:cNvPr id="13" name="Rounded Rectangle 12">
+            <a:extLst>
+              <a:ext uri="{FF2B5EF4-FFF2-40B4-BE49-F238E27FC236}">
+                <a16:creationId xmlns:a16="http://schemas.microsoft.com/office/drawing/2014/main" id="{C2A6540F-E581-9F44-8DBE-FD0A8A97C9BC}"/>
+              </a:ext>
+            </a:extLst>
+          </p:cNvPr>
+          <p:cNvSpPr/>
+          <p:nvPr/>
+        </p:nvSpPr>
+        <p:spPr>
+          <a:xfrm>
+            <a:off x="7478485" y="3714639"/>
+            <a:ext cx="4184434" cy="2322583"/>
+          </a:xfrm>
+          <a:prstGeom prst="roundRect">
+            <a:avLst>
+              <a:gd name="adj" fmla="val 6918"/>
+            </a:avLst>
+          </a:prstGeom>
+          <a:noFill/>
+          <a:ln w="57150">
+            <a:solidFill>
+              <a:srgbClr val="00B050"/>
+            </a:solidFill>
+          </a:ln>
+        </p:spPr>
+        <p:style>
+          <a:lnRef idx="2">
+            <a:schemeClr val="accent1">
+              <a:shade val="50000"/>
+            </a:schemeClr>
+          </a:lnRef>
+          <a:fillRef idx="1">
+            <a:schemeClr val="accent1"/>
+          </a:fillRef>
+          <a:effectRef idx="0">
+            <a:schemeClr val="accent1"/>
+          </a:effectRef>
+          <a:fontRef idx="minor">
+            <a:schemeClr val="lt1"/>
+          </a:fontRef>
+        </p:style>
+        <p:txBody>
+          <a:bodyPr rtlCol="0" anchor="ctr"/>
+          <a:lstStyle/>
+          <a:p>
+            <a:pPr algn="ctr"/>
+            <a:endParaRPr lang="en-US"/>
+          </a:p>
+        </p:txBody>
+      </p:sp>
+      <p:sp>
+        <p:nvSpPr>
+          <p:cNvPr id="14" name="Rounded Rectangle 13">
+            <a:extLst>
+              <a:ext uri="{FF2B5EF4-FFF2-40B4-BE49-F238E27FC236}">
+                <a16:creationId xmlns:a16="http://schemas.microsoft.com/office/drawing/2014/main" id="{DEB91948-E917-C846-9862-E48A1E56BA17}"/>
+              </a:ext>
+            </a:extLst>
+          </p:cNvPr>
+          <p:cNvSpPr/>
+          <p:nvPr/>
+        </p:nvSpPr>
+        <p:spPr>
+          <a:xfrm>
+            <a:off x="7478485" y="1775628"/>
+            <a:ext cx="4184434" cy="1619883"/>
+          </a:xfrm>
+          <a:prstGeom prst="roundRect">
+            <a:avLst>
+              <a:gd name="adj" fmla="val 6918"/>
+            </a:avLst>
+          </a:prstGeom>
+          <a:noFill/>
+          <a:ln w="57150">
+            <a:solidFill>
+              <a:srgbClr val="00B050"/>
+            </a:solidFill>
+          </a:ln>
+        </p:spPr>
+        <p:style>
+          <a:lnRef idx="2">
+            <a:schemeClr val="accent1">
+              <a:shade val="50000"/>
+            </a:schemeClr>
+          </a:lnRef>
+          <a:fillRef idx="1">
+            <a:schemeClr val="accent1"/>
+          </a:fillRef>
+          <a:effectRef idx="0">
+            <a:schemeClr val="accent1"/>
+          </a:effectRef>
+          <a:fontRef idx="minor">
+            <a:schemeClr val="lt1"/>
+          </a:fontRef>
+        </p:style>
+        <p:txBody>
+          <a:bodyPr rtlCol="0" anchor="ctr"/>
+          <a:lstStyle/>
+          <a:p>
+            <a:pPr algn="ctr"/>
+            <a:endParaRPr lang="en-US"/>
+          </a:p>
+        </p:txBody>
+      </p:sp>
+      <p:sp>
+        <p:nvSpPr>
+          <p:cNvPr id="15" name="Rounded Rectangle 14">
+            <a:extLst>
+              <a:ext uri="{FF2B5EF4-FFF2-40B4-BE49-F238E27FC236}">
+                <a16:creationId xmlns:a16="http://schemas.microsoft.com/office/drawing/2014/main" id="{ECEBE553-79E6-374E-822E-A46973240A0F}"/>
+              </a:ext>
+            </a:extLst>
+          </p:cNvPr>
+          <p:cNvSpPr/>
+          <p:nvPr/>
+        </p:nvSpPr>
+        <p:spPr>
+          <a:xfrm>
+            <a:off x="4504440" y="1467639"/>
+            <a:ext cx="2732313" cy="3609840"/>
+          </a:xfrm>
+          <a:prstGeom prst="roundRect">
+            <a:avLst>
+              <a:gd name="adj" fmla="val 6918"/>
+            </a:avLst>
+          </a:prstGeom>
+          <a:noFill/>
+          <a:ln w="57150">
+            <a:solidFill>
+              <a:srgbClr val="00B050"/>
+            </a:solidFill>
+          </a:ln>
+        </p:spPr>
+        <p:style>
+          <a:lnRef idx="2">
+            <a:schemeClr val="accent1">
+              <a:shade val="50000"/>
+            </a:schemeClr>
+          </a:lnRef>
+          <a:fillRef idx="1">
+            <a:schemeClr val="accent1"/>
+          </a:fillRef>
+          <a:effectRef idx="0">
+            <a:schemeClr val="accent1"/>
+          </a:effectRef>
+          <a:fontRef idx="minor">
+            <a:schemeClr val="lt1"/>
+          </a:fontRef>
+        </p:style>
+        <p:txBody>
+          <a:bodyPr rtlCol="0" anchor="ctr"/>
+          <a:lstStyle/>
+          <a:p>
+            <a:pPr algn="ctr"/>
+            <a:endParaRPr lang="en-US"/>
+          </a:p>
+        </p:txBody>
+      </p:sp>
+      <p:sp>
+        <p:nvSpPr>
+          <p:cNvPr id="16" name="TextBox 15">
+            <a:extLst>
+              <a:ext uri="{FF2B5EF4-FFF2-40B4-BE49-F238E27FC236}">
+                <a16:creationId xmlns:a16="http://schemas.microsoft.com/office/drawing/2014/main" id="{4688B789-CABC-F740-BD50-18F55EA9E31F}"/>
+              </a:ext>
+            </a:extLst>
+          </p:cNvPr>
+          <p:cNvSpPr txBox="1"/>
+          <p:nvPr/>
+        </p:nvSpPr>
+        <p:spPr>
+          <a:xfrm>
+            <a:off x="3293094" y="5204992"/>
+            <a:ext cx="4596026" cy="1169551"/>
+          </a:xfrm>
+          <a:prstGeom prst="rect">
+            <a:avLst/>
+          </a:prstGeom>
+          <a:noFill/>
+        </p:spPr>
+        <p:txBody>
+          <a:bodyPr wrap="square" rtlCol="0">
+            <a:spAutoFit/>
+          </a:bodyPr>
+          <a:lstStyle/>
+          <a:p>
+            <a:r>
+              <a:rPr lang="en-US" sz="1400" dirty="0">
+                <a:latin typeface="Consolas" panose="020B0609020204030204" pitchFamily="49" charset="0"/>
+                <a:cs typeface="Consolas" panose="020B0609020204030204" pitchFamily="49" charset="0"/>
+              </a:rPr>
+              <a:t>my @array=(1..10); </a:t>
+            </a:r>
+          </a:p>
+          <a:p>
+            <a:r>
+              <a:rPr lang="en-US" sz="1400" dirty="0">
+                <a:latin typeface="Consolas" panose="020B0609020204030204" pitchFamily="49" charset="0"/>
+                <a:cs typeface="Consolas" panose="020B0609020204030204" pitchFamily="49" charset="0"/>
+              </a:rPr>
+              <a:t>for(my $count=0;$count&lt;10;$count++) { </a:t>
+            </a:r>
+          </a:p>
+          <a:p>
+            <a:r>
+              <a:rPr lang="en-US" sz="1400" dirty="0">
+                <a:latin typeface="Consolas" panose="020B0609020204030204" pitchFamily="49" charset="0"/>
+                <a:cs typeface="Consolas" panose="020B0609020204030204" pitchFamily="49" charset="0"/>
+              </a:rPr>
+              <a:t>  print "index $count = $array[$count]"; </a:t>
+            </a:r>
+          </a:p>
+          <a:p>
+            <a:r>
+              <a:rPr lang="en-US" sz="1400" dirty="0">
+                <a:latin typeface="Consolas" panose="020B0609020204030204" pitchFamily="49" charset="0"/>
+                <a:cs typeface="Consolas" panose="020B0609020204030204" pitchFamily="49" charset="0"/>
+              </a:rPr>
+              <a:t>  print "\n"; </a:t>
+            </a:r>
+          </a:p>
+          <a:p>
+            <a:r>
+              <a:rPr lang="en-US" sz="1400" dirty="0">
+                <a:latin typeface="Consolas" panose="020B0609020204030204" pitchFamily="49" charset="0"/>
+                <a:cs typeface="Consolas" panose="020B0609020204030204" pitchFamily="49" charset="0"/>
+              </a:rPr>
+              <a:t>}</a:t>
+            </a:r>
+          </a:p>
+        </p:txBody>
+      </p:sp>
+      <p:sp>
+        <p:nvSpPr>
+          <p:cNvPr id="17" name="Rounded Rectangle 16">
+            <a:extLst>
+              <a:ext uri="{FF2B5EF4-FFF2-40B4-BE49-F238E27FC236}">
+                <a16:creationId xmlns:a16="http://schemas.microsoft.com/office/drawing/2014/main" id="{07E439A7-5E6D-B341-A2B5-A29C98D922B1}"/>
+              </a:ext>
+            </a:extLst>
+          </p:cNvPr>
+          <p:cNvSpPr/>
+          <p:nvPr/>
+        </p:nvSpPr>
+        <p:spPr>
+          <a:xfrm>
+            <a:off x="3276931" y="5204992"/>
+            <a:ext cx="4114800" cy="1151358"/>
+          </a:xfrm>
+          <a:prstGeom prst="roundRect">
+            <a:avLst>
+              <a:gd name="adj" fmla="val 6918"/>
+            </a:avLst>
+          </a:prstGeom>
+          <a:noFill/>
+          <a:ln w="57150">
+            <a:solidFill>
+              <a:srgbClr val="00B050"/>
+            </a:solidFill>
+          </a:ln>
+        </p:spPr>
+        <p:style>
+          <a:lnRef idx="2">
+            <a:schemeClr val="accent1">
+              <a:shade val="50000"/>
+            </a:schemeClr>
+          </a:lnRef>
+          <a:fillRef idx="1">
+            <a:schemeClr val="accent1"/>
+          </a:fillRef>
+          <a:effectRef idx="0">
+            <a:schemeClr val="accent1"/>
+          </a:effectRef>
+          <a:fontRef idx="minor">
+            <a:schemeClr val="lt1"/>
+          </a:fontRef>
+        </p:style>
+        <p:txBody>
+          <a:bodyPr rtlCol="0" anchor="ctr"/>
+          <a:lstStyle/>
+          <a:p>
+            <a:pPr algn="ctr"/>
+            <a:endParaRPr lang="en-US"/>
+          </a:p>
+        </p:txBody>
+      </p:sp>
+    </p:spTree>
+    <p:extLst>
+      <p:ext uri="{BB962C8B-B14F-4D97-AF65-F5344CB8AC3E}">
+        <p14:creationId xmlns:p14="http://schemas.microsoft.com/office/powerpoint/2010/main" val="3933855369"/>
+      </p:ext>
+    </p:extLst>
+  </p:cSld>
+  <p:clrMapOvr>
+    <a:masterClrMapping/>
+  </p:clrMapOvr>
+</p:sld>
+</file>
+
+<file path=ppt/slides/slide9.xml><?xml version="1.0" encoding="utf-8"?>
+<p:sld xmlns:a="http://schemas.openxmlformats.org/drawingml/2006/main" xmlns:r="http://schemas.openxmlformats.org/officeDocument/2006/relationships" xmlns:p="http://schemas.openxmlformats.org/presentationml/2006/main">
+  <p:cSld>
+    <p:spTree>
+      <p:nvGrpSpPr>
+        <p:cNvPr id="1" name=""/>
+        <p:cNvGrpSpPr/>
+        <p:nvPr/>
+      </p:nvGrpSpPr>
+      <p:grpSpPr>
+        <a:xfrm>
+          <a:off x="0" y="0"/>
+          <a:ext cx="0" cy="0"/>
+          <a:chOff x="0" y="0"/>
+          <a:chExt cx="0" cy="0"/>
+        </a:xfrm>
+      </p:grpSpPr>
+      <p:sp>
+        <p:nvSpPr>
+          <p:cNvPr id="2" name="Title 1">
+            <a:extLst>
+              <a:ext uri="{FF2B5EF4-FFF2-40B4-BE49-F238E27FC236}">
+                <a16:creationId xmlns:a16="http://schemas.microsoft.com/office/drawing/2014/main" id="{1C67F4F8-94CE-0545-8737-76BE1AA94B9D}"/>
+              </a:ext>
+            </a:extLst>
+          </p:cNvPr>
+          <p:cNvSpPr>
+            <a:spLocks noGrp="1"/>
+          </p:cNvSpPr>
+          <p:nvPr>
+            <p:ph type="title"/>
+          </p:nvPr>
+        </p:nvSpPr>
+        <p:spPr/>
+        <p:txBody>
+          <a:bodyPr/>
+          <a:lstStyle/>
+          <a:p>
+            <a:r>
+              <a:rPr lang="en-US" dirty="0"/>
+              <a:t>Classification</a:t>
+            </a:r>
+          </a:p>
+        </p:txBody>
+      </p:sp>
+      <p:sp>
+        <p:nvSpPr>
+          <p:cNvPr id="4" name="Footer Placeholder 3">
+            <a:extLst>
+              <a:ext uri="{FF2B5EF4-FFF2-40B4-BE49-F238E27FC236}">
+                <a16:creationId xmlns:a16="http://schemas.microsoft.com/office/drawing/2014/main" id="{49AD7FC0-46B2-7646-A542-4E8B22C54FB7}"/>
+              </a:ext>
+            </a:extLst>
+          </p:cNvPr>
+          <p:cNvSpPr>
+            <a:spLocks noGrp="1"/>
+          </p:cNvSpPr>
+          <p:nvPr>
+            <p:ph type="ftr" sz="quarter" idx="11"/>
+          </p:nvPr>
+        </p:nvSpPr>
+        <p:spPr/>
+        <p:txBody>
+          <a:bodyPr/>
+          <a:lstStyle/>
+          <a:p>
+            <a:r>
+              <a:rPr lang="en-US"/>
+              <a:t>Principles of Programming Languages</a:t>
+            </a:r>
+            <a:endParaRPr lang="en-US" dirty="0"/>
+          </a:p>
+        </p:txBody>
+      </p:sp>
+      <p:sp>
+        <p:nvSpPr>
+          <p:cNvPr id="5" name="Slide Number Placeholder 4">
+            <a:extLst>
+              <a:ext uri="{FF2B5EF4-FFF2-40B4-BE49-F238E27FC236}">
+                <a16:creationId xmlns:a16="http://schemas.microsoft.com/office/drawing/2014/main" id="{DEB0DBA7-5166-104D-9C39-C284CA97320E}"/>
+              </a:ext>
+            </a:extLst>
+          </p:cNvPr>
+          <p:cNvSpPr>
+            <a:spLocks noGrp="1"/>
+          </p:cNvSpPr>
+          <p:nvPr>
+            <p:ph type="sldNum" sz="quarter" idx="12"/>
+          </p:nvPr>
+        </p:nvSpPr>
+        <p:spPr/>
+        <p:txBody>
+          <a:bodyPr/>
+          <a:lstStyle/>
+          <a:p>
+            <a:fld id="{D57F1E4F-1CFF-5643-939E-217C01CDF565}" type="slidenum">
+              <a:rPr lang="en-US" smtClean="0"/>
+              <a:pPr/>
+              <a:t>9</a:t>
             </a:fld>
             <a:endParaRPr lang="en-US" dirty="0"/>
           </a:p>
@@ -27433,587 +29621,6 @@
     <p:extLst>
       <p:ext uri="{BB962C8B-B14F-4D97-AF65-F5344CB8AC3E}">
         <p14:creationId xmlns:p14="http://schemas.microsoft.com/office/powerpoint/2010/main" val="52934159"/>
-      </p:ext>
-    </p:extLst>
-  </p:cSld>
-  <p:clrMapOvr>
-    <a:masterClrMapping/>
-  </p:clrMapOvr>
-</p:sld>
-</file>
-
-<file path=ppt/slides/slide9.xml><?xml version="1.0" encoding="utf-8"?>
-<p:sld xmlns:a="http://schemas.openxmlformats.org/drawingml/2006/main" xmlns:r="http://schemas.openxmlformats.org/officeDocument/2006/relationships" xmlns:p="http://schemas.openxmlformats.org/presentationml/2006/main">
-  <p:cSld>
-    <p:spTree>
-      <p:nvGrpSpPr>
-        <p:cNvPr id="1" name=""/>
-        <p:cNvGrpSpPr/>
-        <p:nvPr/>
-      </p:nvGrpSpPr>
-      <p:grpSpPr>
-        <a:xfrm>
-          <a:off x="0" y="0"/>
-          <a:ext cx="0" cy="0"/>
-          <a:chOff x="0" y="0"/>
-          <a:chExt cx="0" cy="0"/>
-        </a:xfrm>
-      </p:grpSpPr>
-      <p:sp>
-        <p:nvSpPr>
-          <p:cNvPr id="2" name="Title 1">
-            <a:extLst>
-              <a:ext uri="{FF2B5EF4-FFF2-40B4-BE49-F238E27FC236}">
-                <a16:creationId xmlns:a16="http://schemas.microsoft.com/office/drawing/2014/main" id="{F9434D1A-016A-F849-AFA7-FB85CA19F242}"/>
-              </a:ext>
-            </a:extLst>
-          </p:cNvPr>
-          <p:cNvSpPr>
-            <a:spLocks noGrp="1"/>
-          </p:cNvSpPr>
-          <p:nvPr>
-            <p:ph type="title"/>
-          </p:nvPr>
-        </p:nvSpPr>
-        <p:spPr/>
-        <p:txBody>
-          <a:bodyPr/>
-          <a:lstStyle/>
-          <a:p>
-            <a:r>
-              <a:rPr lang="en-US" dirty="0"/>
-              <a:t>Classification</a:t>
-            </a:r>
-          </a:p>
-        </p:txBody>
-      </p:sp>
-      <p:sp>
-        <p:nvSpPr>
-          <p:cNvPr id="6" name="Oval 5">
-            <a:extLst>
-              <a:ext uri="{FF2B5EF4-FFF2-40B4-BE49-F238E27FC236}">
-                <a16:creationId xmlns:a16="http://schemas.microsoft.com/office/drawing/2014/main" id="{B2501079-3FAF-EA46-BEB5-4E5EC17D7890}"/>
-              </a:ext>
-            </a:extLst>
-          </p:cNvPr>
-          <p:cNvSpPr/>
-          <p:nvPr/>
-        </p:nvSpPr>
-        <p:spPr>
-          <a:xfrm>
-            <a:off x="838200" y="1690688"/>
-            <a:ext cx="6498771" cy="3839255"/>
-          </a:xfrm>
-          <a:prstGeom prst="ellipse">
-            <a:avLst/>
-          </a:prstGeom>
-          <a:noFill/>
-          <a:ln w="57150">
-            <a:solidFill>
-              <a:schemeClr val="accent2">
-                <a:lumMod val="75000"/>
-              </a:schemeClr>
-            </a:solidFill>
-          </a:ln>
-        </p:spPr>
-        <p:style>
-          <a:lnRef idx="2">
-            <a:schemeClr val="accent1">
-              <a:shade val="50000"/>
-            </a:schemeClr>
-          </a:lnRef>
-          <a:fillRef idx="1">
-            <a:schemeClr val="accent1"/>
-          </a:fillRef>
-          <a:effectRef idx="0">
-            <a:schemeClr val="accent1"/>
-          </a:effectRef>
-          <a:fontRef idx="minor">
-            <a:schemeClr val="lt1"/>
-          </a:fontRef>
-        </p:style>
-        <p:txBody>
-          <a:bodyPr rtlCol="0" anchor="ctr"/>
-          <a:lstStyle/>
-          <a:p>
-            <a:pPr algn="ctr"/>
-            <a:endParaRPr lang="en-US"/>
-          </a:p>
-        </p:txBody>
-      </p:sp>
-      <p:sp>
-        <p:nvSpPr>
-          <p:cNvPr id="7" name="TextBox 6">
-            <a:extLst>
-              <a:ext uri="{FF2B5EF4-FFF2-40B4-BE49-F238E27FC236}">
-                <a16:creationId xmlns:a16="http://schemas.microsoft.com/office/drawing/2014/main" id="{EFD4B101-496B-5F4C-9344-AB9241A27A28}"/>
-              </a:ext>
-            </a:extLst>
-          </p:cNvPr>
-          <p:cNvSpPr txBox="1"/>
-          <p:nvPr/>
-        </p:nvSpPr>
-        <p:spPr>
-          <a:xfrm>
-            <a:off x="2606410" y="2002972"/>
-            <a:ext cx="3023776" cy="461665"/>
-          </a:xfrm>
-          <a:prstGeom prst="rect">
-            <a:avLst/>
-          </a:prstGeom>
-          <a:noFill/>
-        </p:spPr>
-        <p:txBody>
-          <a:bodyPr wrap="none" rtlCol="0">
-            <a:spAutoFit/>
-          </a:bodyPr>
-          <a:lstStyle/>
-          <a:p>
-            <a:r>
-              <a:rPr lang="en-US" sz="2400" b="1" dirty="0"/>
-              <a:t>Declarative Languages</a:t>
-            </a:r>
-          </a:p>
-        </p:txBody>
-      </p:sp>
-      <p:sp>
-        <p:nvSpPr>
-          <p:cNvPr id="8" name="Oval 7">
-            <a:extLst>
-              <a:ext uri="{FF2B5EF4-FFF2-40B4-BE49-F238E27FC236}">
-                <a16:creationId xmlns:a16="http://schemas.microsoft.com/office/drawing/2014/main" id="{9A196567-CDBF-1046-990D-271F0BC30C61}"/>
-              </a:ext>
-            </a:extLst>
-          </p:cNvPr>
-          <p:cNvSpPr/>
-          <p:nvPr/>
-        </p:nvSpPr>
-        <p:spPr>
-          <a:xfrm>
-            <a:off x="5421085" y="1690688"/>
-            <a:ext cx="6498771" cy="3839255"/>
-          </a:xfrm>
-          <a:prstGeom prst="ellipse">
-            <a:avLst/>
-          </a:prstGeom>
-          <a:noFill/>
-          <a:ln w="57150">
-            <a:solidFill>
-              <a:schemeClr val="accent2">
-                <a:lumMod val="75000"/>
-              </a:schemeClr>
-            </a:solidFill>
-          </a:ln>
-        </p:spPr>
-        <p:style>
-          <a:lnRef idx="2">
-            <a:schemeClr val="accent1">
-              <a:shade val="50000"/>
-            </a:schemeClr>
-          </a:lnRef>
-          <a:fillRef idx="1">
-            <a:schemeClr val="accent1"/>
-          </a:fillRef>
-          <a:effectRef idx="0">
-            <a:schemeClr val="accent1"/>
-          </a:effectRef>
-          <a:fontRef idx="minor">
-            <a:schemeClr val="lt1"/>
-          </a:fontRef>
-        </p:style>
-        <p:txBody>
-          <a:bodyPr rtlCol="0" anchor="ctr"/>
-          <a:lstStyle/>
-          <a:p>
-            <a:pPr algn="ctr"/>
-            <a:endParaRPr lang="en-US"/>
-          </a:p>
-        </p:txBody>
-      </p:sp>
-      <p:sp>
-        <p:nvSpPr>
-          <p:cNvPr id="9" name="TextBox 8">
-            <a:extLst>
-              <a:ext uri="{FF2B5EF4-FFF2-40B4-BE49-F238E27FC236}">
-                <a16:creationId xmlns:a16="http://schemas.microsoft.com/office/drawing/2014/main" id="{E7D583A8-4701-D647-BE61-F9BB1C539563}"/>
-              </a:ext>
-            </a:extLst>
-          </p:cNvPr>
-          <p:cNvSpPr txBox="1"/>
-          <p:nvPr/>
-        </p:nvSpPr>
-        <p:spPr>
-          <a:xfrm>
-            <a:off x="7189294" y="2002971"/>
-            <a:ext cx="2970878" cy="461665"/>
-          </a:xfrm>
-          <a:prstGeom prst="rect">
-            <a:avLst/>
-          </a:prstGeom>
-          <a:noFill/>
-        </p:spPr>
-        <p:txBody>
-          <a:bodyPr wrap="none" rtlCol="0">
-            <a:spAutoFit/>
-          </a:bodyPr>
-          <a:lstStyle/>
-          <a:p>
-            <a:r>
-              <a:rPr lang="en-US" sz="2400" b="1" dirty="0"/>
-              <a:t>Imperative Languages</a:t>
-            </a:r>
-          </a:p>
-        </p:txBody>
-      </p:sp>
-      <p:sp>
-        <p:nvSpPr>
-          <p:cNvPr id="10" name="TextBox 9">
-            <a:extLst>
-              <a:ext uri="{FF2B5EF4-FFF2-40B4-BE49-F238E27FC236}">
-                <a16:creationId xmlns:a16="http://schemas.microsoft.com/office/drawing/2014/main" id="{AE61A8DE-43D2-684F-919F-57DCE47AFC66}"/>
-              </a:ext>
-            </a:extLst>
-          </p:cNvPr>
-          <p:cNvSpPr txBox="1"/>
-          <p:nvPr/>
-        </p:nvSpPr>
-        <p:spPr>
-          <a:xfrm>
-            <a:off x="1812574" y="2693085"/>
-            <a:ext cx="1435008" cy="923330"/>
-          </a:xfrm>
-          <a:prstGeom prst="rect">
-            <a:avLst/>
-          </a:prstGeom>
-          <a:noFill/>
-        </p:spPr>
-        <p:txBody>
-          <a:bodyPr wrap="none" rtlCol="0">
-            <a:spAutoFit/>
-          </a:bodyPr>
-          <a:lstStyle/>
-          <a:p>
-            <a:pPr algn="ctr"/>
-            <a:r>
-              <a:rPr lang="en-US" dirty="0"/>
-              <a:t>Functional: </a:t>
-            </a:r>
-          </a:p>
-          <a:p>
-            <a:pPr algn="ctr"/>
-            <a:r>
-              <a:rPr lang="en-US" dirty="0"/>
-              <a:t>Lisp/Scheme,</a:t>
-            </a:r>
-          </a:p>
-          <a:p>
-            <a:pPr algn="ctr"/>
-            <a:r>
-              <a:rPr lang="en-US" dirty="0"/>
-              <a:t>Haskell</a:t>
-            </a:r>
-          </a:p>
-        </p:txBody>
-      </p:sp>
-      <p:sp>
-        <p:nvSpPr>
-          <p:cNvPr id="11" name="TextBox 10">
-            <a:extLst>
-              <a:ext uri="{FF2B5EF4-FFF2-40B4-BE49-F238E27FC236}">
-                <a16:creationId xmlns:a16="http://schemas.microsoft.com/office/drawing/2014/main" id="{2BEFD8E5-ABE6-954E-9965-179AA1D1032F}"/>
-              </a:ext>
-            </a:extLst>
-          </p:cNvPr>
-          <p:cNvSpPr txBox="1"/>
-          <p:nvPr/>
-        </p:nvSpPr>
-        <p:spPr>
-          <a:xfrm>
-            <a:off x="3913079" y="3126307"/>
-            <a:ext cx="1208985" cy="646331"/>
-          </a:xfrm>
-          <a:prstGeom prst="rect">
-            <a:avLst/>
-          </a:prstGeom>
-          <a:noFill/>
-        </p:spPr>
-        <p:txBody>
-          <a:bodyPr wrap="none" rtlCol="0">
-            <a:spAutoFit/>
-          </a:bodyPr>
-          <a:lstStyle/>
-          <a:p>
-            <a:r>
-              <a:rPr lang="en-US" dirty="0"/>
-              <a:t>Dataflow:</a:t>
-            </a:r>
-          </a:p>
-          <a:p>
-            <a:r>
-              <a:rPr lang="en-US" dirty="0"/>
-              <a:t>Id, Val, Dot</a:t>
-            </a:r>
-          </a:p>
-        </p:txBody>
-      </p:sp>
-      <p:sp>
-        <p:nvSpPr>
-          <p:cNvPr id="12" name="TextBox 11">
-            <a:extLst>
-              <a:ext uri="{FF2B5EF4-FFF2-40B4-BE49-F238E27FC236}">
-                <a16:creationId xmlns:a16="http://schemas.microsoft.com/office/drawing/2014/main" id="{43BF25B0-85F7-5D4D-83B7-80D04833A54B}"/>
-              </a:ext>
-            </a:extLst>
-          </p:cNvPr>
-          <p:cNvSpPr txBox="1"/>
-          <p:nvPr/>
-        </p:nvSpPr>
-        <p:spPr>
-          <a:xfrm>
-            <a:off x="2405743" y="4256314"/>
-            <a:ext cx="2598532" cy="646331"/>
-          </a:xfrm>
-          <a:prstGeom prst="rect">
-            <a:avLst/>
-          </a:prstGeom>
-          <a:noFill/>
-        </p:spPr>
-        <p:txBody>
-          <a:bodyPr wrap="none" rtlCol="0">
-            <a:spAutoFit/>
-          </a:bodyPr>
-          <a:lstStyle/>
-          <a:p>
-            <a:r>
-              <a:rPr lang="en-US" dirty="0"/>
-              <a:t>Logic/Constraint-based:</a:t>
-            </a:r>
-          </a:p>
-          <a:p>
-            <a:r>
-              <a:rPr lang="en-US" dirty="0"/>
-              <a:t>Prolog, Spreadsheet, SQL</a:t>
-            </a:r>
-          </a:p>
-        </p:txBody>
-      </p:sp>
-      <p:sp>
-        <p:nvSpPr>
-          <p:cNvPr id="13" name="TextBox 12">
-            <a:extLst>
-              <a:ext uri="{FF2B5EF4-FFF2-40B4-BE49-F238E27FC236}">
-                <a16:creationId xmlns:a16="http://schemas.microsoft.com/office/drawing/2014/main" id="{72C3DBBC-F10A-1641-A99C-13453C3C41B4}"/>
-              </a:ext>
-            </a:extLst>
-          </p:cNvPr>
-          <p:cNvSpPr txBox="1"/>
-          <p:nvPr/>
-        </p:nvSpPr>
-        <p:spPr>
-          <a:xfrm>
-            <a:off x="7525982" y="2805415"/>
-            <a:ext cx="3725892" cy="369332"/>
-          </a:xfrm>
-          <a:prstGeom prst="rect">
-            <a:avLst/>
-          </a:prstGeom>
-          <a:noFill/>
-        </p:spPr>
-        <p:txBody>
-          <a:bodyPr wrap="none" rtlCol="0">
-            <a:spAutoFit/>
-          </a:bodyPr>
-          <a:lstStyle/>
-          <a:p>
-            <a:r>
-              <a:rPr lang="en-US" dirty="0"/>
-              <a:t>Von Neumann: C, Ada, Pascal, Fortran</a:t>
-            </a:r>
-          </a:p>
-        </p:txBody>
-      </p:sp>
-      <p:sp>
-        <p:nvSpPr>
-          <p:cNvPr id="14" name="TextBox 13">
-            <a:extLst>
-              <a:ext uri="{FF2B5EF4-FFF2-40B4-BE49-F238E27FC236}">
-                <a16:creationId xmlns:a16="http://schemas.microsoft.com/office/drawing/2014/main" id="{0CE09E05-B674-D642-9F3F-D330B61DE993}"/>
-              </a:ext>
-            </a:extLst>
-          </p:cNvPr>
-          <p:cNvSpPr txBox="1"/>
-          <p:nvPr/>
-        </p:nvSpPr>
-        <p:spPr>
-          <a:xfrm>
-            <a:off x="7694560" y="3719501"/>
-            <a:ext cx="3631828" cy="369332"/>
-          </a:xfrm>
-          <a:prstGeom prst="rect">
-            <a:avLst/>
-          </a:prstGeom>
-          <a:noFill/>
-        </p:spPr>
-        <p:txBody>
-          <a:bodyPr wrap="none" rtlCol="0">
-            <a:spAutoFit/>
-          </a:bodyPr>
-          <a:lstStyle/>
-          <a:p>
-            <a:r>
-              <a:rPr lang="en-US" dirty="0"/>
-              <a:t>Object-Oriented: Smalltalk, Java, C++</a:t>
-            </a:r>
-          </a:p>
-        </p:txBody>
-      </p:sp>
-      <p:sp>
-        <p:nvSpPr>
-          <p:cNvPr id="15" name="TextBox 14">
-            <a:extLst>
-              <a:ext uri="{FF2B5EF4-FFF2-40B4-BE49-F238E27FC236}">
-                <a16:creationId xmlns:a16="http://schemas.microsoft.com/office/drawing/2014/main" id="{27462B78-3B86-6049-8230-05F663E6ABD0}"/>
-              </a:ext>
-            </a:extLst>
-          </p:cNvPr>
-          <p:cNvSpPr txBox="1"/>
-          <p:nvPr/>
-        </p:nvSpPr>
-        <p:spPr>
-          <a:xfrm>
-            <a:off x="6753893" y="4566948"/>
-            <a:ext cx="4301242" cy="369332"/>
-          </a:xfrm>
-          <a:prstGeom prst="rect">
-            <a:avLst/>
-          </a:prstGeom>
-          <a:noFill/>
-        </p:spPr>
-        <p:txBody>
-          <a:bodyPr wrap="none" rtlCol="0">
-            <a:spAutoFit/>
-          </a:bodyPr>
-          <a:lstStyle/>
-          <a:p>
-            <a:r>
-              <a:rPr lang="en-US" dirty="0"/>
-              <a:t>Scripting: Perl, Python, PHP, </a:t>
-            </a:r>
-            <a:r>
-              <a:rPr lang="en-US" dirty="0" err="1"/>
-              <a:t>Javascript</a:t>
-            </a:r>
-            <a:r>
-              <a:rPr lang="en-US" dirty="0"/>
-              <a:t>, Bash</a:t>
-            </a:r>
-          </a:p>
-        </p:txBody>
-      </p:sp>
-      <p:sp>
-        <p:nvSpPr>
-          <p:cNvPr id="16" name="Footer Placeholder 15">
-            <a:extLst>
-              <a:ext uri="{FF2B5EF4-FFF2-40B4-BE49-F238E27FC236}">
-                <a16:creationId xmlns:a16="http://schemas.microsoft.com/office/drawing/2014/main" id="{1D676131-866C-5644-8E57-9AF09216D815}"/>
-              </a:ext>
-            </a:extLst>
-          </p:cNvPr>
-          <p:cNvSpPr>
-            <a:spLocks noGrp="1"/>
-          </p:cNvSpPr>
-          <p:nvPr>
-            <p:ph type="ftr" sz="quarter" idx="11"/>
-          </p:nvPr>
-        </p:nvSpPr>
-        <p:spPr/>
-        <p:txBody>
-          <a:bodyPr/>
-          <a:lstStyle/>
-          <a:p>
-            <a:r>
-              <a:rPr lang="en-US"/>
-              <a:t>Principles of Programming Languages</a:t>
-            </a:r>
-            <a:endParaRPr lang="en-US" dirty="0"/>
-          </a:p>
-        </p:txBody>
-      </p:sp>
-      <p:sp>
-        <p:nvSpPr>
-          <p:cNvPr id="17" name="Slide Number Placeholder 16">
-            <a:extLst>
-              <a:ext uri="{FF2B5EF4-FFF2-40B4-BE49-F238E27FC236}">
-                <a16:creationId xmlns:a16="http://schemas.microsoft.com/office/drawing/2014/main" id="{1BB996B5-E4F0-124D-8EDA-ECE7DB919992}"/>
-              </a:ext>
-            </a:extLst>
-          </p:cNvPr>
-          <p:cNvSpPr>
-            <a:spLocks noGrp="1"/>
-          </p:cNvSpPr>
-          <p:nvPr>
-            <p:ph type="sldNum" sz="quarter" idx="12"/>
-          </p:nvPr>
-        </p:nvSpPr>
-        <p:spPr/>
-        <p:txBody>
-          <a:bodyPr/>
-          <a:lstStyle/>
-          <a:p>
-            <a:fld id="{D57F1E4F-1CFF-5643-939E-217C01CDF565}" type="slidenum">
-              <a:rPr lang="en-US" smtClean="0"/>
-              <a:pPr/>
-              <a:t>9</a:t>
-            </a:fld>
-            <a:endParaRPr lang="en-US" dirty="0"/>
-          </a:p>
-        </p:txBody>
-      </p:sp>
-      <p:sp>
-        <p:nvSpPr>
-          <p:cNvPr id="18" name="TextBox 17">
-            <a:extLst>
-              <a:ext uri="{FF2B5EF4-FFF2-40B4-BE49-F238E27FC236}">
-                <a16:creationId xmlns:a16="http://schemas.microsoft.com/office/drawing/2014/main" id="{DDDDC48F-15B5-A048-A535-BBA603C299CB}"/>
-              </a:ext>
-            </a:extLst>
-          </p:cNvPr>
-          <p:cNvSpPr txBox="1"/>
-          <p:nvPr/>
-        </p:nvSpPr>
-        <p:spPr>
-          <a:xfrm>
-            <a:off x="6021552" y="2990081"/>
-            <a:ext cx="660758" cy="1323439"/>
-          </a:xfrm>
-          <a:prstGeom prst="rect">
-            <a:avLst/>
-          </a:prstGeom>
-          <a:noFill/>
-        </p:spPr>
-        <p:txBody>
-          <a:bodyPr wrap="none" rtlCol="0">
-            <a:spAutoFit/>
-          </a:bodyPr>
-          <a:lstStyle/>
-          <a:p>
-            <a:r>
-              <a:rPr lang="en-US" sz="8000" b="1" i="1" dirty="0">
-                <a:solidFill>
-                  <a:schemeClr val="accent1">
-                    <a:lumMod val="75000"/>
-                  </a:schemeClr>
-                </a:solidFill>
-              </a:rPr>
-              <a:t>?</a:t>
-            </a:r>
-          </a:p>
-        </p:txBody>
-      </p:sp>
-    </p:spTree>
-    <p:extLst>
-      <p:ext uri="{BB962C8B-B14F-4D97-AF65-F5344CB8AC3E}">
-        <p14:creationId xmlns:p14="http://schemas.microsoft.com/office/powerpoint/2010/main" val="59651547"/>
       </p:ext>
     </p:extLst>
   </p:cSld>
